--- a/IMAGE/paperGraphic.pptx
+++ b/IMAGE/paperGraphic.pptx
@@ -5,22 +5,23 @@
     <p:sldMasterId id="2147483648" r:id="rId1"/>
   </p:sldMasterIdLst>
   <p:sldIdLst>
-    <p:sldId id="256" r:id="rId2"/>
-    <p:sldId id="257" r:id="rId3"/>
-    <p:sldId id="258" r:id="rId4"/>
-    <p:sldId id="259" r:id="rId5"/>
-    <p:sldId id="260" r:id="rId6"/>
-    <p:sldId id="262" r:id="rId7"/>
-    <p:sldId id="261" r:id="rId8"/>
-    <p:sldId id="263" r:id="rId9"/>
-    <p:sldId id="264" r:id="rId10"/>
-    <p:sldId id="265" r:id="rId11"/>
-    <p:sldId id="269" r:id="rId12"/>
-    <p:sldId id="266" r:id="rId13"/>
-    <p:sldId id="267" r:id="rId14"/>
-    <p:sldId id="268" r:id="rId15"/>
-    <p:sldId id="270" r:id="rId16"/>
-    <p:sldId id="271" r:id="rId17"/>
+    <p:sldId id="272" r:id="rId2"/>
+    <p:sldId id="256" r:id="rId3"/>
+    <p:sldId id="257" r:id="rId4"/>
+    <p:sldId id="258" r:id="rId5"/>
+    <p:sldId id="259" r:id="rId6"/>
+    <p:sldId id="260" r:id="rId7"/>
+    <p:sldId id="262" r:id="rId8"/>
+    <p:sldId id="261" r:id="rId9"/>
+    <p:sldId id="263" r:id="rId10"/>
+    <p:sldId id="264" r:id="rId11"/>
+    <p:sldId id="265" r:id="rId12"/>
+    <p:sldId id="269" r:id="rId13"/>
+    <p:sldId id="266" r:id="rId14"/>
+    <p:sldId id="267" r:id="rId15"/>
+    <p:sldId id="268" r:id="rId16"/>
+    <p:sldId id="270" r:id="rId17"/>
+    <p:sldId id="271" r:id="rId18"/>
   </p:sldIdLst>
   <p:sldSz cx="9144000" cy="6858000" type="screen4x3"/>
   <p:notesSz cx="6858000" cy="9144000"/>
@@ -304,7 +305,7 @@
             <a:fld id="{1D8BD707-D9CF-40AE-B4C6-C98DA3205C09}" type="datetimeFigureOut">
               <a:rPr lang="en-US" smtClean="0"/>
               <a:pPr/>
-              <a:t>2/27/2014</a:t>
+              <a:t>3/2/2014</a:t>
             </a:fld>
             <a:endParaRPr lang="en-US"/>
           </a:p>
@@ -471,7 +472,7 @@
             <a:fld id="{1D8BD707-D9CF-40AE-B4C6-C98DA3205C09}" type="datetimeFigureOut">
               <a:rPr lang="en-US" smtClean="0"/>
               <a:pPr/>
-              <a:t>2/27/2014</a:t>
+              <a:t>3/2/2014</a:t>
             </a:fld>
             <a:endParaRPr lang="en-US"/>
           </a:p>
@@ -648,7 +649,7 @@
             <a:fld id="{1D8BD707-D9CF-40AE-B4C6-C98DA3205C09}" type="datetimeFigureOut">
               <a:rPr lang="en-US" smtClean="0"/>
               <a:pPr/>
-              <a:t>2/27/2014</a:t>
+              <a:t>3/2/2014</a:t>
             </a:fld>
             <a:endParaRPr lang="en-US"/>
           </a:p>
@@ -815,7 +816,7 @@
             <a:fld id="{1D8BD707-D9CF-40AE-B4C6-C98DA3205C09}" type="datetimeFigureOut">
               <a:rPr lang="en-US" smtClean="0"/>
               <a:pPr/>
-              <a:t>2/27/2014</a:t>
+              <a:t>3/2/2014</a:t>
             </a:fld>
             <a:endParaRPr lang="en-US"/>
           </a:p>
@@ -1058,7 +1059,7 @@
             <a:fld id="{1D8BD707-D9CF-40AE-B4C6-C98DA3205C09}" type="datetimeFigureOut">
               <a:rPr lang="en-US" smtClean="0"/>
               <a:pPr/>
-              <a:t>2/27/2014</a:t>
+              <a:t>3/2/2014</a:t>
             </a:fld>
             <a:endParaRPr lang="en-US"/>
           </a:p>
@@ -1343,7 +1344,7 @@
             <a:fld id="{1D8BD707-D9CF-40AE-B4C6-C98DA3205C09}" type="datetimeFigureOut">
               <a:rPr lang="en-US" smtClean="0"/>
               <a:pPr/>
-              <a:t>2/27/2014</a:t>
+              <a:t>3/2/2014</a:t>
             </a:fld>
             <a:endParaRPr lang="en-US"/>
           </a:p>
@@ -1762,7 +1763,7 @@
             <a:fld id="{1D8BD707-D9CF-40AE-B4C6-C98DA3205C09}" type="datetimeFigureOut">
               <a:rPr lang="en-US" smtClean="0"/>
               <a:pPr/>
-              <a:t>2/27/2014</a:t>
+              <a:t>3/2/2014</a:t>
             </a:fld>
             <a:endParaRPr lang="en-US"/>
           </a:p>
@@ -1877,7 +1878,7 @@
             <a:fld id="{1D8BD707-D9CF-40AE-B4C6-C98DA3205C09}" type="datetimeFigureOut">
               <a:rPr lang="en-US" smtClean="0"/>
               <a:pPr/>
-              <a:t>2/27/2014</a:t>
+              <a:t>3/2/2014</a:t>
             </a:fld>
             <a:endParaRPr lang="en-US"/>
           </a:p>
@@ -1969,7 +1970,7 @@
             <a:fld id="{1D8BD707-D9CF-40AE-B4C6-C98DA3205C09}" type="datetimeFigureOut">
               <a:rPr lang="en-US" smtClean="0"/>
               <a:pPr/>
-              <a:t>2/27/2014</a:t>
+              <a:t>3/2/2014</a:t>
             </a:fld>
             <a:endParaRPr lang="en-US"/>
           </a:p>
@@ -2243,7 +2244,7 @@
             <a:fld id="{1D8BD707-D9CF-40AE-B4C6-C98DA3205C09}" type="datetimeFigureOut">
               <a:rPr lang="en-US" smtClean="0"/>
               <a:pPr/>
-              <a:t>2/27/2014</a:t>
+              <a:t>3/2/2014</a:t>
             </a:fld>
             <a:endParaRPr lang="en-US"/>
           </a:p>
@@ -2493,7 +2494,7 @@
             <a:fld id="{1D8BD707-D9CF-40AE-B4C6-C98DA3205C09}" type="datetimeFigureOut">
               <a:rPr lang="en-US" smtClean="0"/>
               <a:pPr/>
-              <a:t>2/27/2014</a:t>
+              <a:t>3/2/2014</a:t>
             </a:fld>
             <a:endParaRPr lang="en-US"/>
           </a:p>
@@ -2703,7 +2704,7 @@
             <a:fld id="{1D8BD707-D9CF-40AE-B4C6-C98DA3205C09}" type="datetimeFigureOut">
               <a:rPr lang="en-US" smtClean="0"/>
               <a:pPr/>
-              <a:t>2/27/2014</a:t>
+              <a:t>3/2/2014</a:t>
             </a:fld>
             <a:endParaRPr lang="en-US"/>
           </a:p>
@@ -3076,80 +3077,70 @@
       </p:grpSpPr>
       <p:sp>
         <p:nvSpPr>
-          <p:cNvPr id="3" name="Subtitle 2"/>
-          <p:cNvSpPr>
-            <a:spLocks noGrp="1"/>
-          </p:cNvSpPr>
-          <p:nvPr>
-            <p:ph type="subTitle" idx="1"/>
-          </p:nvPr>
-        </p:nvSpPr>
-        <p:spPr>
-          <a:xfrm>
-            <a:off x="1143000" y="4114800"/>
-            <a:ext cx="1219200" cy="762000"/>
-          </a:xfrm>
-        </p:spPr>
-        <p:txBody>
-          <a:bodyPr>
-            <a:normAutofit/>
-          </a:bodyPr>
-          <a:lstStyle/>
-          <a:p>
-            <a:r>
-              <a:rPr lang="zh-CN" altLang="en-US" sz="1800" dirty="0" smtClean="0">
+          <p:cNvPr id="2" name="矩形 1"/>
+          <p:cNvSpPr/>
+          <p:nvPr/>
+        </p:nvSpPr>
+        <p:spPr>
+          <a:xfrm>
+            <a:off x="3048000" y="2667000"/>
+            <a:ext cx="2133600" cy="304800"/>
+          </a:xfrm>
+          <a:prstGeom prst="rect">
+            <a:avLst/>
+          </a:prstGeom>
+        </p:spPr>
+        <p:style>
+          <a:lnRef idx="2">
+            <a:schemeClr val="accent3">
+              <a:shade val="50000"/>
+            </a:schemeClr>
+          </a:lnRef>
+          <a:fillRef idx="1">
+            <a:schemeClr val="accent3"/>
+          </a:fillRef>
+          <a:effectRef idx="0">
+            <a:schemeClr val="accent3"/>
+          </a:effectRef>
+          <a:fontRef idx="minor">
+            <a:schemeClr val="lt1"/>
+          </a:fontRef>
+        </p:style>
+        <p:txBody>
+          <a:bodyPr rtlCol="0" anchor="ctr"/>
+          <a:lstStyle/>
+          <a:p>
+            <a:pPr algn="ctr"/>
+            <a:r>
+              <a:rPr lang="en-US" altLang="zh-CN" sz="1600" dirty="0" smtClean="0">
                 <a:solidFill>
                   <a:schemeClr val="tx1"/>
                 </a:solidFill>
               </a:rPr>
-              <a:t>需求</a:t>
-            </a:r>
-            <a:endParaRPr lang="en-US" altLang="zh-CN" sz="1800" dirty="0" smtClean="0">
+              <a:t>Starling</a:t>
+            </a:r>
+            <a:endParaRPr lang="zh-CN" altLang="en-US" sz="1600" dirty="0">
               <a:solidFill>
                 <a:schemeClr val="tx1"/>
               </a:solidFill>
             </a:endParaRPr>
           </a:p>
-          <a:p>
-            <a:r>
-              <a:rPr lang="en-US" altLang="zh-CN" sz="1800" dirty="0" smtClean="0">
-                <a:solidFill>
-                  <a:schemeClr val="tx1"/>
-                </a:solidFill>
-              </a:rPr>
-              <a:t>b2BodyDef</a:t>
-            </a:r>
-            <a:endParaRPr lang="zh-CN" altLang="en-US" sz="1800" dirty="0">
-              <a:solidFill>
-                <a:schemeClr val="tx1"/>
-              </a:solidFill>
-            </a:endParaRPr>
-          </a:p>
-        </p:txBody>
-      </p:sp>
-      <p:sp>
-        <p:nvSpPr>
-          <p:cNvPr id="6" name="Flowchart: Process 5"/>
-          <p:cNvSpPr/>
-          <p:nvPr/>
-        </p:nvSpPr>
-        <p:spPr>
-          <a:xfrm>
-            <a:off x="1143000" y="4038600"/>
-            <a:ext cx="1219200" cy="838200"/>
-          </a:xfrm>
-          <a:prstGeom prst="flowChartProcess">
-            <a:avLst/>
-          </a:prstGeom>
-          <a:noFill/>
-          <a:ln cmpd="dbl">
-            <a:solidFill>
-              <a:schemeClr val="accent1">
-                <a:shade val="50000"/>
-              </a:schemeClr>
-            </a:solidFill>
-            <a:prstDash val="sysDot"/>
-          </a:ln>
+        </p:txBody>
+      </p:sp>
+      <p:sp>
+        <p:nvSpPr>
+          <p:cNvPr id="3" name="矩形 2"/>
+          <p:cNvSpPr/>
+          <p:nvPr/>
+        </p:nvSpPr>
+        <p:spPr>
+          <a:xfrm>
+            <a:off x="3048000" y="3048000"/>
+            <a:ext cx="2133600" cy="304800"/>
+          </a:xfrm>
+          <a:prstGeom prst="rect">
+            <a:avLst/>
+          </a:prstGeom>
         </p:spPr>
         <p:style>
           <a:lnRef idx="2">
@@ -3172,25 +3163,28 @@
           <a:lstStyle/>
           <a:p>
             <a:pPr algn="ctr"/>
-            <a:endParaRPr lang="zh-CN" altLang="en-US"/>
-          </a:p>
-        </p:txBody>
-      </p:sp>
-      <p:sp>
-        <p:nvSpPr>
-          <p:cNvPr id="8" name="Rectangle 7"/>
-          <p:cNvSpPr/>
-          <p:nvPr/>
-        </p:nvSpPr>
-        <p:spPr>
-          <a:xfrm>
-            <a:off x="3276600" y="4038600"/>
-            <a:ext cx="1524000" cy="838200"/>
+            <a:r>
+              <a:rPr lang="en-US" altLang="zh-CN" sz="1600" dirty="0" smtClean="0"/>
+              <a:t>Stage3D(Molehill)</a:t>
+            </a:r>
+            <a:endParaRPr lang="zh-CN" altLang="en-US" sz="1600" dirty="0"/>
+          </a:p>
+        </p:txBody>
+      </p:sp>
+      <p:sp>
+        <p:nvSpPr>
+          <p:cNvPr id="4" name="矩形 3"/>
+          <p:cNvSpPr/>
+          <p:nvPr/>
+        </p:nvSpPr>
+        <p:spPr>
+          <a:xfrm>
+            <a:off x="3048000" y="3429000"/>
+            <a:ext cx="2133600" cy="304800"/>
           </a:xfrm>
           <a:prstGeom prst="rect">
             <a:avLst/>
           </a:prstGeom>
-          <a:noFill/>
         </p:spPr>
         <p:style>
           <a:lnRef idx="2">
@@ -3213,22 +3207,26 @@
           <a:lstStyle/>
           <a:p>
             <a:pPr algn="ctr"/>
-            <a:endParaRPr lang="zh-CN" altLang="en-US"/>
-          </a:p>
-        </p:txBody>
-      </p:sp>
-      <p:sp>
-        <p:nvSpPr>
-          <p:cNvPr id="11" name="Chevron 10"/>
-          <p:cNvSpPr/>
-          <p:nvPr/>
-        </p:nvSpPr>
-        <p:spPr>
-          <a:xfrm>
-            <a:off x="2743200" y="4267200"/>
-            <a:ext cx="381000" cy="457200"/>
-          </a:xfrm>
-          <a:prstGeom prst="chevron">
+            <a:r>
+              <a:rPr lang="en-US" altLang="zh-CN" dirty="0" smtClean="0"/>
+              <a:t>OpenGL/ES2-DirectX</a:t>
+            </a:r>
+            <a:endParaRPr lang="zh-CN" altLang="en-US" dirty="0"/>
+          </a:p>
+        </p:txBody>
+      </p:sp>
+      <p:sp>
+        <p:nvSpPr>
+          <p:cNvPr id="5" name="矩形 4"/>
+          <p:cNvSpPr/>
+          <p:nvPr/>
+        </p:nvSpPr>
+        <p:spPr>
+          <a:xfrm>
+            <a:off x="3048000" y="3810000"/>
+            <a:ext cx="2133600" cy="381000"/>
+          </a:xfrm>
+          <a:prstGeom prst="rect">
             <a:avLst/>
           </a:prstGeom>
         </p:spPr>
@@ -3253,369 +3251,11 @@
           <a:lstStyle/>
           <a:p>
             <a:pPr algn="ctr"/>
-            <a:endParaRPr lang="zh-CN" altLang="en-US">
-              <a:solidFill>
-                <a:schemeClr val="tx1"/>
-              </a:solidFill>
-            </a:endParaRPr>
-          </a:p>
-        </p:txBody>
-      </p:sp>
-      <p:sp>
-        <p:nvSpPr>
-          <p:cNvPr id="12" name="Isosceles Triangle 11"/>
-          <p:cNvSpPr/>
-          <p:nvPr/>
-        </p:nvSpPr>
-        <p:spPr>
-          <a:xfrm>
-            <a:off x="2895600" y="3352800"/>
-            <a:ext cx="2209800" cy="685800"/>
-          </a:xfrm>
-          <a:prstGeom prst="triangle">
-            <a:avLst/>
-          </a:prstGeom>
-        </p:spPr>
-        <p:style>
-          <a:lnRef idx="2">
-            <a:schemeClr val="accent1">
-              <a:shade val="50000"/>
-            </a:schemeClr>
-          </a:lnRef>
-          <a:fillRef idx="1">
-            <a:schemeClr val="accent1"/>
-          </a:fillRef>
-          <a:effectRef idx="0">
-            <a:schemeClr val="accent1"/>
-          </a:effectRef>
-          <a:fontRef idx="minor">
-            <a:schemeClr val="lt1"/>
-          </a:fontRef>
-        </p:style>
-        <p:txBody>
-          <a:bodyPr rtlCol="0" anchor="ctr"/>
-          <a:lstStyle/>
-          <a:p>
-            <a:pPr algn="ctr"/>
-            <a:endParaRPr lang="zh-CN" altLang="en-US"/>
-          </a:p>
-        </p:txBody>
-      </p:sp>
-      <p:sp>
-        <p:nvSpPr>
-          <p:cNvPr id="13" name="Flowchart: Process 12"/>
-          <p:cNvSpPr/>
-          <p:nvPr/>
-        </p:nvSpPr>
-        <p:spPr>
-          <a:xfrm>
-            <a:off x="5715000" y="4038600"/>
-            <a:ext cx="1219200" cy="838200"/>
-          </a:xfrm>
-          <a:prstGeom prst="flowChartProcess">
-            <a:avLst/>
-          </a:prstGeom>
-          <a:noFill/>
-          <a:ln cmpd="dbl">
-            <a:solidFill>
-              <a:schemeClr val="accent1">
-                <a:shade val="50000"/>
-              </a:schemeClr>
-            </a:solidFill>
-            <a:prstDash val="solid"/>
-          </a:ln>
-        </p:spPr>
-        <p:style>
-          <a:lnRef idx="2">
-            <a:schemeClr val="accent1">
-              <a:shade val="50000"/>
-            </a:schemeClr>
-          </a:lnRef>
-          <a:fillRef idx="1">
-            <a:schemeClr val="accent1"/>
-          </a:fillRef>
-          <a:effectRef idx="0">
-            <a:schemeClr val="accent1"/>
-          </a:effectRef>
-          <a:fontRef idx="minor">
-            <a:schemeClr val="lt1"/>
-          </a:fontRef>
-        </p:style>
-        <p:txBody>
-          <a:bodyPr rtlCol="0" anchor="ctr"/>
-          <a:lstStyle/>
-          <a:p>
-            <a:pPr algn="ctr"/>
-            <a:endParaRPr lang="zh-CN" altLang="en-US"/>
-          </a:p>
-        </p:txBody>
-      </p:sp>
-      <p:sp>
-        <p:nvSpPr>
-          <p:cNvPr id="14" name="Chevron 13"/>
-          <p:cNvSpPr/>
-          <p:nvPr/>
-        </p:nvSpPr>
-        <p:spPr>
-          <a:xfrm>
-            <a:off x="4953000" y="4267200"/>
-            <a:ext cx="381000" cy="457200"/>
-          </a:xfrm>
-          <a:prstGeom prst="chevron">
-            <a:avLst/>
-          </a:prstGeom>
-        </p:spPr>
-        <p:style>
-          <a:lnRef idx="2">
-            <a:schemeClr val="accent1">
-              <a:shade val="50000"/>
-            </a:schemeClr>
-          </a:lnRef>
-          <a:fillRef idx="1">
-            <a:schemeClr val="accent1"/>
-          </a:fillRef>
-          <a:effectRef idx="0">
-            <a:schemeClr val="accent1"/>
-          </a:effectRef>
-          <a:fontRef idx="minor">
-            <a:schemeClr val="lt1"/>
-          </a:fontRef>
-        </p:style>
-        <p:txBody>
-          <a:bodyPr rtlCol="0" anchor="ctr"/>
-          <a:lstStyle/>
-          <a:p>
-            <a:pPr algn="ctr"/>
-            <a:endParaRPr lang="zh-CN" altLang="en-US">
-              <a:solidFill>
-                <a:schemeClr val="tx1"/>
-              </a:solidFill>
-            </a:endParaRPr>
-          </a:p>
-        </p:txBody>
-      </p:sp>
-      <p:sp>
-        <p:nvSpPr>
-          <p:cNvPr id="15" name="Subtitle 2"/>
-          <p:cNvSpPr txBox="1">
-            <a:spLocks/>
-          </p:cNvSpPr>
-          <p:nvPr/>
-        </p:nvSpPr>
-        <p:spPr>
-          <a:xfrm>
-            <a:off x="5715000" y="4114800"/>
-            <a:ext cx="1219200" cy="762000"/>
-          </a:xfrm>
-          <a:prstGeom prst="rect">
-            <a:avLst/>
-          </a:prstGeom>
-        </p:spPr>
-        <p:txBody>
-          <a:bodyPr vert="horz" lIns="91440" tIns="45720" rIns="91440" bIns="45720" rtlCol="0">
-            <a:normAutofit/>
-          </a:bodyPr>
-          <a:lstStyle/>
-          <a:p>
-            <a:pPr marL="0" marR="0" lvl="0" indent="0" algn="ctr" defTabSz="914400" rtl="0" eaLnBrk="1" fontAlgn="auto" latinLnBrk="0" hangingPunct="1">
-              <a:lnSpc>
-                <a:spcPct val="100000"/>
-              </a:lnSpc>
-              <a:spcBef>
-                <a:spcPct val="20000"/>
-              </a:spcBef>
-              <a:spcAft>
-                <a:spcPts val="0"/>
-              </a:spcAft>
-              <a:buClrTx/>
-              <a:buSzTx/>
-              <a:buFont typeface="Arial" pitchFamily="34" charset="0"/>
-              <a:buNone/>
-              <a:tabLst/>
-              <a:defRPr/>
-            </a:pPr>
-            <a:r>
-              <a:rPr lang="zh-CN" altLang="en-US" dirty="0" smtClean="0"/>
-              <a:t>产品</a:t>
-            </a:r>
-            <a:endParaRPr kumimoji="0" lang="en-US" altLang="zh-CN" sz="1800" b="0" i="0" u="none" strike="noStrike" kern="1200" cap="none" spc="0" normalizeH="0" baseline="0" noProof="0" dirty="0" smtClean="0">
-              <a:ln>
-                <a:noFill/>
-              </a:ln>
-              <a:effectLst/>
-              <a:uLnTx/>
-              <a:uFillTx/>
-              <a:latin typeface="+mn-lt"/>
-              <a:ea typeface="+mn-ea"/>
-              <a:cs typeface="+mn-cs"/>
-            </a:endParaRPr>
-          </a:p>
-          <a:p>
-            <a:pPr marL="0" marR="0" lvl="0" indent="0" algn="ctr" defTabSz="914400" rtl="0" eaLnBrk="1" fontAlgn="auto" latinLnBrk="0" hangingPunct="1">
-              <a:lnSpc>
-                <a:spcPct val="100000"/>
-              </a:lnSpc>
-              <a:spcBef>
-                <a:spcPct val="20000"/>
-              </a:spcBef>
-              <a:spcAft>
-                <a:spcPts val="0"/>
-              </a:spcAft>
-              <a:buClrTx/>
-              <a:buSzTx/>
-              <a:buFont typeface="Arial" pitchFamily="34" charset="0"/>
-              <a:buNone/>
-              <a:tabLst/>
-              <a:defRPr/>
-            </a:pPr>
-            <a:r>
-              <a:rPr kumimoji="0" lang="en-US" altLang="zh-CN" sz="1800" b="0" i="0" u="none" strike="noStrike" kern="1200" cap="none" spc="0" normalizeH="0" baseline="0" noProof="0" dirty="0" smtClean="0">
-                <a:ln>
-                  <a:noFill/>
-                </a:ln>
-                <a:effectLst/>
-                <a:uLnTx/>
-                <a:uFillTx/>
-                <a:latin typeface="+mn-lt"/>
-                <a:ea typeface="+mn-ea"/>
-                <a:cs typeface="+mn-cs"/>
-              </a:rPr>
-              <a:t>b2Body</a:t>
-            </a:r>
-            <a:endParaRPr kumimoji="0" lang="zh-CN" altLang="en-US" sz="1800" b="0" i="0" u="none" strike="noStrike" kern="1200" cap="none" spc="0" normalizeH="0" baseline="0" noProof="0" dirty="0">
-              <a:ln>
-                <a:noFill/>
-              </a:ln>
-              <a:effectLst/>
-              <a:uLnTx/>
-              <a:uFillTx/>
-              <a:latin typeface="+mn-lt"/>
-              <a:ea typeface="+mn-ea"/>
-              <a:cs typeface="+mn-cs"/>
-            </a:endParaRPr>
-          </a:p>
-        </p:txBody>
-      </p:sp>
-      <p:sp>
-        <p:nvSpPr>
-          <p:cNvPr id="16" name="Subtitle 2"/>
-          <p:cNvSpPr txBox="1">
-            <a:spLocks/>
-          </p:cNvSpPr>
-          <p:nvPr/>
-        </p:nvSpPr>
-        <p:spPr>
-          <a:xfrm>
-            <a:off x="3200400" y="4174622"/>
-            <a:ext cx="1676400" cy="762000"/>
-          </a:xfrm>
-          <a:prstGeom prst="rect">
-            <a:avLst/>
-          </a:prstGeom>
-        </p:spPr>
-        <p:txBody>
-          <a:bodyPr vert="horz" lIns="91440" tIns="45720" rIns="91440" bIns="45720" rtlCol="0">
-            <a:noAutofit/>
-          </a:bodyPr>
-          <a:lstStyle/>
-          <a:p>
-            <a:pPr algn="ctr">
-              <a:spcBef>
-                <a:spcPct val="20000"/>
-              </a:spcBef>
-            </a:pPr>
-            <a:r>
-              <a:rPr lang="en-US" altLang="zh-CN" dirty="0" smtClean="0"/>
-              <a:t>b2World.create(b2BodyDef</a:t>
-            </a:r>
-            <a:r>
-              <a:rPr kumimoji="0" lang="en-US" altLang="zh-CN" b="0" i="0" u="none" strike="noStrike" kern="1200" cap="none" spc="0" normalizeH="0" baseline="0" noProof="0" dirty="0" smtClean="0">
-                <a:ln>
-                  <a:noFill/>
-                </a:ln>
-                <a:effectLst/>
-                <a:uLnTx/>
-                <a:uFillTx/>
-                <a:latin typeface="+mn-lt"/>
-                <a:ea typeface="+mn-ea"/>
-                <a:cs typeface="+mn-cs"/>
-              </a:rPr>
-              <a:t>)</a:t>
-            </a:r>
-          </a:p>
-        </p:txBody>
-      </p:sp>
-      <p:sp>
-        <p:nvSpPr>
-          <p:cNvPr id="17" name="Subtitle 2"/>
-          <p:cNvSpPr txBox="1">
-            <a:spLocks/>
-          </p:cNvSpPr>
-          <p:nvPr/>
-        </p:nvSpPr>
-        <p:spPr>
-          <a:xfrm>
-            <a:off x="3429000" y="3657600"/>
-            <a:ext cx="1219200" cy="381000"/>
-          </a:xfrm>
-          <a:prstGeom prst="rect">
-            <a:avLst/>
-          </a:prstGeom>
-        </p:spPr>
-        <p:txBody>
-          <a:bodyPr vert="horz" lIns="91440" tIns="45720" rIns="91440" bIns="45720" rtlCol="0">
-            <a:normAutofit/>
-          </a:bodyPr>
-          <a:lstStyle/>
-          <a:p>
-            <a:pPr marL="0" marR="0" lvl="0" indent="0" algn="ctr" defTabSz="914400" rtl="0" eaLnBrk="1" fontAlgn="auto" latinLnBrk="0" hangingPunct="1">
-              <a:lnSpc>
-                <a:spcPct val="100000"/>
-              </a:lnSpc>
-              <a:spcBef>
-                <a:spcPct val="20000"/>
-              </a:spcBef>
-              <a:spcAft>
-                <a:spcPts val="0"/>
-              </a:spcAft>
-              <a:buClrTx/>
-              <a:buSzTx/>
-              <a:buFont typeface="Arial" pitchFamily="34" charset="0"/>
-              <a:buNone/>
-              <a:tabLst/>
-              <a:defRPr/>
-            </a:pPr>
-            <a:r>
-              <a:rPr kumimoji="0" lang="zh-CN" altLang="en-US" sz="1800" b="0" i="0" u="none" strike="noStrike" kern="1200" cap="none" spc="0" normalizeH="0" baseline="0" noProof="0" dirty="0" smtClean="0">
-                <a:ln>
-                  <a:noFill/>
-                </a:ln>
-                <a:solidFill>
-                  <a:schemeClr val="bg1"/>
-                </a:solidFill>
-                <a:effectLst/>
-                <a:uLnTx/>
-                <a:uFillTx/>
-                <a:latin typeface="+mn-lt"/>
-                <a:ea typeface="+mn-ea"/>
-                <a:cs typeface="+mn-cs"/>
-              </a:rPr>
-              <a:t>工厂</a:t>
-            </a:r>
-            <a:endParaRPr kumimoji="0" lang="zh-CN" altLang="en-US" sz="1800" b="0" i="0" u="none" strike="noStrike" kern="1200" cap="none" spc="0" normalizeH="0" baseline="0" noProof="0" dirty="0">
-              <a:ln>
-                <a:noFill/>
-              </a:ln>
-              <a:solidFill>
-                <a:schemeClr val="bg1"/>
-              </a:solidFill>
-              <a:effectLst/>
-              <a:uLnTx/>
-              <a:uFillTx/>
-              <a:latin typeface="+mn-lt"/>
-              <a:ea typeface="+mn-ea"/>
-              <a:cs typeface="+mn-cs"/>
-            </a:endParaRPr>
+            <a:r>
+              <a:rPr lang="en-US" altLang="zh-CN" sz="2000" dirty="0" smtClean="0"/>
+              <a:t>GPU</a:t>
+            </a:r>
+            <a:endParaRPr lang="zh-CN" altLang="en-US" sz="2000" dirty="0"/>
           </a:p>
         </p:txBody>
       </p:sp>
@@ -3646,7 +3286,7 @@
       </p:grpSpPr>
       <p:sp>
         <p:nvSpPr>
-          <p:cNvPr id="9" name="Oval 8"/>
+          <p:cNvPr id="30" name="Oval 29"/>
           <p:cNvSpPr/>
           <p:nvPr/>
         </p:nvSpPr>
@@ -3686,7 +3326,7 @@
       </p:sp>
       <p:sp>
         <p:nvSpPr>
-          <p:cNvPr id="10" name="Up Arrow Callout 9"/>
+          <p:cNvPr id="4" name="Up Arrow Callout 3"/>
           <p:cNvSpPr/>
           <p:nvPr/>
         </p:nvSpPr>
@@ -3731,7 +3371,7 @@
       </p:sp>
       <p:sp>
         <p:nvSpPr>
-          <p:cNvPr id="11" name="Up Arrow 10"/>
+          <p:cNvPr id="5" name="Up Arrow 4"/>
           <p:cNvSpPr/>
           <p:nvPr/>
         </p:nvSpPr>
@@ -3771,7 +3411,7 @@
       </p:sp>
       <p:sp>
         <p:nvSpPr>
-          <p:cNvPr id="12" name="Freeform 11"/>
+          <p:cNvPr id="19" name="Freeform 18"/>
           <p:cNvSpPr/>
           <p:nvPr/>
         </p:nvSpPr>
@@ -3889,12 +3529,12 @@
       </p:sp>
       <p:sp>
         <p:nvSpPr>
-          <p:cNvPr id="13" name="Up Arrow 12"/>
-          <p:cNvSpPr/>
-          <p:nvPr/>
-        </p:nvSpPr>
-        <p:spPr>
-          <a:xfrm rot="2780914">
+          <p:cNvPr id="20" name="Up Arrow 19"/>
+          <p:cNvSpPr/>
+          <p:nvPr/>
+        </p:nvSpPr>
+        <p:spPr>
+          <a:xfrm rot="2706742">
             <a:off x="2050762" y="3315976"/>
             <a:ext cx="161751" cy="489734"/>
           </a:xfrm>
@@ -3929,12 +3569,12 @@
       </p:sp>
       <p:sp>
         <p:nvSpPr>
-          <p:cNvPr id="14" name="Up Arrow 13"/>
-          <p:cNvSpPr/>
-          <p:nvPr/>
-        </p:nvSpPr>
-        <p:spPr>
-          <a:xfrm rot="3079048">
+          <p:cNvPr id="21" name="Up Arrow 20"/>
+          <p:cNvSpPr/>
+          <p:nvPr/>
+        </p:nvSpPr>
+        <p:spPr>
+          <a:xfrm rot="2706742">
             <a:off x="2664287" y="2785590"/>
             <a:ext cx="161751" cy="489734"/>
           </a:xfrm>
@@ -3969,12 +3609,12 @@
       </p:sp>
       <p:sp>
         <p:nvSpPr>
-          <p:cNvPr id="15" name="Up Arrow 14"/>
-          <p:cNvSpPr/>
-          <p:nvPr/>
-        </p:nvSpPr>
-        <p:spPr>
-          <a:xfrm rot="3966100">
+          <p:cNvPr id="22" name="Up Arrow 21"/>
+          <p:cNvSpPr/>
+          <p:nvPr/>
+        </p:nvSpPr>
+        <p:spPr>
+          <a:xfrm rot="2706742">
             <a:off x="3350085" y="2347439"/>
             <a:ext cx="161751" cy="489734"/>
           </a:xfrm>
@@ -4009,13 +3649,13 @@
       </p:sp>
       <p:sp>
         <p:nvSpPr>
-          <p:cNvPr id="16" name="Up Arrow 15"/>
-          <p:cNvSpPr/>
-          <p:nvPr/>
-        </p:nvSpPr>
-        <p:spPr>
-          <a:xfrm rot="5989277">
-            <a:off x="4112086" y="2224474"/>
+          <p:cNvPr id="23" name="Up Arrow 22"/>
+          <p:cNvSpPr/>
+          <p:nvPr/>
+        </p:nvSpPr>
+        <p:spPr>
+          <a:xfrm rot="2706742">
+            <a:off x="4112086" y="2195040"/>
             <a:ext cx="161751" cy="489734"/>
           </a:xfrm>
           <a:prstGeom prst="upArrow">
@@ -4049,13 +3689,13 @@
       </p:sp>
       <p:sp>
         <p:nvSpPr>
-          <p:cNvPr id="17" name="Up Arrow 16"/>
-          <p:cNvSpPr/>
-          <p:nvPr/>
-        </p:nvSpPr>
-        <p:spPr>
-          <a:xfrm rot="7469813">
-            <a:off x="4800662" y="2521595"/>
+          <p:cNvPr id="24" name="Up Arrow 23"/>
+          <p:cNvSpPr/>
+          <p:nvPr/>
+        </p:nvSpPr>
+        <p:spPr>
+          <a:xfrm rot="2706742">
+            <a:off x="4721685" y="2423639"/>
             <a:ext cx="161751" cy="489734"/>
           </a:xfrm>
           <a:prstGeom prst="upArrow">
@@ -4089,13 +3729,13 @@
       </p:sp>
       <p:sp>
         <p:nvSpPr>
-          <p:cNvPr id="18" name="Up Arrow 17"/>
-          <p:cNvSpPr/>
-          <p:nvPr/>
-        </p:nvSpPr>
-        <p:spPr>
-          <a:xfrm rot="7915648">
-            <a:off x="5397905" y="2960344"/>
+          <p:cNvPr id="25" name="Up Arrow 24"/>
+          <p:cNvSpPr/>
+          <p:nvPr/>
+        </p:nvSpPr>
+        <p:spPr>
+          <a:xfrm rot="2706742">
+            <a:off x="5224040" y="2768349"/>
             <a:ext cx="161751" cy="489734"/>
           </a:xfrm>
           <a:prstGeom prst="upArrow">
@@ -4129,13 +3769,13 @@
       </p:sp>
       <p:sp>
         <p:nvSpPr>
-          <p:cNvPr id="19" name="Up Arrow 18"/>
-          <p:cNvSpPr/>
-          <p:nvPr/>
-        </p:nvSpPr>
-        <p:spPr>
-          <a:xfrm rot="8060961">
-            <a:off x="5965577" y="3488529"/>
+          <p:cNvPr id="26" name="Up Arrow 25"/>
+          <p:cNvSpPr/>
+          <p:nvPr/>
+        </p:nvSpPr>
+        <p:spPr>
+          <a:xfrm rot="2706742">
+            <a:off x="5636087" y="3106426"/>
             <a:ext cx="161751" cy="489734"/>
           </a:xfrm>
           <a:prstGeom prst="upArrow">
@@ -4169,13 +3809,13 @@
       </p:sp>
       <p:sp>
         <p:nvSpPr>
-          <p:cNvPr id="21" name="Up Arrow 20"/>
-          <p:cNvSpPr/>
-          <p:nvPr/>
-        </p:nvSpPr>
-        <p:spPr>
-          <a:xfrm rot="8050080">
-            <a:off x="6521378" y="4022306"/>
+          <p:cNvPr id="27" name="Up Arrow 26"/>
+          <p:cNvSpPr/>
+          <p:nvPr/>
+        </p:nvSpPr>
+        <p:spPr>
+          <a:xfrm rot="2706742">
+            <a:off x="6007562" y="3499965"/>
             <a:ext cx="161751" cy="489734"/>
           </a:xfrm>
           <a:prstGeom prst="upArrow">
@@ -4207,9 +3847,89 @@
           </a:p>
         </p:txBody>
       </p:sp>
+      <p:sp>
+        <p:nvSpPr>
+          <p:cNvPr id="28" name="Up Arrow 27"/>
+          <p:cNvSpPr/>
+          <p:nvPr/>
+        </p:nvSpPr>
+        <p:spPr>
+          <a:xfrm rot="2706742">
+            <a:off x="6379037" y="3887476"/>
+            <a:ext cx="161751" cy="489734"/>
+          </a:xfrm>
+          <a:prstGeom prst="upArrow">
+            <a:avLst/>
+          </a:prstGeom>
+        </p:spPr>
+        <p:style>
+          <a:lnRef idx="2">
+            <a:schemeClr val="dk1">
+              <a:shade val="50000"/>
+            </a:schemeClr>
+          </a:lnRef>
+          <a:fillRef idx="1">
+            <a:schemeClr val="dk1"/>
+          </a:fillRef>
+          <a:effectRef idx="0">
+            <a:schemeClr val="dk1"/>
+          </a:effectRef>
+          <a:fontRef idx="minor">
+            <a:schemeClr val="lt1"/>
+          </a:fontRef>
+        </p:style>
+        <p:txBody>
+          <a:bodyPr rtlCol="0" anchor="ctr"/>
+          <a:lstStyle/>
+          <a:p>
+            <a:pPr algn="ctr"/>
+            <a:endParaRPr lang="zh-CN" altLang="en-US"/>
+          </a:p>
+        </p:txBody>
+      </p:sp>
+      <p:sp>
+        <p:nvSpPr>
+          <p:cNvPr id="29" name="Up Arrow 28"/>
+          <p:cNvSpPr/>
+          <p:nvPr/>
+        </p:nvSpPr>
+        <p:spPr>
+          <a:xfrm rot="4799969">
+            <a:off x="6727516" y="4281163"/>
+            <a:ext cx="161751" cy="489734"/>
+          </a:xfrm>
+          <a:prstGeom prst="upArrow">
+            <a:avLst/>
+          </a:prstGeom>
+        </p:spPr>
+        <p:style>
+          <a:lnRef idx="2">
+            <a:schemeClr val="dk1">
+              <a:shade val="50000"/>
+            </a:schemeClr>
+          </a:lnRef>
+          <a:fillRef idx="1">
+            <a:schemeClr val="dk1"/>
+          </a:fillRef>
+          <a:effectRef idx="0">
+            <a:schemeClr val="dk1"/>
+          </a:effectRef>
+          <a:fontRef idx="minor">
+            <a:schemeClr val="lt1"/>
+          </a:fontRef>
+        </p:style>
+        <p:txBody>
+          <a:bodyPr rtlCol="0" anchor="ctr"/>
+          <a:lstStyle/>
+          <a:p>
+            <a:pPr algn="ctr"/>
+            <a:endParaRPr lang="zh-CN" altLang="en-US"/>
+          </a:p>
+        </p:txBody>
+      </p:sp>
       <p:cxnSp>
         <p:nvCxnSpPr>
-          <p:cNvPr id="23" name="Straight Connector 22"/>
+          <p:cNvPr id="32" name="Straight Connector 31"/>
           <p:cNvCxnSpPr/>
           <p:nvPr/>
         </p:nvCxnSpPr>
@@ -4239,7 +3959,7 @@
       </p:cxnSp>
       <p:sp>
         <p:nvSpPr>
-          <p:cNvPr id="24" name="Rectangle 23"/>
+          <p:cNvPr id="33" name="Rectangle 32"/>
           <p:cNvSpPr/>
           <p:nvPr/>
         </p:nvSpPr>
@@ -4280,7 +4000,7 @@
       </p:sp>
       <p:sp>
         <p:nvSpPr>
-          <p:cNvPr id="25" name="Rectangle 24"/>
+          <p:cNvPr id="34" name="Rectangle 33"/>
           <p:cNvSpPr/>
           <p:nvPr/>
         </p:nvSpPr>
@@ -4321,7 +4041,7 @@
       </p:sp>
       <p:sp>
         <p:nvSpPr>
-          <p:cNvPr id="26" name="Rectangle 25"/>
+          <p:cNvPr id="35" name="Rectangle 34"/>
           <p:cNvSpPr/>
           <p:nvPr/>
         </p:nvSpPr>
@@ -4362,7 +4082,7 @@
       </p:sp>
       <p:sp>
         <p:nvSpPr>
-          <p:cNvPr id="27" name="Rectangle 26"/>
+          <p:cNvPr id="36" name="Rectangle 35"/>
           <p:cNvSpPr/>
           <p:nvPr/>
         </p:nvSpPr>
@@ -4429,37 +4149,33 @@
       </p:grpSpPr>
       <p:sp>
         <p:nvSpPr>
-          <p:cNvPr id="9" name="Rectangle 8"/>
-          <p:cNvSpPr/>
-          <p:nvPr/>
-        </p:nvSpPr>
-        <p:spPr>
-          <a:xfrm>
-            <a:off x="5638800" y="838200"/>
-            <a:ext cx="838200" cy="838200"/>
-          </a:xfrm>
-          <a:prstGeom prst="rect">
-            <a:avLst/>
-          </a:prstGeom>
-          <a:ln>
-            <a:solidFill>
-              <a:schemeClr val="accent3"/>
-            </a:solidFill>
-            <a:prstDash val="sysDot"/>
-          </a:ln>
-        </p:spPr>
-        <p:style>
-          <a:lnRef idx="2">
+          <p:cNvPr id="9" name="Oval 8"/>
+          <p:cNvSpPr/>
+          <p:nvPr/>
+        </p:nvSpPr>
+        <p:spPr>
+          <a:xfrm>
+            <a:off x="6629400" y="4343400"/>
+            <a:ext cx="457200" cy="457200"/>
+          </a:xfrm>
+          <a:prstGeom prst="ellipse">
+            <a:avLst/>
+          </a:prstGeom>
+        </p:spPr>
+        <p:style>
+          <a:lnRef idx="2">
+            <a:schemeClr val="accent3">
+              <a:shade val="50000"/>
+            </a:schemeClr>
+          </a:lnRef>
+          <a:fillRef idx="1">
             <a:schemeClr val="accent3"/>
-          </a:lnRef>
-          <a:fillRef idx="1">
-            <a:schemeClr val="lt1"/>
           </a:fillRef>
           <a:effectRef idx="0">
             <a:schemeClr val="accent3"/>
           </a:effectRef>
           <a:fontRef idx="minor">
-            <a:schemeClr val="dk1"/>
+            <a:schemeClr val="lt1"/>
           </a:fontRef>
         </p:style>
         <p:txBody>
@@ -4473,61 +4189,22 @@
       </p:sp>
       <p:sp>
         <p:nvSpPr>
-          <p:cNvPr id="3" name="Rectangle 2"/>
-          <p:cNvSpPr/>
-          <p:nvPr/>
-        </p:nvSpPr>
-        <p:spPr>
-          <a:xfrm>
-            <a:off x="2133600" y="838200"/>
-            <a:ext cx="838200" cy="838200"/>
-          </a:xfrm>
-          <a:prstGeom prst="rect">
-            <a:avLst/>
-          </a:prstGeom>
-          <a:ln>
-            <a:solidFill>
-              <a:schemeClr val="accent3"/>
-            </a:solidFill>
-            <a:prstDash val="sysDot"/>
-          </a:ln>
-        </p:spPr>
-        <p:style>
-          <a:lnRef idx="2">
-            <a:schemeClr val="accent3"/>
-          </a:lnRef>
-          <a:fillRef idx="1">
-            <a:schemeClr val="lt1"/>
-          </a:fillRef>
-          <a:effectRef idx="0">
-            <a:schemeClr val="accent3"/>
-          </a:effectRef>
-          <a:fontRef idx="minor">
-            <a:schemeClr val="dk1"/>
-          </a:fontRef>
-        </p:style>
-        <p:txBody>
-          <a:bodyPr rtlCol="0" anchor="ctr"/>
-          <a:lstStyle/>
-          <a:p>
-            <a:pPr algn="ctr"/>
-            <a:endParaRPr lang="zh-CN" altLang="en-US"/>
-          </a:p>
-        </p:txBody>
-      </p:sp>
-      <p:sp>
-        <p:nvSpPr>
-          <p:cNvPr id="2" name="Oval 1"/>
-          <p:cNvSpPr/>
-          <p:nvPr/>
-        </p:nvSpPr>
-        <p:spPr>
-          <a:xfrm>
-            <a:off x="2133600" y="838200"/>
-            <a:ext cx="838200" cy="838200"/>
-          </a:xfrm>
-          <a:prstGeom prst="ellipse">
-            <a:avLst/>
+          <p:cNvPr id="10" name="Up Arrow Callout 9"/>
+          <p:cNvSpPr/>
+          <p:nvPr/>
+        </p:nvSpPr>
+        <p:spPr>
+          <a:xfrm>
+            <a:off x="990600" y="4191000"/>
+            <a:ext cx="1295400" cy="609600"/>
+          </a:xfrm>
+          <a:prstGeom prst="upArrowCallout">
+            <a:avLst>
+              <a:gd name="adj1" fmla="val 110216"/>
+              <a:gd name="adj2" fmla="val 55108"/>
+              <a:gd name="adj3" fmla="val 55693"/>
+              <a:gd name="adj4" fmla="val 64977"/>
+            </a:avLst>
           </a:prstGeom>
         </p:spPr>
         <p:style>
@@ -4557,74 +4234,30 @@
       </p:sp>
       <p:sp>
         <p:nvSpPr>
-          <p:cNvPr id="4" name="Rectangle 3"/>
-          <p:cNvSpPr/>
-          <p:nvPr/>
-        </p:nvSpPr>
-        <p:spPr>
-          <a:xfrm>
-            <a:off x="2667000" y="1524000"/>
-            <a:ext cx="838200" cy="838200"/>
-          </a:xfrm>
-          <a:prstGeom prst="rect">
-            <a:avLst/>
-          </a:prstGeom>
-          <a:ln>
-            <a:solidFill>
-              <a:schemeClr val="accent3"/>
-            </a:solidFill>
-            <a:prstDash val="sysDot"/>
-          </a:ln>
-        </p:spPr>
-        <p:style>
-          <a:lnRef idx="2">
-            <a:schemeClr val="accent3"/>
-          </a:lnRef>
-          <a:fillRef idx="1">
-            <a:schemeClr val="lt1"/>
-          </a:fillRef>
-          <a:effectRef idx="0">
-            <a:schemeClr val="accent3"/>
-          </a:effectRef>
-          <a:fontRef idx="minor">
-            <a:schemeClr val="dk1"/>
-          </a:fontRef>
-        </p:style>
-        <p:txBody>
-          <a:bodyPr rtlCol="0" anchor="ctr"/>
-          <a:lstStyle/>
-          <a:p>
-            <a:pPr algn="ctr"/>
-            <a:endParaRPr lang="zh-CN" altLang="en-US"/>
-          </a:p>
-        </p:txBody>
-      </p:sp>
-      <p:sp>
-        <p:nvSpPr>
-          <p:cNvPr id="5" name="Oval 4"/>
-          <p:cNvSpPr/>
-          <p:nvPr/>
-        </p:nvSpPr>
-        <p:spPr>
-          <a:xfrm>
-            <a:off x="2667000" y="1524000"/>
-            <a:ext cx="838200" cy="838200"/>
-          </a:xfrm>
-          <a:prstGeom prst="ellipse">
-            <a:avLst/>
-          </a:prstGeom>
-        </p:spPr>
-        <p:style>
-          <a:lnRef idx="2">
-            <a:schemeClr val="accent1">
+          <p:cNvPr id="11" name="Up Arrow 10"/>
+          <p:cNvSpPr/>
+          <p:nvPr/>
+        </p:nvSpPr>
+        <p:spPr>
+          <a:xfrm rot="2706742">
+            <a:off x="1441162" y="3947640"/>
+            <a:ext cx="161751" cy="489734"/>
+          </a:xfrm>
+          <a:prstGeom prst="upArrow">
+            <a:avLst/>
+          </a:prstGeom>
+        </p:spPr>
+        <p:style>
+          <a:lnRef idx="2">
+            <a:schemeClr val="dk1">
               <a:shade val="50000"/>
             </a:schemeClr>
           </a:lnRef>
           <a:fillRef idx="1">
-            <a:schemeClr val="accent1"/>
-          </a:fillRef>
-          <a:effectRef idx="0">
-            <a:schemeClr val="accent1"/>
+            <a:schemeClr val="dk1"/>
+          </a:fillRef>
+          <a:effectRef idx="0">
+            <a:schemeClr val="dk1"/>
           </a:effectRef>
           <a:fontRef idx="minor">
             <a:schemeClr val="lt1"/>
@@ -4641,31 +4274,148 @@
       </p:sp>
       <p:sp>
         <p:nvSpPr>
-          <p:cNvPr id="6" name="Rectangle 5"/>
-          <p:cNvSpPr/>
-          <p:nvPr/>
-        </p:nvSpPr>
-        <p:spPr>
-          <a:xfrm>
-            <a:off x="3886200" y="838200"/>
-            <a:ext cx="838200" cy="838200"/>
-          </a:xfrm>
-          <a:prstGeom prst="rect">
-            <a:avLst/>
-          </a:prstGeom>
-          <a:ln/>
-        </p:spPr>
-        <p:style>
-          <a:lnRef idx="2">
-            <a:schemeClr val="accent1">
+          <p:cNvPr id="12" name="Freeform 11"/>
+          <p:cNvSpPr/>
+          <p:nvPr/>
+        </p:nvSpPr>
+        <p:spPr>
+          <a:xfrm>
+            <a:off x="1295401" y="2420330"/>
+            <a:ext cx="5638800" cy="2151670"/>
+          </a:xfrm>
+          <a:custGeom>
+            <a:avLst/>
+            <a:gdLst>
+              <a:gd name="connsiteX0" fmla="*/ 0 w 4927600"/>
+              <a:gd name="connsiteY0" fmla="*/ 2457450 h 2838450"/>
+              <a:gd name="connsiteX1" fmla="*/ 2295525 w 4927600"/>
+              <a:gd name="connsiteY1" fmla="*/ 9525 h 2838450"/>
+              <a:gd name="connsiteX2" fmla="*/ 4505325 w 4927600"/>
+              <a:gd name="connsiteY2" fmla="*/ 2400300 h 2838450"/>
+              <a:gd name="connsiteX3" fmla="*/ 4829175 w 4927600"/>
+              <a:gd name="connsiteY3" fmla="*/ 2638425 h 2838450"/>
+              <a:gd name="connsiteX0" fmla="*/ 0 w 5101561"/>
+              <a:gd name="connsiteY0" fmla="*/ 2457450 h 2840249"/>
+              <a:gd name="connsiteX1" fmla="*/ 2295525 w 5101561"/>
+              <a:gd name="connsiteY1" fmla="*/ 9525 h 2840249"/>
+              <a:gd name="connsiteX2" fmla="*/ 4505325 w 5101561"/>
+              <a:gd name="connsiteY2" fmla="*/ 2400300 h 2840249"/>
+              <a:gd name="connsiteX3" fmla="*/ 5052349 w 5101561"/>
+              <a:gd name="connsiteY3" fmla="*/ 2649220 h 2840249"/>
+              <a:gd name="connsiteX0" fmla="*/ 0 w 5052349"/>
+              <a:gd name="connsiteY0" fmla="*/ 2457450 h 2997597"/>
+              <a:gd name="connsiteX1" fmla="*/ 2295525 w 5052349"/>
+              <a:gd name="connsiteY1" fmla="*/ 9525 h 2997597"/>
+              <a:gd name="connsiteX2" fmla="*/ 4505325 w 5052349"/>
+              <a:gd name="connsiteY2" fmla="*/ 2400300 h 2997597"/>
+              <a:gd name="connsiteX3" fmla="*/ 5052349 w 5052349"/>
+              <a:gd name="connsiteY3" fmla="*/ 2649220 h 2997597"/>
+              <a:gd name="connsiteX0" fmla="*/ 0 w 4505325"/>
+              <a:gd name="connsiteY0" fmla="*/ 2457450 h 2457450"/>
+              <a:gd name="connsiteX1" fmla="*/ 2295525 w 4505325"/>
+              <a:gd name="connsiteY1" fmla="*/ 9525 h 2457450"/>
+              <a:gd name="connsiteX2" fmla="*/ 4505325 w 4505325"/>
+              <a:gd name="connsiteY2" fmla="*/ 2400300 h 2457450"/>
+              <a:gd name="connsiteX0" fmla="*/ 0 w 4848929"/>
+              <a:gd name="connsiteY0" fmla="*/ 2457450 h 3060251"/>
+              <a:gd name="connsiteX1" fmla="*/ 2295525 w 4848929"/>
+              <a:gd name="connsiteY1" fmla="*/ 9525 h 3060251"/>
+              <a:gd name="connsiteX2" fmla="*/ 4505325 w 4848929"/>
+              <a:gd name="connsiteY2" fmla="*/ 2400300 h 3060251"/>
+              <a:gd name="connsiteX0" fmla="*/ 0 w 4505325"/>
+              <a:gd name="connsiteY0" fmla="*/ 2457450 h 2457450"/>
+              <a:gd name="connsiteX1" fmla="*/ 2295525 w 4505325"/>
+              <a:gd name="connsiteY1" fmla="*/ 9525 h 2457450"/>
+              <a:gd name="connsiteX2" fmla="*/ 4505325 w 4505325"/>
+              <a:gd name="connsiteY2" fmla="*/ 2400300 h 2457450"/>
+              <a:gd name="connsiteX0" fmla="*/ 0 w 4615727"/>
+              <a:gd name="connsiteY0" fmla="*/ 2479887 h 2671657"/>
+              <a:gd name="connsiteX1" fmla="*/ 2295525 w 4615727"/>
+              <a:gd name="connsiteY1" fmla="*/ 31962 h 2671657"/>
+              <a:gd name="connsiteX2" fmla="*/ 4615727 w 4615727"/>
+              <a:gd name="connsiteY2" fmla="*/ 2671657 h 2671657"/>
+            </a:gdLst>
+            <a:ahLst/>
+            <a:cxnLst>
+              <a:cxn ang="0">
+                <a:pos x="connsiteX0" y="connsiteY0"/>
+              </a:cxn>
+              <a:cxn ang="0">
+                <a:pos x="connsiteX1" y="connsiteY1"/>
+              </a:cxn>
+              <a:cxn ang="0">
+                <a:pos x="connsiteX2" y="connsiteY2"/>
+              </a:cxn>
+            </a:cxnLst>
+            <a:rect l="l" t="t" r="r" b="b"/>
+            <a:pathLst>
+              <a:path w="4615727" h="2671657">
+                <a:moveTo>
+                  <a:pt x="0" y="2479887"/>
+                </a:moveTo>
+                <a:cubicBezTo>
+                  <a:pt x="772319" y="1260687"/>
+                  <a:pt x="1526237" y="0"/>
+                  <a:pt x="2295525" y="31962"/>
+                </a:cubicBezTo>
+                <a:cubicBezTo>
+                  <a:pt x="3064813" y="63924"/>
+                  <a:pt x="4429146" y="2562861"/>
+                  <a:pt x="4615727" y="2671657"/>
+                </a:cubicBezTo>
+              </a:path>
+            </a:pathLst>
+          </a:custGeom>
+        </p:spPr>
+        <p:style>
+          <a:lnRef idx="1">
+            <a:schemeClr val="accent1"/>
+          </a:lnRef>
+          <a:fillRef idx="0">
+            <a:schemeClr val="accent1"/>
+          </a:fillRef>
+          <a:effectRef idx="0">
+            <a:schemeClr val="accent1"/>
+          </a:effectRef>
+          <a:fontRef idx="minor">
+            <a:schemeClr val="tx1"/>
+          </a:fontRef>
+        </p:style>
+        <p:txBody>
+          <a:bodyPr rtlCol="0" anchor="ctr"/>
+          <a:lstStyle/>
+          <a:p>
+            <a:pPr algn="ctr"/>
+            <a:endParaRPr lang="zh-CN" altLang="en-US"/>
+          </a:p>
+        </p:txBody>
+      </p:sp>
+      <p:sp>
+        <p:nvSpPr>
+          <p:cNvPr id="13" name="Up Arrow 12"/>
+          <p:cNvSpPr/>
+          <p:nvPr/>
+        </p:nvSpPr>
+        <p:spPr>
+          <a:xfrm rot="2780914">
+            <a:off x="2050762" y="3315976"/>
+            <a:ext cx="161751" cy="489734"/>
+          </a:xfrm>
+          <a:prstGeom prst="upArrow">
+            <a:avLst/>
+          </a:prstGeom>
+        </p:spPr>
+        <p:style>
+          <a:lnRef idx="2">
+            <a:schemeClr val="dk1">
               <a:shade val="50000"/>
             </a:schemeClr>
           </a:lnRef>
           <a:fillRef idx="1">
-            <a:schemeClr val="accent1"/>
-          </a:fillRef>
-          <a:effectRef idx="0">
-            <a:schemeClr val="accent1"/>
+            <a:schemeClr val="dk1"/>
+          </a:fillRef>
+          <a:effectRef idx="0">
+            <a:schemeClr val="dk1"/>
           </a:effectRef>
           <a:fontRef idx="minor">
             <a:schemeClr val="lt1"/>
@@ -4682,31 +4432,30 @@
       </p:sp>
       <p:sp>
         <p:nvSpPr>
-          <p:cNvPr id="7" name="Rectangle 6"/>
-          <p:cNvSpPr/>
-          <p:nvPr/>
-        </p:nvSpPr>
-        <p:spPr>
-          <a:xfrm>
-            <a:off x="4419600" y="1524000"/>
-            <a:ext cx="838200" cy="838200"/>
-          </a:xfrm>
-          <a:prstGeom prst="rect">
-            <a:avLst/>
-          </a:prstGeom>
-          <a:ln/>
-        </p:spPr>
-        <p:style>
-          <a:lnRef idx="2">
-            <a:schemeClr val="accent1">
+          <p:cNvPr id="14" name="Up Arrow 13"/>
+          <p:cNvSpPr/>
+          <p:nvPr/>
+        </p:nvSpPr>
+        <p:spPr>
+          <a:xfrm rot="3079048">
+            <a:off x="2664287" y="2785590"/>
+            <a:ext cx="161751" cy="489734"/>
+          </a:xfrm>
+          <a:prstGeom prst="upArrow">
+            <a:avLst/>
+          </a:prstGeom>
+        </p:spPr>
+        <p:style>
+          <a:lnRef idx="2">
+            <a:schemeClr val="dk1">
               <a:shade val="50000"/>
             </a:schemeClr>
           </a:lnRef>
           <a:fillRef idx="1">
-            <a:schemeClr val="accent1"/>
-          </a:fillRef>
-          <a:effectRef idx="0">
-            <a:schemeClr val="accent1"/>
+            <a:schemeClr val="dk1"/>
+          </a:fillRef>
+          <a:effectRef idx="0">
+            <a:schemeClr val="dk1"/>
           </a:effectRef>
           <a:fontRef idx="minor">
             <a:schemeClr val="lt1"/>
@@ -4723,30 +4472,30 @@
       </p:sp>
       <p:sp>
         <p:nvSpPr>
-          <p:cNvPr id="8" name="5-Point Star 7"/>
-          <p:cNvSpPr/>
-          <p:nvPr/>
-        </p:nvSpPr>
-        <p:spPr>
-          <a:xfrm>
-            <a:off x="5685310" y="867890"/>
-            <a:ext cx="762000" cy="762000"/>
-          </a:xfrm>
-          <a:prstGeom prst="star5">
-            <a:avLst/>
-          </a:prstGeom>
-        </p:spPr>
-        <p:style>
-          <a:lnRef idx="2">
-            <a:schemeClr val="accent1">
+          <p:cNvPr id="15" name="Up Arrow 14"/>
+          <p:cNvSpPr/>
+          <p:nvPr/>
+        </p:nvSpPr>
+        <p:spPr>
+          <a:xfrm rot="3966100">
+            <a:off x="3350085" y="2347439"/>
+            <a:ext cx="161751" cy="489734"/>
+          </a:xfrm>
+          <a:prstGeom prst="upArrow">
+            <a:avLst/>
+          </a:prstGeom>
+        </p:spPr>
+        <p:style>
+          <a:lnRef idx="2">
+            <a:schemeClr val="dk1">
               <a:shade val="50000"/>
             </a:schemeClr>
           </a:lnRef>
           <a:fillRef idx="1">
-            <a:schemeClr val="accent1"/>
-          </a:fillRef>
-          <a:effectRef idx="0">
-            <a:schemeClr val="accent1"/>
+            <a:schemeClr val="dk1"/>
+          </a:fillRef>
+          <a:effectRef idx="0">
+            <a:schemeClr val="dk1"/>
           </a:effectRef>
           <a:fontRef idx="minor">
             <a:schemeClr val="lt1"/>
@@ -4763,74 +4512,30 @@
       </p:sp>
       <p:sp>
         <p:nvSpPr>
-          <p:cNvPr id="10" name="Rectangle 9"/>
-          <p:cNvSpPr/>
-          <p:nvPr/>
-        </p:nvSpPr>
-        <p:spPr>
-          <a:xfrm>
-            <a:off x="6172200" y="1524000"/>
-            <a:ext cx="838200" cy="838200"/>
-          </a:xfrm>
-          <a:prstGeom prst="rect">
-            <a:avLst/>
-          </a:prstGeom>
-          <a:ln>
-            <a:solidFill>
-              <a:schemeClr val="accent3"/>
-            </a:solidFill>
-            <a:prstDash val="sysDot"/>
-          </a:ln>
-        </p:spPr>
-        <p:style>
-          <a:lnRef idx="2">
-            <a:schemeClr val="accent3"/>
-          </a:lnRef>
-          <a:fillRef idx="1">
-            <a:schemeClr val="lt1"/>
-          </a:fillRef>
-          <a:effectRef idx="0">
-            <a:schemeClr val="accent3"/>
-          </a:effectRef>
-          <a:fontRef idx="minor">
-            <a:schemeClr val="dk1"/>
-          </a:fontRef>
-        </p:style>
-        <p:txBody>
-          <a:bodyPr rtlCol="0" anchor="ctr"/>
-          <a:lstStyle/>
-          <a:p>
-            <a:pPr algn="ctr"/>
-            <a:endParaRPr lang="zh-CN" altLang="en-US"/>
-          </a:p>
-        </p:txBody>
-      </p:sp>
-      <p:sp>
-        <p:nvSpPr>
-          <p:cNvPr id="11" name="5-Point Star 10"/>
-          <p:cNvSpPr/>
-          <p:nvPr/>
-        </p:nvSpPr>
-        <p:spPr>
-          <a:xfrm>
-            <a:off x="6218710" y="1553690"/>
-            <a:ext cx="762000" cy="762000"/>
-          </a:xfrm>
-          <a:prstGeom prst="star5">
-            <a:avLst/>
-          </a:prstGeom>
-        </p:spPr>
-        <p:style>
-          <a:lnRef idx="2">
-            <a:schemeClr val="accent1">
+          <p:cNvPr id="16" name="Up Arrow 15"/>
+          <p:cNvSpPr/>
+          <p:nvPr/>
+        </p:nvSpPr>
+        <p:spPr>
+          <a:xfrm rot="5989277">
+            <a:off x="4112086" y="2224474"/>
+            <a:ext cx="161751" cy="489734"/>
+          </a:xfrm>
+          <a:prstGeom prst="upArrow">
+            <a:avLst/>
+          </a:prstGeom>
+        </p:spPr>
+        <p:style>
+          <a:lnRef idx="2">
+            <a:schemeClr val="dk1">
               <a:shade val="50000"/>
             </a:schemeClr>
           </a:lnRef>
           <a:fillRef idx="1">
-            <a:schemeClr val="accent1"/>
-          </a:fillRef>
-          <a:effectRef idx="0">
-            <a:schemeClr val="accent1"/>
+            <a:schemeClr val="dk1"/>
+          </a:fillRef>
+          <a:effectRef idx="0">
+            <a:schemeClr val="dk1"/>
           </a:effectRef>
           <a:fontRef idx="minor">
             <a:schemeClr val="lt1"/>
@@ -4842,6 +4547,361 @@
           <a:p>
             <a:pPr algn="ctr"/>
             <a:endParaRPr lang="zh-CN" altLang="en-US"/>
+          </a:p>
+        </p:txBody>
+      </p:sp>
+      <p:sp>
+        <p:nvSpPr>
+          <p:cNvPr id="17" name="Up Arrow 16"/>
+          <p:cNvSpPr/>
+          <p:nvPr/>
+        </p:nvSpPr>
+        <p:spPr>
+          <a:xfrm rot="7469813">
+            <a:off x="4800662" y="2521595"/>
+            <a:ext cx="161751" cy="489734"/>
+          </a:xfrm>
+          <a:prstGeom prst="upArrow">
+            <a:avLst/>
+          </a:prstGeom>
+        </p:spPr>
+        <p:style>
+          <a:lnRef idx="2">
+            <a:schemeClr val="dk1">
+              <a:shade val="50000"/>
+            </a:schemeClr>
+          </a:lnRef>
+          <a:fillRef idx="1">
+            <a:schemeClr val="dk1"/>
+          </a:fillRef>
+          <a:effectRef idx="0">
+            <a:schemeClr val="dk1"/>
+          </a:effectRef>
+          <a:fontRef idx="minor">
+            <a:schemeClr val="lt1"/>
+          </a:fontRef>
+        </p:style>
+        <p:txBody>
+          <a:bodyPr rtlCol="0" anchor="ctr"/>
+          <a:lstStyle/>
+          <a:p>
+            <a:pPr algn="ctr"/>
+            <a:endParaRPr lang="zh-CN" altLang="en-US"/>
+          </a:p>
+        </p:txBody>
+      </p:sp>
+      <p:sp>
+        <p:nvSpPr>
+          <p:cNvPr id="18" name="Up Arrow 17"/>
+          <p:cNvSpPr/>
+          <p:nvPr/>
+        </p:nvSpPr>
+        <p:spPr>
+          <a:xfrm rot="7915648">
+            <a:off x="5397905" y="2960344"/>
+            <a:ext cx="161751" cy="489734"/>
+          </a:xfrm>
+          <a:prstGeom prst="upArrow">
+            <a:avLst/>
+          </a:prstGeom>
+        </p:spPr>
+        <p:style>
+          <a:lnRef idx="2">
+            <a:schemeClr val="dk1">
+              <a:shade val="50000"/>
+            </a:schemeClr>
+          </a:lnRef>
+          <a:fillRef idx="1">
+            <a:schemeClr val="dk1"/>
+          </a:fillRef>
+          <a:effectRef idx="0">
+            <a:schemeClr val="dk1"/>
+          </a:effectRef>
+          <a:fontRef idx="minor">
+            <a:schemeClr val="lt1"/>
+          </a:fontRef>
+        </p:style>
+        <p:txBody>
+          <a:bodyPr rtlCol="0" anchor="ctr"/>
+          <a:lstStyle/>
+          <a:p>
+            <a:pPr algn="ctr"/>
+            <a:endParaRPr lang="zh-CN" altLang="en-US"/>
+          </a:p>
+        </p:txBody>
+      </p:sp>
+      <p:sp>
+        <p:nvSpPr>
+          <p:cNvPr id="19" name="Up Arrow 18"/>
+          <p:cNvSpPr/>
+          <p:nvPr/>
+        </p:nvSpPr>
+        <p:spPr>
+          <a:xfrm rot="8060961">
+            <a:off x="5965577" y="3488529"/>
+            <a:ext cx="161751" cy="489734"/>
+          </a:xfrm>
+          <a:prstGeom prst="upArrow">
+            <a:avLst/>
+          </a:prstGeom>
+        </p:spPr>
+        <p:style>
+          <a:lnRef idx="2">
+            <a:schemeClr val="dk1">
+              <a:shade val="50000"/>
+            </a:schemeClr>
+          </a:lnRef>
+          <a:fillRef idx="1">
+            <a:schemeClr val="dk1"/>
+          </a:fillRef>
+          <a:effectRef idx="0">
+            <a:schemeClr val="dk1"/>
+          </a:effectRef>
+          <a:fontRef idx="minor">
+            <a:schemeClr val="lt1"/>
+          </a:fontRef>
+        </p:style>
+        <p:txBody>
+          <a:bodyPr rtlCol="0" anchor="ctr"/>
+          <a:lstStyle/>
+          <a:p>
+            <a:pPr algn="ctr"/>
+            <a:endParaRPr lang="zh-CN" altLang="en-US"/>
+          </a:p>
+        </p:txBody>
+      </p:sp>
+      <p:sp>
+        <p:nvSpPr>
+          <p:cNvPr id="21" name="Up Arrow 20"/>
+          <p:cNvSpPr/>
+          <p:nvPr/>
+        </p:nvSpPr>
+        <p:spPr>
+          <a:xfrm rot="8050080">
+            <a:off x="6521378" y="4022306"/>
+            <a:ext cx="161751" cy="489734"/>
+          </a:xfrm>
+          <a:prstGeom prst="upArrow">
+            <a:avLst/>
+          </a:prstGeom>
+        </p:spPr>
+        <p:style>
+          <a:lnRef idx="2">
+            <a:schemeClr val="dk1">
+              <a:shade val="50000"/>
+            </a:schemeClr>
+          </a:lnRef>
+          <a:fillRef idx="1">
+            <a:schemeClr val="dk1"/>
+          </a:fillRef>
+          <a:effectRef idx="0">
+            <a:schemeClr val="dk1"/>
+          </a:effectRef>
+          <a:fontRef idx="minor">
+            <a:schemeClr val="lt1"/>
+          </a:fontRef>
+        </p:style>
+        <p:txBody>
+          <a:bodyPr rtlCol="0" anchor="ctr"/>
+          <a:lstStyle/>
+          <a:p>
+            <a:pPr algn="ctr"/>
+            <a:endParaRPr lang="zh-CN" altLang="en-US"/>
+          </a:p>
+        </p:txBody>
+      </p:sp>
+      <p:cxnSp>
+        <p:nvCxnSpPr>
+          <p:cNvPr id="23" name="Straight Connector 22"/>
+          <p:cNvCxnSpPr/>
+          <p:nvPr/>
+        </p:nvCxnSpPr>
+        <p:spPr>
+          <a:xfrm>
+            <a:off x="762000" y="4829175"/>
+            <a:ext cx="6629400" cy="0"/>
+          </a:xfrm>
+          <a:prstGeom prst="line">
+            <a:avLst/>
+          </a:prstGeom>
+        </p:spPr>
+        <p:style>
+          <a:lnRef idx="1">
+            <a:schemeClr val="accent1"/>
+          </a:lnRef>
+          <a:fillRef idx="0">
+            <a:schemeClr val="accent1"/>
+          </a:fillRef>
+          <a:effectRef idx="0">
+            <a:schemeClr val="accent1"/>
+          </a:effectRef>
+          <a:fontRef idx="minor">
+            <a:schemeClr val="tx1"/>
+          </a:fontRef>
+        </p:style>
+      </p:cxnSp>
+      <p:sp>
+        <p:nvSpPr>
+          <p:cNvPr id="24" name="Rectangle 23"/>
+          <p:cNvSpPr/>
+          <p:nvPr/>
+        </p:nvSpPr>
+        <p:spPr>
+          <a:xfrm>
+            <a:off x="5486400" y="4343400"/>
+            <a:ext cx="914400" cy="381000"/>
+          </a:xfrm>
+          <a:prstGeom prst="rect">
+            <a:avLst/>
+          </a:prstGeom>
+        </p:spPr>
+        <p:style>
+          <a:lnRef idx="2">
+            <a:schemeClr val="accent1"/>
+          </a:lnRef>
+          <a:fillRef idx="1">
+            <a:schemeClr val="lt1"/>
+          </a:fillRef>
+          <a:effectRef idx="0">
+            <a:schemeClr val="accent1"/>
+          </a:effectRef>
+          <a:fontRef idx="minor">
+            <a:schemeClr val="dk1"/>
+          </a:fontRef>
+        </p:style>
+        <p:txBody>
+          <a:bodyPr rtlCol="0" anchor="ctr"/>
+          <a:lstStyle/>
+          <a:p>
+            <a:pPr algn="ctr"/>
+            <a:r>
+              <a:rPr lang="en-US" altLang="zh-CN" dirty="0" smtClean="0"/>
+              <a:t>Target</a:t>
+            </a:r>
+          </a:p>
+        </p:txBody>
+      </p:sp>
+      <p:sp>
+        <p:nvSpPr>
+          <p:cNvPr id="25" name="Rectangle 24"/>
+          <p:cNvSpPr/>
+          <p:nvPr/>
+        </p:nvSpPr>
+        <p:spPr>
+          <a:xfrm>
+            <a:off x="3276600" y="1905000"/>
+            <a:ext cx="914400" cy="381000"/>
+          </a:xfrm>
+          <a:prstGeom prst="rect">
+            <a:avLst/>
+          </a:prstGeom>
+        </p:spPr>
+        <p:style>
+          <a:lnRef idx="2">
+            <a:schemeClr val="accent1"/>
+          </a:lnRef>
+          <a:fillRef idx="1">
+            <a:schemeClr val="lt1"/>
+          </a:fillRef>
+          <a:effectRef idx="0">
+            <a:schemeClr val="accent1"/>
+          </a:effectRef>
+          <a:fontRef idx="minor">
+            <a:schemeClr val="dk1"/>
+          </a:fontRef>
+        </p:style>
+        <p:txBody>
+          <a:bodyPr rtlCol="0" anchor="ctr"/>
+          <a:lstStyle/>
+          <a:p>
+            <a:pPr algn="ctr"/>
+            <a:r>
+              <a:rPr lang="en-US" altLang="zh-CN" dirty="0" smtClean="0"/>
+              <a:t>Arrow</a:t>
+            </a:r>
+          </a:p>
+        </p:txBody>
+      </p:sp>
+      <p:sp>
+        <p:nvSpPr>
+          <p:cNvPr id="26" name="Rectangle 25"/>
+          <p:cNvSpPr/>
+          <p:nvPr/>
+        </p:nvSpPr>
+        <p:spPr>
+          <a:xfrm>
+            <a:off x="2362200" y="4419600"/>
+            <a:ext cx="1066800" cy="381000"/>
+          </a:xfrm>
+          <a:prstGeom prst="rect">
+            <a:avLst/>
+          </a:prstGeom>
+        </p:spPr>
+        <p:style>
+          <a:lnRef idx="2">
+            <a:schemeClr val="accent1"/>
+          </a:lnRef>
+          <a:fillRef idx="1">
+            <a:schemeClr val="lt1"/>
+          </a:fillRef>
+          <a:effectRef idx="0">
+            <a:schemeClr val="accent1"/>
+          </a:effectRef>
+          <a:fontRef idx="minor">
+            <a:schemeClr val="dk1"/>
+          </a:fontRef>
+        </p:style>
+        <p:txBody>
+          <a:bodyPr rtlCol="0" anchor="ctr"/>
+          <a:lstStyle/>
+          <a:p>
+            <a:pPr algn="ctr"/>
+            <a:r>
+              <a:rPr lang="en-US" altLang="zh-CN" dirty="0" smtClean="0"/>
+              <a:t>Launcher</a:t>
+            </a:r>
+          </a:p>
+        </p:txBody>
+      </p:sp>
+      <p:sp>
+        <p:nvSpPr>
+          <p:cNvPr id="27" name="Rectangle 26"/>
+          <p:cNvSpPr/>
+          <p:nvPr/>
+        </p:nvSpPr>
+        <p:spPr>
+          <a:xfrm>
+            <a:off x="3276600" y="2819400"/>
+            <a:ext cx="1219200" cy="381000"/>
+          </a:xfrm>
+          <a:prstGeom prst="rect">
+            <a:avLst/>
+          </a:prstGeom>
+        </p:spPr>
+        <p:style>
+          <a:lnRef idx="2">
+            <a:schemeClr val="accent1"/>
+          </a:lnRef>
+          <a:fillRef idx="1">
+            <a:schemeClr val="lt1"/>
+          </a:fillRef>
+          <a:effectRef idx="0">
+            <a:schemeClr val="accent1"/>
+          </a:effectRef>
+          <a:fontRef idx="minor">
+            <a:schemeClr val="dk1"/>
+          </a:fontRef>
+        </p:style>
+        <p:txBody>
+          <a:bodyPr rtlCol="0" anchor="ctr"/>
+          <a:lstStyle/>
+          <a:p>
+            <a:pPr algn="ctr"/>
+            <a:r>
+              <a:rPr lang="en-US" altLang="zh-CN" dirty="0" smtClean="0"/>
+              <a:t>Para-curve</a:t>
+            </a:r>
+            <a:endParaRPr lang="zh-CN" altLang="en-US" dirty="0"/>
           </a:p>
         </p:txBody>
       </p:sp>
@@ -4872,16 +4932,104 @@
       </p:grpSpPr>
       <p:sp>
         <p:nvSpPr>
-          <p:cNvPr id="2" name="Rectangle 1"/>
-          <p:cNvSpPr/>
-          <p:nvPr/>
-        </p:nvSpPr>
-        <p:spPr>
-          <a:xfrm>
-            <a:off x="2438400" y="3048000"/>
-            <a:ext cx="838200" cy="685800"/>
+          <p:cNvPr id="9" name="Rectangle 8"/>
+          <p:cNvSpPr/>
+          <p:nvPr/>
+        </p:nvSpPr>
+        <p:spPr>
+          <a:xfrm>
+            <a:off x="5638800" y="838200"/>
+            <a:ext cx="838200" cy="838200"/>
           </a:xfrm>
           <a:prstGeom prst="rect">
+            <a:avLst/>
+          </a:prstGeom>
+          <a:ln>
+            <a:solidFill>
+              <a:schemeClr val="accent3"/>
+            </a:solidFill>
+            <a:prstDash val="sysDot"/>
+          </a:ln>
+        </p:spPr>
+        <p:style>
+          <a:lnRef idx="2">
+            <a:schemeClr val="accent3"/>
+          </a:lnRef>
+          <a:fillRef idx="1">
+            <a:schemeClr val="lt1"/>
+          </a:fillRef>
+          <a:effectRef idx="0">
+            <a:schemeClr val="accent3"/>
+          </a:effectRef>
+          <a:fontRef idx="minor">
+            <a:schemeClr val="dk1"/>
+          </a:fontRef>
+        </p:style>
+        <p:txBody>
+          <a:bodyPr rtlCol="0" anchor="ctr"/>
+          <a:lstStyle/>
+          <a:p>
+            <a:pPr algn="ctr"/>
+            <a:endParaRPr lang="zh-CN" altLang="en-US"/>
+          </a:p>
+        </p:txBody>
+      </p:sp>
+      <p:sp>
+        <p:nvSpPr>
+          <p:cNvPr id="3" name="Rectangle 2"/>
+          <p:cNvSpPr/>
+          <p:nvPr/>
+        </p:nvSpPr>
+        <p:spPr>
+          <a:xfrm>
+            <a:off x="2133600" y="838200"/>
+            <a:ext cx="838200" cy="838200"/>
+          </a:xfrm>
+          <a:prstGeom prst="rect">
+            <a:avLst/>
+          </a:prstGeom>
+          <a:ln>
+            <a:solidFill>
+              <a:schemeClr val="accent3"/>
+            </a:solidFill>
+            <a:prstDash val="sysDot"/>
+          </a:ln>
+        </p:spPr>
+        <p:style>
+          <a:lnRef idx="2">
+            <a:schemeClr val="accent3"/>
+          </a:lnRef>
+          <a:fillRef idx="1">
+            <a:schemeClr val="lt1"/>
+          </a:fillRef>
+          <a:effectRef idx="0">
+            <a:schemeClr val="accent3"/>
+          </a:effectRef>
+          <a:fontRef idx="minor">
+            <a:schemeClr val="dk1"/>
+          </a:fontRef>
+        </p:style>
+        <p:txBody>
+          <a:bodyPr rtlCol="0" anchor="ctr"/>
+          <a:lstStyle/>
+          <a:p>
+            <a:pPr algn="ctr"/>
+            <a:endParaRPr lang="zh-CN" altLang="en-US"/>
+          </a:p>
+        </p:txBody>
+      </p:sp>
+      <p:sp>
+        <p:nvSpPr>
+          <p:cNvPr id="2" name="Oval 1"/>
+          <p:cNvSpPr/>
+          <p:nvPr/>
+        </p:nvSpPr>
+        <p:spPr>
+          <a:xfrm>
+            <a:off x="2133600" y="838200"/>
+            <a:ext cx="838200" cy="838200"/>
+          </a:xfrm>
+          <a:prstGeom prst="ellipse">
             <a:avLst/>
           </a:prstGeom>
         </p:spPr>
@@ -4910,124 +5058,62 @@
           </a:p>
         </p:txBody>
       </p:sp>
-      <p:cxnSp>
-        <p:nvCxnSpPr>
-          <p:cNvPr id="4" name="Straight Connector 3"/>
-          <p:cNvCxnSpPr/>
-          <p:nvPr/>
-        </p:nvCxnSpPr>
-        <p:spPr>
-          <a:xfrm>
-            <a:off x="2133600" y="3048000"/>
-            <a:ext cx="1447800" cy="685800"/>
-          </a:xfrm>
-          <a:prstGeom prst="line">
-            <a:avLst/>
-          </a:prstGeom>
-        </p:spPr>
-        <p:style>
-          <a:lnRef idx="1">
+      <p:sp>
+        <p:nvSpPr>
+          <p:cNvPr id="4" name="Rectangle 3"/>
+          <p:cNvSpPr/>
+          <p:nvPr/>
+        </p:nvSpPr>
+        <p:spPr>
+          <a:xfrm>
+            <a:off x="2667000" y="1524000"/>
+            <a:ext cx="838200" cy="838200"/>
+          </a:xfrm>
+          <a:prstGeom prst="rect">
+            <a:avLst/>
+          </a:prstGeom>
+          <a:ln>
+            <a:solidFill>
+              <a:schemeClr val="accent3"/>
+            </a:solidFill>
+            <a:prstDash val="sysDot"/>
+          </a:ln>
+        </p:spPr>
+        <p:style>
+          <a:lnRef idx="2">
             <a:schemeClr val="accent3"/>
           </a:lnRef>
-          <a:fillRef idx="0">
+          <a:fillRef idx="1">
+            <a:schemeClr val="lt1"/>
+          </a:fillRef>
+          <a:effectRef idx="0">
             <a:schemeClr val="accent3"/>
-          </a:fillRef>
-          <a:effectRef idx="0">
-            <a:schemeClr val="accent3"/>
-          </a:effectRef>
-          <a:fontRef idx="minor">
-            <a:schemeClr val="tx1"/>
-          </a:fontRef>
-        </p:style>
-      </p:cxnSp>
-      <p:sp>
-        <p:nvSpPr>
-          <p:cNvPr id="6" name="Oval 5"/>
-          <p:cNvSpPr/>
-          <p:nvPr/>
-        </p:nvSpPr>
-        <p:spPr>
-          <a:xfrm>
-            <a:off x="2402772" y="3147952"/>
-            <a:ext cx="76200" cy="76200"/>
+          </a:effectRef>
+          <a:fontRef idx="minor">
+            <a:schemeClr val="dk1"/>
+          </a:fontRef>
+        </p:style>
+        <p:txBody>
+          <a:bodyPr rtlCol="0" anchor="ctr"/>
+          <a:lstStyle/>
+          <a:p>
+            <a:pPr algn="ctr"/>
+            <a:endParaRPr lang="zh-CN" altLang="en-US"/>
+          </a:p>
+        </p:txBody>
+      </p:sp>
+      <p:sp>
+        <p:nvSpPr>
+          <p:cNvPr id="5" name="Oval 4"/>
+          <p:cNvSpPr/>
+          <p:nvPr/>
+        </p:nvSpPr>
+        <p:spPr>
+          <a:xfrm>
+            <a:off x="2667000" y="1524000"/>
+            <a:ext cx="838200" cy="838200"/>
           </a:xfrm>
           <a:prstGeom prst="ellipse">
-            <a:avLst/>
-          </a:prstGeom>
-        </p:spPr>
-        <p:style>
-          <a:lnRef idx="1">
-            <a:schemeClr val="accent3"/>
-          </a:lnRef>
-          <a:fillRef idx="2">
-            <a:schemeClr val="accent3"/>
-          </a:fillRef>
-          <a:effectRef idx="1">
-            <a:schemeClr val="accent3"/>
-          </a:effectRef>
-          <a:fontRef idx="minor">
-            <a:schemeClr val="dk1"/>
-          </a:fontRef>
-        </p:style>
-        <p:txBody>
-          <a:bodyPr rtlCol="0" anchor="ctr"/>
-          <a:lstStyle/>
-          <a:p>
-            <a:pPr algn="ctr"/>
-            <a:endParaRPr lang="zh-CN" altLang="en-US"/>
-          </a:p>
-        </p:txBody>
-      </p:sp>
-      <p:sp>
-        <p:nvSpPr>
-          <p:cNvPr id="7" name="Oval 6"/>
-          <p:cNvSpPr/>
-          <p:nvPr/>
-        </p:nvSpPr>
-        <p:spPr>
-          <a:xfrm>
-            <a:off x="3246910" y="3557648"/>
-            <a:ext cx="76200" cy="76200"/>
-          </a:xfrm>
-          <a:prstGeom prst="ellipse">
-            <a:avLst/>
-          </a:prstGeom>
-        </p:spPr>
-        <p:style>
-          <a:lnRef idx="1">
-            <a:schemeClr val="accent3"/>
-          </a:lnRef>
-          <a:fillRef idx="2">
-            <a:schemeClr val="accent3"/>
-          </a:fillRef>
-          <a:effectRef idx="1">
-            <a:schemeClr val="accent3"/>
-          </a:effectRef>
-          <a:fontRef idx="minor">
-            <a:schemeClr val="dk1"/>
-          </a:fontRef>
-        </p:style>
-        <p:txBody>
-          <a:bodyPr rtlCol="0" anchor="ctr"/>
-          <a:lstStyle/>
-          <a:p>
-            <a:pPr algn="ctr"/>
-            <a:endParaRPr lang="zh-CN" altLang="en-US"/>
-          </a:p>
-        </p:txBody>
-      </p:sp>
-      <p:sp>
-        <p:nvSpPr>
-          <p:cNvPr id="8" name="Rectangle 7"/>
-          <p:cNvSpPr/>
-          <p:nvPr/>
-        </p:nvSpPr>
-        <p:spPr>
-          <a:xfrm>
-            <a:off x="4191000" y="3048000"/>
-            <a:ext cx="838200" cy="685800"/>
-          </a:xfrm>
-          <a:prstGeom prst="rect">
             <a:avLst/>
           </a:prstGeom>
         </p:spPr>
@@ -5056,88 +5142,21 @@
           </a:p>
         </p:txBody>
       </p:sp>
-      <p:cxnSp>
-        <p:nvCxnSpPr>
-          <p:cNvPr id="9" name="Straight Connector 8"/>
-          <p:cNvCxnSpPr/>
-          <p:nvPr/>
-        </p:nvCxnSpPr>
-        <p:spPr>
-          <a:xfrm>
-            <a:off x="3886200" y="3048000"/>
-            <a:ext cx="914400" cy="433137"/>
-          </a:xfrm>
-          <a:prstGeom prst="line">
-            <a:avLst/>
-          </a:prstGeom>
-        </p:spPr>
-        <p:style>
-          <a:lnRef idx="1">
-            <a:schemeClr val="accent3"/>
-          </a:lnRef>
-          <a:fillRef idx="0">
-            <a:schemeClr val="accent3"/>
-          </a:fillRef>
-          <a:effectRef idx="0">
-            <a:schemeClr val="accent3"/>
-          </a:effectRef>
-          <a:fontRef idx="minor">
-            <a:schemeClr val="tx1"/>
-          </a:fontRef>
-        </p:style>
-      </p:cxnSp>
-      <p:sp>
-        <p:nvSpPr>
-          <p:cNvPr id="10" name="Oval 9"/>
-          <p:cNvSpPr/>
-          <p:nvPr/>
-        </p:nvSpPr>
-        <p:spPr>
-          <a:xfrm>
-            <a:off x="4155372" y="3147952"/>
-            <a:ext cx="76200" cy="76200"/>
-          </a:xfrm>
-          <a:prstGeom prst="ellipse">
-            <a:avLst/>
-          </a:prstGeom>
-        </p:spPr>
-        <p:style>
-          <a:lnRef idx="1">
-            <a:schemeClr val="accent3"/>
-          </a:lnRef>
-          <a:fillRef idx="2">
-            <a:schemeClr val="accent3"/>
-          </a:fillRef>
-          <a:effectRef idx="1">
-            <a:schemeClr val="accent3"/>
-          </a:effectRef>
-          <a:fontRef idx="minor">
-            <a:schemeClr val="dk1"/>
-          </a:fontRef>
-        </p:style>
-        <p:txBody>
-          <a:bodyPr rtlCol="0" anchor="ctr"/>
-          <a:lstStyle/>
-          <a:p>
-            <a:pPr algn="ctr"/>
-            <a:endParaRPr lang="zh-CN" altLang="en-US"/>
-          </a:p>
-        </p:txBody>
-      </p:sp>
-      <p:sp>
-        <p:nvSpPr>
-          <p:cNvPr id="13" name="Rectangle 12"/>
-          <p:cNvSpPr/>
-          <p:nvPr/>
-        </p:nvSpPr>
-        <p:spPr>
-          <a:xfrm>
-            <a:off x="5562600" y="3048000"/>
-            <a:ext cx="838200" cy="685800"/>
+      <p:sp>
+        <p:nvSpPr>
+          <p:cNvPr id="6" name="Rectangle 5"/>
+          <p:cNvSpPr/>
+          <p:nvPr/>
+        </p:nvSpPr>
+        <p:spPr>
+          <a:xfrm>
+            <a:off x="3886200" y="838200"/>
+            <a:ext cx="838200" cy="838200"/>
           </a:xfrm>
           <a:prstGeom prst="rect">
             <a:avLst/>
           </a:prstGeom>
+          <a:ln/>
         </p:spPr>
         <p:style>
           <a:lnRef idx="2">
@@ -5164,60 +5183,117 @@
           </a:p>
         </p:txBody>
       </p:sp>
-      <p:cxnSp>
-        <p:nvCxnSpPr>
-          <p:cNvPr id="14" name="Straight Connector 13"/>
-          <p:cNvCxnSpPr/>
-          <p:nvPr/>
-        </p:nvCxnSpPr>
-        <p:spPr>
-          <a:xfrm>
-            <a:off x="5943600" y="3372853"/>
-            <a:ext cx="762000" cy="360947"/>
-          </a:xfrm>
-          <a:prstGeom prst="line">
-            <a:avLst/>
-          </a:prstGeom>
-        </p:spPr>
-        <p:style>
-          <a:lnRef idx="1">
+      <p:sp>
+        <p:nvSpPr>
+          <p:cNvPr id="7" name="Rectangle 6"/>
+          <p:cNvSpPr/>
+          <p:nvPr/>
+        </p:nvSpPr>
+        <p:spPr>
+          <a:xfrm>
+            <a:off x="4419600" y="1524000"/>
+            <a:ext cx="838200" cy="838200"/>
+          </a:xfrm>
+          <a:prstGeom prst="rect">
+            <a:avLst/>
+          </a:prstGeom>
+          <a:ln/>
+        </p:spPr>
+        <p:style>
+          <a:lnRef idx="2">
+            <a:schemeClr val="accent1">
+              <a:shade val="50000"/>
+            </a:schemeClr>
+          </a:lnRef>
+          <a:fillRef idx="1">
+            <a:schemeClr val="accent1"/>
+          </a:fillRef>
+          <a:effectRef idx="0">
+            <a:schemeClr val="accent1"/>
+          </a:effectRef>
+          <a:fontRef idx="minor">
+            <a:schemeClr val="lt1"/>
+          </a:fontRef>
+        </p:style>
+        <p:txBody>
+          <a:bodyPr rtlCol="0" anchor="ctr"/>
+          <a:lstStyle/>
+          <a:p>
+            <a:pPr algn="ctr"/>
+            <a:endParaRPr lang="zh-CN" altLang="en-US"/>
+          </a:p>
+        </p:txBody>
+      </p:sp>
+      <p:sp>
+        <p:nvSpPr>
+          <p:cNvPr id="8" name="5-Point Star 7"/>
+          <p:cNvSpPr/>
+          <p:nvPr/>
+        </p:nvSpPr>
+        <p:spPr>
+          <a:xfrm>
+            <a:off x="5685310" y="867890"/>
+            <a:ext cx="762000" cy="762000"/>
+          </a:xfrm>
+          <a:prstGeom prst="star5">
+            <a:avLst/>
+          </a:prstGeom>
+        </p:spPr>
+        <p:style>
+          <a:lnRef idx="2">
+            <a:schemeClr val="accent1">
+              <a:shade val="50000"/>
+            </a:schemeClr>
+          </a:lnRef>
+          <a:fillRef idx="1">
+            <a:schemeClr val="accent1"/>
+          </a:fillRef>
+          <a:effectRef idx="0">
+            <a:schemeClr val="accent1"/>
+          </a:effectRef>
+          <a:fontRef idx="minor">
+            <a:schemeClr val="lt1"/>
+          </a:fontRef>
+        </p:style>
+        <p:txBody>
+          <a:bodyPr rtlCol="0" anchor="ctr"/>
+          <a:lstStyle/>
+          <a:p>
+            <a:pPr algn="ctr"/>
+            <a:endParaRPr lang="zh-CN" altLang="en-US"/>
+          </a:p>
+        </p:txBody>
+      </p:sp>
+      <p:sp>
+        <p:nvSpPr>
+          <p:cNvPr id="10" name="Rectangle 9"/>
+          <p:cNvSpPr/>
+          <p:nvPr/>
+        </p:nvSpPr>
+        <p:spPr>
+          <a:xfrm>
+            <a:off x="6172200" y="1524000"/>
+            <a:ext cx="838200" cy="838200"/>
+          </a:xfrm>
+          <a:prstGeom prst="rect">
+            <a:avLst/>
+          </a:prstGeom>
+          <a:ln>
+            <a:solidFill>
+              <a:schemeClr val="accent3"/>
+            </a:solidFill>
+            <a:prstDash val="sysDot"/>
+          </a:ln>
+        </p:spPr>
+        <p:style>
+          <a:lnRef idx="2">
             <a:schemeClr val="accent3"/>
           </a:lnRef>
-          <a:fillRef idx="0">
+          <a:fillRef idx="1">
+            <a:schemeClr val="lt1"/>
+          </a:fillRef>
+          <a:effectRef idx="0">
             <a:schemeClr val="accent3"/>
-          </a:fillRef>
-          <a:effectRef idx="0">
-            <a:schemeClr val="accent3"/>
-          </a:effectRef>
-          <a:fontRef idx="minor">
-            <a:schemeClr val="tx1"/>
-          </a:fontRef>
-        </p:style>
-      </p:cxnSp>
-      <p:sp>
-        <p:nvSpPr>
-          <p:cNvPr id="15" name="Oval 14"/>
-          <p:cNvSpPr/>
-          <p:nvPr/>
-        </p:nvSpPr>
-        <p:spPr>
-          <a:xfrm>
-            <a:off x="5943600" y="3352800"/>
-            <a:ext cx="76200" cy="76200"/>
-          </a:xfrm>
-          <a:prstGeom prst="ellipse">
-            <a:avLst/>
-          </a:prstGeom>
-        </p:spPr>
-        <p:style>
-          <a:lnRef idx="1">
-            <a:schemeClr val="accent3"/>
-          </a:lnRef>
-          <a:fillRef idx="2">
-            <a:schemeClr val="accent3"/>
-          </a:fillRef>
-          <a:effectRef idx="1">
-            <a:schemeClr val="accent3"/>
           </a:effectRef>
           <a:fontRef idx="minor">
             <a:schemeClr val="dk1"/>
@@ -5234,31 +5310,33 @@
       </p:sp>
       <p:sp>
         <p:nvSpPr>
-          <p:cNvPr id="16" name="Oval 15"/>
-          <p:cNvSpPr/>
-          <p:nvPr/>
-        </p:nvSpPr>
-        <p:spPr>
-          <a:xfrm>
-            <a:off x="6371110" y="3557648"/>
-            <a:ext cx="76200" cy="76200"/>
-          </a:xfrm>
-          <a:prstGeom prst="ellipse">
-            <a:avLst/>
-          </a:prstGeom>
-        </p:spPr>
-        <p:style>
-          <a:lnRef idx="1">
-            <a:schemeClr val="accent3"/>
-          </a:lnRef>
-          <a:fillRef idx="2">
-            <a:schemeClr val="accent3"/>
-          </a:fillRef>
-          <a:effectRef idx="1">
-            <a:schemeClr val="accent3"/>
-          </a:effectRef>
-          <a:fontRef idx="minor">
-            <a:schemeClr val="dk1"/>
+          <p:cNvPr id="11" name="5-Point Star 10"/>
+          <p:cNvSpPr/>
+          <p:nvPr/>
+        </p:nvSpPr>
+        <p:spPr>
+          <a:xfrm>
+            <a:off x="6218710" y="1553690"/>
+            <a:ext cx="762000" cy="762000"/>
+          </a:xfrm>
+          <a:prstGeom prst="star5">
+            <a:avLst/>
+          </a:prstGeom>
+        </p:spPr>
+        <p:style>
+          <a:lnRef idx="2">
+            <a:schemeClr val="accent1">
+              <a:shade val="50000"/>
+            </a:schemeClr>
+          </a:lnRef>
+          <a:fillRef idx="1">
+            <a:schemeClr val="accent1"/>
+          </a:fillRef>
+          <a:effectRef idx="0">
+            <a:schemeClr val="accent1"/>
+          </a:effectRef>
+          <a:fontRef idx="minor">
+            <a:schemeClr val="lt1"/>
           </a:fontRef>
         </p:style>
         <p:txBody>
@@ -5295,6 +5373,496 @@
           <a:chExt cx="0" cy="0"/>
         </a:xfrm>
       </p:grpSpPr>
+      <p:sp>
+        <p:nvSpPr>
+          <p:cNvPr id="2" name="Rectangle 1"/>
+          <p:cNvSpPr/>
+          <p:nvPr/>
+        </p:nvSpPr>
+        <p:spPr>
+          <a:xfrm>
+            <a:off x="2438400" y="3048000"/>
+            <a:ext cx="838200" cy="685800"/>
+          </a:xfrm>
+          <a:prstGeom prst="rect">
+            <a:avLst/>
+          </a:prstGeom>
+        </p:spPr>
+        <p:style>
+          <a:lnRef idx="2">
+            <a:schemeClr val="accent1">
+              <a:shade val="50000"/>
+            </a:schemeClr>
+          </a:lnRef>
+          <a:fillRef idx="1">
+            <a:schemeClr val="accent1"/>
+          </a:fillRef>
+          <a:effectRef idx="0">
+            <a:schemeClr val="accent1"/>
+          </a:effectRef>
+          <a:fontRef idx="minor">
+            <a:schemeClr val="lt1"/>
+          </a:fontRef>
+        </p:style>
+        <p:txBody>
+          <a:bodyPr rtlCol="0" anchor="ctr"/>
+          <a:lstStyle/>
+          <a:p>
+            <a:pPr algn="ctr"/>
+            <a:endParaRPr lang="zh-CN" altLang="en-US"/>
+          </a:p>
+        </p:txBody>
+      </p:sp>
+      <p:cxnSp>
+        <p:nvCxnSpPr>
+          <p:cNvPr id="4" name="Straight Connector 3"/>
+          <p:cNvCxnSpPr/>
+          <p:nvPr/>
+        </p:nvCxnSpPr>
+        <p:spPr>
+          <a:xfrm>
+            <a:off x="2133600" y="3048000"/>
+            <a:ext cx="1447800" cy="685800"/>
+          </a:xfrm>
+          <a:prstGeom prst="line">
+            <a:avLst/>
+          </a:prstGeom>
+        </p:spPr>
+        <p:style>
+          <a:lnRef idx="1">
+            <a:schemeClr val="accent3"/>
+          </a:lnRef>
+          <a:fillRef idx="0">
+            <a:schemeClr val="accent3"/>
+          </a:fillRef>
+          <a:effectRef idx="0">
+            <a:schemeClr val="accent3"/>
+          </a:effectRef>
+          <a:fontRef idx="minor">
+            <a:schemeClr val="tx1"/>
+          </a:fontRef>
+        </p:style>
+      </p:cxnSp>
+      <p:sp>
+        <p:nvSpPr>
+          <p:cNvPr id="6" name="Oval 5"/>
+          <p:cNvSpPr/>
+          <p:nvPr/>
+        </p:nvSpPr>
+        <p:spPr>
+          <a:xfrm>
+            <a:off x="2402772" y="3147952"/>
+            <a:ext cx="76200" cy="76200"/>
+          </a:xfrm>
+          <a:prstGeom prst="ellipse">
+            <a:avLst/>
+          </a:prstGeom>
+        </p:spPr>
+        <p:style>
+          <a:lnRef idx="1">
+            <a:schemeClr val="accent3"/>
+          </a:lnRef>
+          <a:fillRef idx="2">
+            <a:schemeClr val="accent3"/>
+          </a:fillRef>
+          <a:effectRef idx="1">
+            <a:schemeClr val="accent3"/>
+          </a:effectRef>
+          <a:fontRef idx="minor">
+            <a:schemeClr val="dk1"/>
+          </a:fontRef>
+        </p:style>
+        <p:txBody>
+          <a:bodyPr rtlCol="0" anchor="ctr"/>
+          <a:lstStyle/>
+          <a:p>
+            <a:pPr algn="ctr"/>
+            <a:endParaRPr lang="zh-CN" altLang="en-US"/>
+          </a:p>
+        </p:txBody>
+      </p:sp>
+      <p:sp>
+        <p:nvSpPr>
+          <p:cNvPr id="7" name="Oval 6"/>
+          <p:cNvSpPr/>
+          <p:nvPr/>
+        </p:nvSpPr>
+        <p:spPr>
+          <a:xfrm>
+            <a:off x="3246910" y="3557648"/>
+            <a:ext cx="76200" cy="76200"/>
+          </a:xfrm>
+          <a:prstGeom prst="ellipse">
+            <a:avLst/>
+          </a:prstGeom>
+        </p:spPr>
+        <p:style>
+          <a:lnRef idx="1">
+            <a:schemeClr val="accent3"/>
+          </a:lnRef>
+          <a:fillRef idx="2">
+            <a:schemeClr val="accent3"/>
+          </a:fillRef>
+          <a:effectRef idx="1">
+            <a:schemeClr val="accent3"/>
+          </a:effectRef>
+          <a:fontRef idx="minor">
+            <a:schemeClr val="dk1"/>
+          </a:fontRef>
+        </p:style>
+        <p:txBody>
+          <a:bodyPr rtlCol="0" anchor="ctr"/>
+          <a:lstStyle/>
+          <a:p>
+            <a:pPr algn="ctr"/>
+            <a:endParaRPr lang="zh-CN" altLang="en-US"/>
+          </a:p>
+        </p:txBody>
+      </p:sp>
+      <p:sp>
+        <p:nvSpPr>
+          <p:cNvPr id="8" name="Rectangle 7"/>
+          <p:cNvSpPr/>
+          <p:nvPr/>
+        </p:nvSpPr>
+        <p:spPr>
+          <a:xfrm>
+            <a:off x="4038600" y="3048000"/>
+            <a:ext cx="838200" cy="685800"/>
+          </a:xfrm>
+          <a:prstGeom prst="rect">
+            <a:avLst/>
+          </a:prstGeom>
+        </p:spPr>
+        <p:style>
+          <a:lnRef idx="2">
+            <a:schemeClr val="accent1">
+              <a:shade val="50000"/>
+            </a:schemeClr>
+          </a:lnRef>
+          <a:fillRef idx="1">
+            <a:schemeClr val="accent1"/>
+          </a:fillRef>
+          <a:effectRef idx="0">
+            <a:schemeClr val="accent1"/>
+          </a:effectRef>
+          <a:fontRef idx="minor">
+            <a:schemeClr val="lt1"/>
+          </a:fontRef>
+        </p:style>
+        <p:txBody>
+          <a:bodyPr rtlCol="0" anchor="ctr"/>
+          <a:lstStyle/>
+          <a:p>
+            <a:pPr algn="ctr"/>
+            <a:endParaRPr lang="zh-CN" altLang="en-US"/>
+          </a:p>
+        </p:txBody>
+      </p:sp>
+      <p:cxnSp>
+        <p:nvCxnSpPr>
+          <p:cNvPr id="9" name="Straight Connector 8"/>
+          <p:cNvCxnSpPr/>
+          <p:nvPr/>
+        </p:nvCxnSpPr>
+        <p:spPr>
+          <a:xfrm>
+            <a:off x="3733800" y="3048000"/>
+            <a:ext cx="914400" cy="433137"/>
+          </a:xfrm>
+          <a:prstGeom prst="line">
+            <a:avLst/>
+          </a:prstGeom>
+        </p:spPr>
+        <p:style>
+          <a:lnRef idx="1">
+            <a:schemeClr val="accent3"/>
+          </a:lnRef>
+          <a:fillRef idx="0">
+            <a:schemeClr val="accent3"/>
+          </a:fillRef>
+          <a:effectRef idx="0">
+            <a:schemeClr val="accent3"/>
+          </a:effectRef>
+          <a:fontRef idx="minor">
+            <a:schemeClr val="tx1"/>
+          </a:fontRef>
+        </p:style>
+      </p:cxnSp>
+      <p:sp>
+        <p:nvSpPr>
+          <p:cNvPr id="10" name="Oval 9"/>
+          <p:cNvSpPr/>
+          <p:nvPr/>
+        </p:nvSpPr>
+        <p:spPr>
+          <a:xfrm>
+            <a:off x="4002972" y="3147952"/>
+            <a:ext cx="76200" cy="76200"/>
+          </a:xfrm>
+          <a:prstGeom prst="ellipse">
+            <a:avLst/>
+          </a:prstGeom>
+        </p:spPr>
+        <p:style>
+          <a:lnRef idx="1">
+            <a:schemeClr val="accent3"/>
+          </a:lnRef>
+          <a:fillRef idx="2">
+            <a:schemeClr val="accent3"/>
+          </a:fillRef>
+          <a:effectRef idx="1">
+            <a:schemeClr val="accent3"/>
+          </a:effectRef>
+          <a:fontRef idx="minor">
+            <a:schemeClr val="dk1"/>
+          </a:fontRef>
+        </p:style>
+        <p:txBody>
+          <a:bodyPr rtlCol="0" anchor="ctr"/>
+          <a:lstStyle/>
+          <a:p>
+            <a:pPr algn="ctr"/>
+            <a:endParaRPr lang="zh-CN" altLang="en-US"/>
+          </a:p>
+        </p:txBody>
+      </p:sp>
+      <p:sp>
+        <p:nvSpPr>
+          <p:cNvPr id="13" name="Rectangle 12"/>
+          <p:cNvSpPr/>
+          <p:nvPr/>
+        </p:nvSpPr>
+        <p:spPr>
+          <a:xfrm>
+            <a:off x="5562600" y="3048000"/>
+            <a:ext cx="838200" cy="685800"/>
+          </a:xfrm>
+          <a:prstGeom prst="rect">
+            <a:avLst/>
+          </a:prstGeom>
+        </p:spPr>
+        <p:style>
+          <a:lnRef idx="2">
+            <a:schemeClr val="accent1">
+              <a:shade val="50000"/>
+            </a:schemeClr>
+          </a:lnRef>
+          <a:fillRef idx="1">
+            <a:schemeClr val="accent1"/>
+          </a:fillRef>
+          <a:effectRef idx="0">
+            <a:schemeClr val="accent1"/>
+          </a:effectRef>
+          <a:fontRef idx="minor">
+            <a:schemeClr val="lt1"/>
+          </a:fontRef>
+        </p:style>
+        <p:txBody>
+          <a:bodyPr rtlCol="0" anchor="ctr"/>
+          <a:lstStyle/>
+          <a:p>
+            <a:pPr algn="ctr"/>
+            <a:endParaRPr lang="zh-CN" altLang="en-US"/>
+          </a:p>
+        </p:txBody>
+      </p:sp>
+      <p:cxnSp>
+        <p:nvCxnSpPr>
+          <p:cNvPr id="14" name="Straight Connector 13"/>
+          <p:cNvCxnSpPr/>
+          <p:nvPr/>
+        </p:nvCxnSpPr>
+        <p:spPr>
+          <a:xfrm>
+            <a:off x="5943600" y="3372853"/>
+            <a:ext cx="762000" cy="360947"/>
+          </a:xfrm>
+          <a:prstGeom prst="line">
+            <a:avLst/>
+          </a:prstGeom>
+        </p:spPr>
+        <p:style>
+          <a:lnRef idx="1">
+            <a:schemeClr val="accent3"/>
+          </a:lnRef>
+          <a:fillRef idx="0">
+            <a:schemeClr val="accent3"/>
+          </a:fillRef>
+          <a:effectRef idx="0">
+            <a:schemeClr val="accent3"/>
+          </a:effectRef>
+          <a:fontRef idx="minor">
+            <a:schemeClr val="tx1"/>
+          </a:fontRef>
+        </p:style>
+      </p:cxnSp>
+      <p:sp>
+        <p:nvSpPr>
+          <p:cNvPr id="15" name="Oval 14"/>
+          <p:cNvSpPr/>
+          <p:nvPr/>
+        </p:nvSpPr>
+        <p:spPr>
+          <a:xfrm>
+            <a:off x="5943600" y="3352800"/>
+            <a:ext cx="76200" cy="76200"/>
+          </a:xfrm>
+          <a:prstGeom prst="ellipse">
+            <a:avLst/>
+          </a:prstGeom>
+        </p:spPr>
+        <p:style>
+          <a:lnRef idx="1">
+            <a:schemeClr val="accent3"/>
+          </a:lnRef>
+          <a:fillRef idx="2">
+            <a:schemeClr val="accent3"/>
+          </a:fillRef>
+          <a:effectRef idx="1">
+            <a:schemeClr val="accent3"/>
+          </a:effectRef>
+          <a:fontRef idx="minor">
+            <a:schemeClr val="dk1"/>
+          </a:fontRef>
+        </p:style>
+        <p:txBody>
+          <a:bodyPr rtlCol="0" anchor="ctr"/>
+          <a:lstStyle/>
+          <a:p>
+            <a:pPr algn="ctr"/>
+            <a:endParaRPr lang="zh-CN" altLang="en-US"/>
+          </a:p>
+        </p:txBody>
+      </p:sp>
+      <p:sp>
+        <p:nvSpPr>
+          <p:cNvPr id="16" name="Oval 15"/>
+          <p:cNvSpPr/>
+          <p:nvPr/>
+        </p:nvSpPr>
+        <p:spPr>
+          <a:xfrm>
+            <a:off x="6371110" y="3557648"/>
+            <a:ext cx="76200" cy="76200"/>
+          </a:xfrm>
+          <a:prstGeom prst="ellipse">
+            <a:avLst/>
+          </a:prstGeom>
+        </p:spPr>
+        <p:style>
+          <a:lnRef idx="1">
+            <a:schemeClr val="accent3"/>
+          </a:lnRef>
+          <a:fillRef idx="2">
+            <a:schemeClr val="accent3"/>
+          </a:fillRef>
+          <a:effectRef idx="1">
+            <a:schemeClr val="accent3"/>
+          </a:effectRef>
+          <a:fontRef idx="minor">
+            <a:schemeClr val="dk1"/>
+          </a:fontRef>
+        </p:style>
+        <p:txBody>
+          <a:bodyPr rtlCol="0" anchor="ctr"/>
+          <a:lstStyle/>
+          <a:p>
+            <a:pPr algn="ctr"/>
+            <a:endParaRPr lang="zh-CN" altLang="en-US"/>
+          </a:p>
+        </p:txBody>
+      </p:sp>
+      <p:sp>
+        <p:nvSpPr>
+          <p:cNvPr id="17" name="TextBox 16"/>
+          <p:cNvSpPr txBox="1"/>
+          <p:nvPr/>
+        </p:nvSpPr>
+        <p:spPr>
+          <a:xfrm>
+            <a:off x="2667000" y="3733800"/>
+            <a:ext cx="317716" cy="369332"/>
+          </a:xfrm>
+          <a:prstGeom prst="rect">
+            <a:avLst/>
+          </a:prstGeom>
+          <a:noFill/>
+        </p:spPr>
+        <p:txBody>
+          <a:bodyPr wrap="none" rtlCol="0">
+            <a:spAutoFit/>
+          </a:bodyPr>
+          <a:lstStyle/>
+          <a:p>
+            <a:r>
+              <a:rPr lang="en-US" altLang="zh-CN" dirty="0" smtClean="0"/>
+              <a:t>A</a:t>
+            </a:r>
+            <a:endParaRPr lang="zh-CN" altLang="en-US" dirty="0"/>
+          </a:p>
+        </p:txBody>
+      </p:sp>
+      <p:sp>
+        <p:nvSpPr>
+          <p:cNvPr id="18" name="TextBox 17"/>
+          <p:cNvSpPr txBox="1"/>
+          <p:nvPr/>
+        </p:nvSpPr>
+        <p:spPr>
+          <a:xfrm>
+            <a:off x="4267200" y="3733800"/>
+            <a:ext cx="317716" cy="369332"/>
+          </a:xfrm>
+          <a:prstGeom prst="rect">
+            <a:avLst/>
+          </a:prstGeom>
+          <a:noFill/>
+        </p:spPr>
+        <p:txBody>
+          <a:bodyPr wrap="none" rtlCol="0">
+            <a:spAutoFit/>
+          </a:bodyPr>
+          <a:lstStyle/>
+          <a:p>
+            <a:r>
+              <a:rPr lang="en-US" altLang="zh-CN" dirty="0" smtClean="0"/>
+              <a:t>B</a:t>
+            </a:r>
+            <a:endParaRPr lang="zh-CN" altLang="en-US" dirty="0"/>
+          </a:p>
+        </p:txBody>
+      </p:sp>
+      <p:sp>
+        <p:nvSpPr>
+          <p:cNvPr id="19" name="TextBox 18"/>
+          <p:cNvSpPr txBox="1"/>
+          <p:nvPr/>
+        </p:nvSpPr>
+        <p:spPr>
+          <a:xfrm>
+            <a:off x="5867400" y="3733800"/>
+            <a:ext cx="317716" cy="369332"/>
+          </a:xfrm>
+          <a:prstGeom prst="rect">
+            <a:avLst/>
+          </a:prstGeom>
+          <a:noFill/>
+        </p:spPr>
+        <p:txBody>
+          <a:bodyPr wrap="none" rtlCol="0">
+            <a:spAutoFit/>
+          </a:bodyPr>
+          <a:lstStyle/>
+          <a:p>
+            <a:r>
+              <a:rPr lang="en-US" altLang="zh-CN" dirty="0" smtClean="0"/>
+              <a:t>C</a:t>
+            </a:r>
+            <a:endParaRPr lang="zh-CN" altLang="en-US" dirty="0"/>
+          </a:p>
+        </p:txBody>
+      </p:sp>
     </p:spTree>
   </p:cSld>
   <p:clrMapOvr>
@@ -5378,6 +5946,31 @@
 </p:sld>
 </file>
 
+<file path=ppt/slides/slide17.xml><?xml version="1.0" encoding="utf-8"?>
+<p:sld xmlns:a="http://schemas.openxmlformats.org/drawingml/2006/main" xmlns:r="http://schemas.openxmlformats.org/officeDocument/2006/relationships" xmlns:p="http://schemas.openxmlformats.org/presentationml/2006/main">
+  <p:cSld>
+    <p:spTree>
+      <p:nvGrpSpPr>
+        <p:cNvPr id="1" name=""/>
+        <p:cNvGrpSpPr/>
+        <p:nvPr/>
+      </p:nvGrpSpPr>
+      <p:grpSpPr>
+        <a:xfrm>
+          <a:off x="0" y="0"/>
+          <a:ext cx="0" cy="0"/>
+          <a:chOff x="0" y="0"/>
+          <a:chExt cx="0" cy="0"/>
+        </a:xfrm>
+      </p:grpSpPr>
+    </p:spTree>
+  </p:cSld>
+  <p:clrMapOvr>
+    <a:masterClrMapping/>
+  </p:clrMapOvr>
+</p:sld>
+</file>
+
 <file path=ppt/slides/slide2.xml><?xml version="1.0" encoding="utf-8"?>
 <p:sld xmlns:a="http://schemas.openxmlformats.org/drawingml/2006/main" xmlns:r="http://schemas.openxmlformats.org/officeDocument/2006/relationships" xmlns:p="http://schemas.openxmlformats.org/presentationml/2006/main">
   <p:cSld>
@@ -5407,13 +6000,13 @@
         </p:nvSpPr>
         <p:spPr>
           <a:xfrm>
-            <a:off x="1016238" y="4114800"/>
-            <a:ext cx="1447800" cy="762000"/>
+            <a:off x="1143000" y="4114800"/>
+            <a:ext cx="1219200" cy="762000"/>
           </a:xfrm>
         </p:spPr>
         <p:txBody>
           <a:bodyPr>
-            <a:noAutofit/>
+            <a:normAutofit/>
           </a:bodyPr>
           <a:lstStyle/>
           <a:p>
@@ -5438,7 +6031,7 @@
                   <a:schemeClr val="tx1"/>
                 </a:solidFill>
               </a:rPr>
-              <a:t>b2FixtureDef</a:t>
+              <a:t>b2BodyDef</a:t>
             </a:r>
             <a:endParaRPr lang="zh-CN" altLang="en-US" sz="1800" dirty="0">
               <a:solidFill>
@@ -5772,101 +6365,6 @@
             </a:endParaRPr>
           </a:p>
           <a:p>
-            <a:pPr lvl="0" algn="ctr">
-              <a:spcBef>
-                <a:spcPct val="20000"/>
-              </a:spcBef>
-            </a:pPr>
-            <a:r>
-              <a:rPr lang="en-US" altLang="zh-CN" dirty="0" smtClean="0"/>
-              <a:t>b2Fixture</a:t>
-            </a:r>
-            <a:endParaRPr kumimoji="0" lang="zh-CN" altLang="en-US" sz="1800" b="0" i="0" u="none" strike="noStrike" kern="1200" cap="none" spc="0" normalizeH="0" baseline="0" noProof="0" dirty="0">
-              <a:ln>
-                <a:noFill/>
-              </a:ln>
-              <a:effectLst/>
-              <a:uLnTx/>
-              <a:uFillTx/>
-              <a:latin typeface="+mn-lt"/>
-              <a:ea typeface="+mn-ea"/>
-              <a:cs typeface="+mn-cs"/>
-            </a:endParaRPr>
-          </a:p>
-        </p:txBody>
-      </p:sp>
-      <p:sp>
-        <p:nvSpPr>
-          <p:cNvPr id="16" name="Subtitle 2"/>
-          <p:cNvSpPr txBox="1">
-            <a:spLocks/>
-          </p:cNvSpPr>
-          <p:nvPr/>
-        </p:nvSpPr>
-        <p:spPr>
-          <a:xfrm>
-            <a:off x="3200400" y="4174622"/>
-            <a:ext cx="1676400" cy="762000"/>
-          </a:xfrm>
-          <a:prstGeom prst="rect">
-            <a:avLst/>
-          </a:prstGeom>
-        </p:spPr>
-        <p:txBody>
-          <a:bodyPr vert="horz" lIns="91440" tIns="45720" rIns="91440" bIns="45720" rtlCol="0">
-            <a:noAutofit/>
-          </a:bodyPr>
-          <a:lstStyle/>
-          <a:p>
-            <a:pPr algn="ctr">
-              <a:spcBef>
-                <a:spcPct val="20000"/>
-              </a:spcBef>
-            </a:pPr>
-            <a:r>
-              <a:rPr lang="en-US" altLang="zh-CN" dirty="0" smtClean="0"/>
-              <a:t>b2Body.create(b2FixtureDef</a:t>
-            </a:r>
-            <a:r>
-              <a:rPr kumimoji="0" lang="en-US" altLang="zh-CN" b="0" i="0" u="none" strike="noStrike" kern="1200" cap="none" spc="0" normalizeH="0" baseline="0" noProof="0" dirty="0" smtClean="0">
-                <a:ln>
-                  <a:noFill/>
-                </a:ln>
-                <a:effectLst/>
-                <a:uLnTx/>
-                <a:uFillTx/>
-                <a:latin typeface="+mn-lt"/>
-                <a:ea typeface="+mn-ea"/>
-                <a:cs typeface="+mn-cs"/>
-              </a:rPr>
-              <a:t>)</a:t>
-            </a:r>
-          </a:p>
-        </p:txBody>
-      </p:sp>
-      <p:sp>
-        <p:nvSpPr>
-          <p:cNvPr id="17" name="Subtitle 2"/>
-          <p:cNvSpPr txBox="1">
-            <a:spLocks/>
-          </p:cNvSpPr>
-          <p:nvPr/>
-        </p:nvSpPr>
-        <p:spPr>
-          <a:xfrm>
-            <a:off x="3429000" y="3657600"/>
-            <a:ext cx="1219200" cy="381000"/>
-          </a:xfrm>
-          <a:prstGeom prst="rect">
-            <a:avLst/>
-          </a:prstGeom>
-        </p:spPr>
-        <p:txBody>
-          <a:bodyPr vert="horz" lIns="91440" tIns="45720" rIns="91440" bIns="45720" rtlCol="0">
-            <a:normAutofit/>
-          </a:bodyPr>
-          <a:lstStyle/>
-          <a:p>
             <a:pPr marL="0" marR="0" lvl="0" indent="0" algn="ctr" defTabSz="914400" rtl="0" eaLnBrk="1" fontAlgn="auto" latinLnBrk="0" hangingPunct="1">
               <a:lnSpc>
                 <a:spcPct val="100000"/>
@@ -5885,6 +6383,123 @@
               <a:defRPr/>
             </a:pPr>
             <a:r>
+              <a:rPr kumimoji="0" lang="en-US" altLang="zh-CN" sz="1800" b="0" i="0" u="none" strike="noStrike" kern="1200" cap="none" spc="0" normalizeH="0" baseline="0" noProof="0" dirty="0" smtClean="0">
+                <a:ln>
+                  <a:noFill/>
+                </a:ln>
+                <a:effectLst/>
+                <a:uLnTx/>
+                <a:uFillTx/>
+                <a:latin typeface="+mn-lt"/>
+                <a:ea typeface="+mn-ea"/>
+                <a:cs typeface="+mn-cs"/>
+              </a:rPr>
+              <a:t>b2Body</a:t>
+            </a:r>
+            <a:endParaRPr kumimoji="0" lang="zh-CN" altLang="en-US" sz="1800" b="0" i="0" u="none" strike="noStrike" kern="1200" cap="none" spc="0" normalizeH="0" baseline="0" noProof="0" dirty="0">
+              <a:ln>
+                <a:noFill/>
+              </a:ln>
+              <a:effectLst/>
+              <a:uLnTx/>
+              <a:uFillTx/>
+              <a:latin typeface="+mn-lt"/>
+              <a:ea typeface="+mn-ea"/>
+              <a:cs typeface="+mn-cs"/>
+            </a:endParaRPr>
+          </a:p>
+        </p:txBody>
+      </p:sp>
+      <p:sp>
+        <p:nvSpPr>
+          <p:cNvPr id="16" name="Subtitle 2"/>
+          <p:cNvSpPr txBox="1">
+            <a:spLocks/>
+          </p:cNvSpPr>
+          <p:nvPr/>
+        </p:nvSpPr>
+        <p:spPr>
+          <a:xfrm>
+            <a:off x="3200400" y="4174622"/>
+            <a:ext cx="1676400" cy="762000"/>
+          </a:xfrm>
+          <a:prstGeom prst="rect">
+            <a:avLst/>
+          </a:prstGeom>
+        </p:spPr>
+        <p:txBody>
+          <a:bodyPr vert="horz" lIns="91440" tIns="45720" rIns="91440" bIns="45720" rtlCol="0">
+            <a:noAutofit/>
+          </a:bodyPr>
+          <a:lstStyle/>
+          <a:p>
+            <a:pPr algn="ctr">
+              <a:spcBef>
+                <a:spcPct val="20000"/>
+              </a:spcBef>
+            </a:pPr>
+            <a:r>
+              <a:rPr lang="en-US" altLang="zh-CN" dirty="0" smtClean="0"/>
+              <a:t>b2World.create(b2BodyDef</a:t>
+            </a:r>
+            <a:r>
+              <a:rPr kumimoji="0" lang="en-US" altLang="zh-CN" b="0" i="0" u="none" strike="noStrike" kern="1200" cap="none" spc="0" normalizeH="0" baseline="0" noProof="0" dirty="0" smtClean="0">
+                <a:ln>
+                  <a:noFill/>
+                </a:ln>
+                <a:effectLst/>
+                <a:uLnTx/>
+                <a:uFillTx/>
+                <a:latin typeface="+mn-lt"/>
+                <a:ea typeface="+mn-ea"/>
+                <a:cs typeface="+mn-cs"/>
+              </a:rPr>
+              <a:t>)</a:t>
+            </a:r>
+          </a:p>
+        </p:txBody>
+      </p:sp>
+      <p:sp>
+        <p:nvSpPr>
+          <p:cNvPr id="17" name="Subtitle 2"/>
+          <p:cNvSpPr txBox="1">
+            <a:spLocks/>
+          </p:cNvSpPr>
+          <p:nvPr/>
+        </p:nvSpPr>
+        <p:spPr>
+          <a:xfrm>
+            <a:off x="3429000" y="3657600"/>
+            <a:ext cx="1219200" cy="381000"/>
+          </a:xfrm>
+          <a:prstGeom prst="rect">
+            <a:avLst/>
+          </a:prstGeom>
+        </p:spPr>
+        <p:txBody>
+          <a:bodyPr vert="horz" lIns="91440" tIns="45720" rIns="91440" bIns="45720" rtlCol="0">
+            <a:normAutofit/>
+          </a:bodyPr>
+          <a:lstStyle/>
+          <a:p>
+            <a:pPr marL="0" marR="0" lvl="0" indent="0" algn="ctr" defTabSz="914400" rtl="0" eaLnBrk="1" fontAlgn="auto" latinLnBrk="0" hangingPunct="1">
+              <a:lnSpc>
+                <a:spcPct val="100000"/>
+              </a:lnSpc>
+              <a:spcBef>
+                <a:spcPct val="20000"/>
+              </a:spcBef>
+              <a:spcAft>
+                <a:spcPts val="0"/>
+              </a:spcAft>
+              <a:buClrTx/>
+              <a:buSzTx/>
+              <a:buFont typeface="Arial" pitchFamily="34" charset="0"/>
+              <a:buNone/>
+              <a:tabLst/>
+              <a:defRPr/>
+            </a:pPr>
+            <a:r>
               <a:rPr kumimoji="0" lang="zh-CN" altLang="en-US" sz="1800" b="0" i="0" u="none" strike="noStrike" kern="1200" cap="none" spc="0" normalizeH="0" baseline="0" noProof="0" dirty="0" smtClean="0">
                 <a:ln>
                   <a:noFill/>
@@ -5927,6 +6542,554 @@
 </file>
 
 <file path=ppt/slides/slide3.xml><?xml version="1.0" encoding="utf-8"?>
+<p:sld xmlns:a="http://schemas.openxmlformats.org/drawingml/2006/main" xmlns:r="http://schemas.openxmlformats.org/officeDocument/2006/relationships" xmlns:p="http://schemas.openxmlformats.org/presentationml/2006/main">
+  <p:cSld>
+    <p:spTree>
+      <p:nvGrpSpPr>
+        <p:cNvPr id="1" name=""/>
+        <p:cNvGrpSpPr/>
+        <p:nvPr/>
+      </p:nvGrpSpPr>
+      <p:grpSpPr>
+        <a:xfrm>
+          <a:off x="0" y="0"/>
+          <a:ext cx="0" cy="0"/>
+          <a:chOff x="0" y="0"/>
+          <a:chExt cx="0" cy="0"/>
+        </a:xfrm>
+      </p:grpSpPr>
+      <p:sp>
+        <p:nvSpPr>
+          <p:cNvPr id="3" name="Subtitle 2"/>
+          <p:cNvSpPr>
+            <a:spLocks noGrp="1"/>
+          </p:cNvSpPr>
+          <p:nvPr>
+            <p:ph type="subTitle" idx="1"/>
+          </p:nvPr>
+        </p:nvSpPr>
+        <p:spPr>
+          <a:xfrm>
+            <a:off x="1016238" y="4114800"/>
+            <a:ext cx="1447800" cy="762000"/>
+          </a:xfrm>
+        </p:spPr>
+        <p:txBody>
+          <a:bodyPr>
+            <a:noAutofit/>
+          </a:bodyPr>
+          <a:lstStyle/>
+          <a:p>
+            <a:r>
+              <a:rPr lang="zh-CN" altLang="en-US" sz="1800" dirty="0" smtClean="0">
+                <a:solidFill>
+                  <a:schemeClr val="tx1"/>
+                </a:solidFill>
+              </a:rPr>
+              <a:t>需求</a:t>
+            </a:r>
+            <a:endParaRPr lang="en-US" altLang="zh-CN" sz="1800" dirty="0" smtClean="0">
+              <a:solidFill>
+                <a:schemeClr val="tx1"/>
+              </a:solidFill>
+            </a:endParaRPr>
+          </a:p>
+          <a:p>
+            <a:r>
+              <a:rPr lang="en-US" altLang="zh-CN" sz="1800" dirty="0" smtClean="0">
+                <a:solidFill>
+                  <a:schemeClr val="tx1"/>
+                </a:solidFill>
+              </a:rPr>
+              <a:t>b2FixtureDef</a:t>
+            </a:r>
+            <a:endParaRPr lang="zh-CN" altLang="en-US" sz="1800" dirty="0">
+              <a:solidFill>
+                <a:schemeClr val="tx1"/>
+              </a:solidFill>
+            </a:endParaRPr>
+          </a:p>
+        </p:txBody>
+      </p:sp>
+      <p:sp>
+        <p:nvSpPr>
+          <p:cNvPr id="6" name="Flowchart: Process 5"/>
+          <p:cNvSpPr/>
+          <p:nvPr/>
+        </p:nvSpPr>
+        <p:spPr>
+          <a:xfrm>
+            <a:off x="1143000" y="4038600"/>
+            <a:ext cx="1219200" cy="838200"/>
+          </a:xfrm>
+          <a:prstGeom prst="flowChartProcess">
+            <a:avLst/>
+          </a:prstGeom>
+          <a:noFill/>
+          <a:ln cmpd="dbl">
+            <a:solidFill>
+              <a:schemeClr val="accent1">
+                <a:shade val="50000"/>
+              </a:schemeClr>
+            </a:solidFill>
+            <a:prstDash val="sysDot"/>
+          </a:ln>
+        </p:spPr>
+        <p:style>
+          <a:lnRef idx="2">
+            <a:schemeClr val="accent1">
+              <a:shade val="50000"/>
+            </a:schemeClr>
+          </a:lnRef>
+          <a:fillRef idx="1">
+            <a:schemeClr val="accent1"/>
+          </a:fillRef>
+          <a:effectRef idx="0">
+            <a:schemeClr val="accent1"/>
+          </a:effectRef>
+          <a:fontRef idx="minor">
+            <a:schemeClr val="lt1"/>
+          </a:fontRef>
+        </p:style>
+        <p:txBody>
+          <a:bodyPr rtlCol="0" anchor="ctr"/>
+          <a:lstStyle/>
+          <a:p>
+            <a:pPr algn="ctr"/>
+            <a:endParaRPr lang="zh-CN" altLang="en-US"/>
+          </a:p>
+        </p:txBody>
+      </p:sp>
+      <p:sp>
+        <p:nvSpPr>
+          <p:cNvPr id="8" name="Rectangle 7"/>
+          <p:cNvSpPr/>
+          <p:nvPr/>
+        </p:nvSpPr>
+        <p:spPr>
+          <a:xfrm>
+            <a:off x="3276600" y="4038600"/>
+            <a:ext cx="1524000" cy="838200"/>
+          </a:xfrm>
+          <a:prstGeom prst="rect">
+            <a:avLst/>
+          </a:prstGeom>
+          <a:noFill/>
+        </p:spPr>
+        <p:style>
+          <a:lnRef idx="2">
+            <a:schemeClr val="accent1">
+              <a:shade val="50000"/>
+            </a:schemeClr>
+          </a:lnRef>
+          <a:fillRef idx="1">
+            <a:schemeClr val="accent1"/>
+          </a:fillRef>
+          <a:effectRef idx="0">
+            <a:schemeClr val="accent1"/>
+          </a:effectRef>
+          <a:fontRef idx="minor">
+            <a:schemeClr val="lt1"/>
+          </a:fontRef>
+        </p:style>
+        <p:txBody>
+          <a:bodyPr rtlCol="0" anchor="ctr"/>
+          <a:lstStyle/>
+          <a:p>
+            <a:pPr algn="ctr"/>
+            <a:endParaRPr lang="zh-CN" altLang="en-US"/>
+          </a:p>
+        </p:txBody>
+      </p:sp>
+      <p:sp>
+        <p:nvSpPr>
+          <p:cNvPr id="11" name="Chevron 10"/>
+          <p:cNvSpPr/>
+          <p:nvPr/>
+        </p:nvSpPr>
+        <p:spPr>
+          <a:xfrm>
+            <a:off x="2743200" y="4267200"/>
+            <a:ext cx="381000" cy="457200"/>
+          </a:xfrm>
+          <a:prstGeom prst="chevron">
+            <a:avLst/>
+          </a:prstGeom>
+        </p:spPr>
+        <p:style>
+          <a:lnRef idx="2">
+            <a:schemeClr val="accent1">
+              <a:shade val="50000"/>
+            </a:schemeClr>
+          </a:lnRef>
+          <a:fillRef idx="1">
+            <a:schemeClr val="accent1"/>
+          </a:fillRef>
+          <a:effectRef idx="0">
+            <a:schemeClr val="accent1"/>
+          </a:effectRef>
+          <a:fontRef idx="minor">
+            <a:schemeClr val="lt1"/>
+          </a:fontRef>
+        </p:style>
+        <p:txBody>
+          <a:bodyPr rtlCol="0" anchor="ctr"/>
+          <a:lstStyle/>
+          <a:p>
+            <a:pPr algn="ctr"/>
+            <a:endParaRPr lang="zh-CN" altLang="en-US">
+              <a:solidFill>
+                <a:schemeClr val="tx1"/>
+              </a:solidFill>
+            </a:endParaRPr>
+          </a:p>
+        </p:txBody>
+      </p:sp>
+      <p:sp>
+        <p:nvSpPr>
+          <p:cNvPr id="12" name="Isosceles Triangle 11"/>
+          <p:cNvSpPr/>
+          <p:nvPr/>
+        </p:nvSpPr>
+        <p:spPr>
+          <a:xfrm>
+            <a:off x="2895600" y="3352800"/>
+            <a:ext cx="2209800" cy="685800"/>
+          </a:xfrm>
+          <a:prstGeom prst="triangle">
+            <a:avLst/>
+          </a:prstGeom>
+        </p:spPr>
+        <p:style>
+          <a:lnRef idx="2">
+            <a:schemeClr val="accent1">
+              <a:shade val="50000"/>
+            </a:schemeClr>
+          </a:lnRef>
+          <a:fillRef idx="1">
+            <a:schemeClr val="accent1"/>
+          </a:fillRef>
+          <a:effectRef idx="0">
+            <a:schemeClr val="accent1"/>
+          </a:effectRef>
+          <a:fontRef idx="minor">
+            <a:schemeClr val="lt1"/>
+          </a:fontRef>
+        </p:style>
+        <p:txBody>
+          <a:bodyPr rtlCol="0" anchor="ctr"/>
+          <a:lstStyle/>
+          <a:p>
+            <a:pPr algn="ctr"/>
+            <a:endParaRPr lang="zh-CN" altLang="en-US"/>
+          </a:p>
+        </p:txBody>
+      </p:sp>
+      <p:sp>
+        <p:nvSpPr>
+          <p:cNvPr id="13" name="Flowchart: Process 12"/>
+          <p:cNvSpPr/>
+          <p:nvPr/>
+        </p:nvSpPr>
+        <p:spPr>
+          <a:xfrm>
+            <a:off x="5715000" y="4038600"/>
+            <a:ext cx="1219200" cy="838200"/>
+          </a:xfrm>
+          <a:prstGeom prst="flowChartProcess">
+            <a:avLst/>
+          </a:prstGeom>
+          <a:noFill/>
+          <a:ln cmpd="dbl">
+            <a:solidFill>
+              <a:schemeClr val="accent1">
+                <a:shade val="50000"/>
+              </a:schemeClr>
+            </a:solidFill>
+            <a:prstDash val="solid"/>
+          </a:ln>
+        </p:spPr>
+        <p:style>
+          <a:lnRef idx="2">
+            <a:schemeClr val="accent1">
+              <a:shade val="50000"/>
+            </a:schemeClr>
+          </a:lnRef>
+          <a:fillRef idx="1">
+            <a:schemeClr val="accent1"/>
+          </a:fillRef>
+          <a:effectRef idx="0">
+            <a:schemeClr val="accent1"/>
+          </a:effectRef>
+          <a:fontRef idx="minor">
+            <a:schemeClr val="lt1"/>
+          </a:fontRef>
+        </p:style>
+        <p:txBody>
+          <a:bodyPr rtlCol="0" anchor="ctr"/>
+          <a:lstStyle/>
+          <a:p>
+            <a:pPr algn="ctr"/>
+            <a:endParaRPr lang="zh-CN" altLang="en-US"/>
+          </a:p>
+        </p:txBody>
+      </p:sp>
+      <p:sp>
+        <p:nvSpPr>
+          <p:cNvPr id="14" name="Chevron 13"/>
+          <p:cNvSpPr/>
+          <p:nvPr/>
+        </p:nvSpPr>
+        <p:spPr>
+          <a:xfrm>
+            <a:off x="4953000" y="4267200"/>
+            <a:ext cx="381000" cy="457200"/>
+          </a:xfrm>
+          <a:prstGeom prst="chevron">
+            <a:avLst/>
+          </a:prstGeom>
+        </p:spPr>
+        <p:style>
+          <a:lnRef idx="2">
+            <a:schemeClr val="accent1">
+              <a:shade val="50000"/>
+            </a:schemeClr>
+          </a:lnRef>
+          <a:fillRef idx="1">
+            <a:schemeClr val="accent1"/>
+          </a:fillRef>
+          <a:effectRef idx="0">
+            <a:schemeClr val="accent1"/>
+          </a:effectRef>
+          <a:fontRef idx="minor">
+            <a:schemeClr val="lt1"/>
+          </a:fontRef>
+        </p:style>
+        <p:txBody>
+          <a:bodyPr rtlCol="0" anchor="ctr"/>
+          <a:lstStyle/>
+          <a:p>
+            <a:pPr algn="ctr"/>
+            <a:endParaRPr lang="zh-CN" altLang="en-US">
+              <a:solidFill>
+                <a:schemeClr val="tx1"/>
+              </a:solidFill>
+            </a:endParaRPr>
+          </a:p>
+        </p:txBody>
+      </p:sp>
+      <p:sp>
+        <p:nvSpPr>
+          <p:cNvPr id="15" name="Subtitle 2"/>
+          <p:cNvSpPr txBox="1">
+            <a:spLocks/>
+          </p:cNvSpPr>
+          <p:nvPr/>
+        </p:nvSpPr>
+        <p:spPr>
+          <a:xfrm>
+            <a:off x="5715000" y="4114800"/>
+            <a:ext cx="1219200" cy="762000"/>
+          </a:xfrm>
+          <a:prstGeom prst="rect">
+            <a:avLst/>
+          </a:prstGeom>
+        </p:spPr>
+        <p:txBody>
+          <a:bodyPr vert="horz" lIns="91440" tIns="45720" rIns="91440" bIns="45720" rtlCol="0">
+            <a:normAutofit/>
+          </a:bodyPr>
+          <a:lstStyle/>
+          <a:p>
+            <a:pPr marL="0" marR="0" lvl="0" indent="0" algn="ctr" defTabSz="914400" rtl="0" eaLnBrk="1" fontAlgn="auto" latinLnBrk="0" hangingPunct="1">
+              <a:lnSpc>
+                <a:spcPct val="100000"/>
+              </a:lnSpc>
+              <a:spcBef>
+                <a:spcPct val="20000"/>
+              </a:spcBef>
+              <a:spcAft>
+                <a:spcPts val="0"/>
+              </a:spcAft>
+              <a:buClrTx/>
+              <a:buSzTx/>
+              <a:buFont typeface="Arial" pitchFamily="34" charset="0"/>
+              <a:buNone/>
+              <a:tabLst/>
+              <a:defRPr/>
+            </a:pPr>
+            <a:r>
+              <a:rPr lang="zh-CN" altLang="en-US" dirty="0" smtClean="0"/>
+              <a:t>产品</a:t>
+            </a:r>
+            <a:endParaRPr kumimoji="0" lang="en-US" altLang="zh-CN" sz="1800" b="0" i="0" u="none" strike="noStrike" kern="1200" cap="none" spc="0" normalizeH="0" baseline="0" noProof="0" dirty="0" smtClean="0">
+              <a:ln>
+                <a:noFill/>
+              </a:ln>
+              <a:effectLst/>
+              <a:uLnTx/>
+              <a:uFillTx/>
+              <a:latin typeface="+mn-lt"/>
+              <a:ea typeface="+mn-ea"/>
+              <a:cs typeface="+mn-cs"/>
+            </a:endParaRPr>
+          </a:p>
+          <a:p>
+            <a:pPr lvl="0" algn="ctr">
+              <a:spcBef>
+                <a:spcPct val="20000"/>
+              </a:spcBef>
+            </a:pPr>
+            <a:r>
+              <a:rPr lang="en-US" altLang="zh-CN" dirty="0" smtClean="0"/>
+              <a:t>b2Fixture</a:t>
+            </a:r>
+            <a:endParaRPr kumimoji="0" lang="zh-CN" altLang="en-US" sz="1800" b="0" i="0" u="none" strike="noStrike" kern="1200" cap="none" spc="0" normalizeH="0" baseline="0" noProof="0" dirty="0">
+              <a:ln>
+                <a:noFill/>
+              </a:ln>
+              <a:effectLst/>
+              <a:uLnTx/>
+              <a:uFillTx/>
+              <a:latin typeface="+mn-lt"/>
+              <a:ea typeface="+mn-ea"/>
+              <a:cs typeface="+mn-cs"/>
+            </a:endParaRPr>
+          </a:p>
+        </p:txBody>
+      </p:sp>
+      <p:sp>
+        <p:nvSpPr>
+          <p:cNvPr id="16" name="Subtitle 2"/>
+          <p:cNvSpPr txBox="1">
+            <a:spLocks/>
+          </p:cNvSpPr>
+          <p:nvPr/>
+        </p:nvSpPr>
+        <p:spPr>
+          <a:xfrm>
+            <a:off x="3200400" y="4174622"/>
+            <a:ext cx="1676400" cy="762000"/>
+          </a:xfrm>
+          <a:prstGeom prst="rect">
+            <a:avLst/>
+          </a:prstGeom>
+        </p:spPr>
+        <p:txBody>
+          <a:bodyPr vert="horz" lIns="91440" tIns="45720" rIns="91440" bIns="45720" rtlCol="0">
+            <a:noAutofit/>
+          </a:bodyPr>
+          <a:lstStyle/>
+          <a:p>
+            <a:pPr algn="ctr">
+              <a:spcBef>
+                <a:spcPct val="20000"/>
+              </a:spcBef>
+            </a:pPr>
+            <a:r>
+              <a:rPr lang="en-US" altLang="zh-CN" dirty="0" smtClean="0"/>
+              <a:t>b2Body.create(b2FixtureDef</a:t>
+            </a:r>
+            <a:r>
+              <a:rPr kumimoji="0" lang="en-US" altLang="zh-CN" b="0" i="0" u="none" strike="noStrike" kern="1200" cap="none" spc="0" normalizeH="0" baseline="0" noProof="0" dirty="0" smtClean="0">
+                <a:ln>
+                  <a:noFill/>
+                </a:ln>
+                <a:effectLst/>
+                <a:uLnTx/>
+                <a:uFillTx/>
+                <a:latin typeface="+mn-lt"/>
+                <a:ea typeface="+mn-ea"/>
+                <a:cs typeface="+mn-cs"/>
+              </a:rPr>
+              <a:t>)</a:t>
+            </a:r>
+          </a:p>
+        </p:txBody>
+      </p:sp>
+      <p:sp>
+        <p:nvSpPr>
+          <p:cNvPr id="17" name="Subtitle 2"/>
+          <p:cNvSpPr txBox="1">
+            <a:spLocks/>
+          </p:cNvSpPr>
+          <p:nvPr/>
+        </p:nvSpPr>
+        <p:spPr>
+          <a:xfrm>
+            <a:off x="3429000" y="3657600"/>
+            <a:ext cx="1219200" cy="381000"/>
+          </a:xfrm>
+          <a:prstGeom prst="rect">
+            <a:avLst/>
+          </a:prstGeom>
+        </p:spPr>
+        <p:txBody>
+          <a:bodyPr vert="horz" lIns="91440" tIns="45720" rIns="91440" bIns="45720" rtlCol="0">
+            <a:normAutofit/>
+          </a:bodyPr>
+          <a:lstStyle/>
+          <a:p>
+            <a:pPr marL="0" marR="0" lvl="0" indent="0" algn="ctr" defTabSz="914400" rtl="0" eaLnBrk="1" fontAlgn="auto" latinLnBrk="0" hangingPunct="1">
+              <a:lnSpc>
+                <a:spcPct val="100000"/>
+              </a:lnSpc>
+              <a:spcBef>
+                <a:spcPct val="20000"/>
+              </a:spcBef>
+              <a:spcAft>
+                <a:spcPts val="0"/>
+              </a:spcAft>
+              <a:buClrTx/>
+              <a:buSzTx/>
+              <a:buFont typeface="Arial" pitchFamily="34" charset="0"/>
+              <a:buNone/>
+              <a:tabLst/>
+              <a:defRPr/>
+            </a:pPr>
+            <a:r>
+              <a:rPr kumimoji="0" lang="zh-CN" altLang="en-US" sz="1800" b="0" i="0" u="none" strike="noStrike" kern="1200" cap="none" spc="0" normalizeH="0" baseline="0" noProof="0" dirty="0" smtClean="0">
+                <a:ln>
+                  <a:noFill/>
+                </a:ln>
+                <a:solidFill>
+                  <a:schemeClr val="bg1"/>
+                </a:solidFill>
+                <a:effectLst/>
+                <a:uLnTx/>
+                <a:uFillTx/>
+                <a:latin typeface="+mn-lt"/>
+                <a:ea typeface="+mn-ea"/>
+                <a:cs typeface="+mn-cs"/>
+              </a:rPr>
+              <a:t>工厂</a:t>
+            </a:r>
+            <a:endParaRPr kumimoji="0" lang="zh-CN" altLang="en-US" sz="1800" b="0" i="0" u="none" strike="noStrike" kern="1200" cap="none" spc="0" normalizeH="0" baseline="0" noProof="0" dirty="0">
+              <a:ln>
+                <a:noFill/>
+              </a:ln>
+              <a:solidFill>
+                <a:schemeClr val="bg1"/>
+              </a:solidFill>
+              <a:effectLst/>
+              <a:uLnTx/>
+              <a:uFillTx/>
+              <a:latin typeface="+mn-lt"/>
+              <a:ea typeface="+mn-ea"/>
+              <a:cs typeface="+mn-cs"/>
+            </a:endParaRPr>
+          </a:p>
+        </p:txBody>
+      </p:sp>
+    </p:spTree>
+  </p:cSld>
+  <p:clrMapOvr>
+    <a:masterClrMapping/>
+  </p:clrMapOvr>
+</p:sld>
+</file>
+
+<file path=ppt/slides/slide4.xml><?xml version="1.0" encoding="utf-8"?>
 <p:sld xmlns:a="http://schemas.openxmlformats.org/drawingml/2006/main" xmlns:r="http://schemas.openxmlformats.org/officeDocument/2006/relationships" xmlns:p="http://schemas.openxmlformats.org/presentationml/2006/main">
   <p:cSld>
     <p:spTree>
@@ -6335,427 +7498,6 @@
 </p:sld>
 </file>
 
-<file path=ppt/slides/slide4.xml><?xml version="1.0" encoding="utf-8"?>
-<p:sld xmlns:a="http://schemas.openxmlformats.org/drawingml/2006/main" xmlns:r="http://schemas.openxmlformats.org/officeDocument/2006/relationships" xmlns:p="http://schemas.openxmlformats.org/presentationml/2006/main">
-  <p:cSld>
-    <p:spTree>
-      <p:nvGrpSpPr>
-        <p:cNvPr id="1" name=""/>
-        <p:cNvGrpSpPr/>
-        <p:nvPr/>
-      </p:nvGrpSpPr>
-      <p:grpSpPr>
-        <a:xfrm>
-          <a:off x="0" y="0"/>
-          <a:ext cx="0" cy="0"/>
-          <a:chOff x="0" y="0"/>
-          <a:chExt cx="0" cy="0"/>
-        </a:xfrm>
-      </p:grpSpPr>
-      <p:sp>
-        <p:nvSpPr>
-          <p:cNvPr id="4" name="Rectangle 3"/>
-          <p:cNvSpPr/>
-          <p:nvPr/>
-        </p:nvSpPr>
-        <p:spPr>
-          <a:xfrm>
-            <a:off x="2362200" y="5105400"/>
-            <a:ext cx="2286000" cy="381000"/>
-          </a:xfrm>
-          <a:prstGeom prst="rect">
-            <a:avLst/>
-          </a:prstGeom>
-        </p:spPr>
-        <p:style>
-          <a:lnRef idx="2">
-            <a:schemeClr val="accent1">
-              <a:shade val="50000"/>
-            </a:schemeClr>
-          </a:lnRef>
-          <a:fillRef idx="1">
-            <a:schemeClr val="accent1"/>
-          </a:fillRef>
-          <a:effectRef idx="0">
-            <a:schemeClr val="accent1"/>
-          </a:effectRef>
-          <a:fontRef idx="minor">
-            <a:schemeClr val="lt1"/>
-          </a:fontRef>
-        </p:style>
-        <p:txBody>
-          <a:bodyPr rtlCol="0" anchor="ctr"/>
-          <a:lstStyle/>
-          <a:p>
-            <a:pPr algn="ctr"/>
-            <a:r>
-              <a:rPr lang="en-US" altLang="zh-CN" dirty="0" smtClean="0"/>
-              <a:t>GPU</a:t>
-            </a:r>
-            <a:endParaRPr lang="zh-CN" altLang="en-US" dirty="0"/>
-          </a:p>
-        </p:txBody>
-      </p:sp>
-      <p:sp>
-        <p:nvSpPr>
-          <p:cNvPr id="6" name="Rectangle 5"/>
-          <p:cNvSpPr/>
-          <p:nvPr/>
-        </p:nvSpPr>
-        <p:spPr>
-          <a:xfrm>
-            <a:off x="2362200" y="4648200"/>
-            <a:ext cx="2286000" cy="381000"/>
-          </a:xfrm>
-          <a:prstGeom prst="rect">
-            <a:avLst/>
-          </a:prstGeom>
-        </p:spPr>
-        <p:style>
-          <a:lnRef idx="2">
-            <a:schemeClr val="accent1">
-              <a:shade val="50000"/>
-            </a:schemeClr>
-          </a:lnRef>
-          <a:fillRef idx="1">
-            <a:schemeClr val="accent1"/>
-          </a:fillRef>
-          <a:effectRef idx="0">
-            <a:schemeClr val="accent1"/>
-          </a:effectRef>
-          <a:fontRef idx="minor">
-            <a:schemeClr val="lt1"/>
-          </a:fontRef>
-        </p:style>
-        <p:txBody>
-          <a:bodyPr rtlCol="0" anchor="ctr"/>
-          <a:lstStyle/>
-          <a:p>
-            <a:pPr algn="ctr"/>
-            <a:r>
-              <a:rPr lang="en-US" altLang="zh-CN" dirty="0" smtClean="0"/>
-              <a:t>OpenGL/ES2-DirectX</a:t>
-            </a:r>
-            <a:endParaRPr lang="zh-CN" altLang="en-US" dirty="0"/>
-          </a:p>
-        </p:txBody>
-      </p:sp>
-      <p:sp>
-        <p:nvSpPr>
-          <p:cNvPr id="7" name="Rectangle 6"/>
-          <p:cNvSpPr/>
-          <p:nvPr/>
-        </p:nvSpPr>
-        <p:spPr>
-          <a:xfrm>
-            <a:off x="2362200" y="4191000"/>
-            <a:ext cx="2286000" cy="381000"/>
-          </a:xfrm>
-          <a:prstGeom prst="rect">
-            <a:avLst/>
-          </a:prstGeom>
-        </p:spPr>
-        <p:style>
-          <a:lnRef idx="2">
-            <a:schemeClr val="accent1">
-              <a:shade val="50000"/>
-            </a:schemeClr>
-          </a:lnRef>
-          <a:fillRef idx="1">
-            <a:schemeClr val="accent1"/>
-          </a:fillRef>
-          <a:effectRef idx="0">
-            <a:schemeClr val="accent1"/>
-          </a:effectRef>
-          <a:fontRef idx="minor">
-            <a:schemeClr val="lt1"/>
-          </a:fontRef>
-        </p:style>
-        <p:txBody>
-          <a:bodyPr rtlCol="0" anchor="ctr"/>
-          <a:lstStyle/>
-          <a:p>
-            <a:pPr algn="ctr"/>
-            <a:r>
-              <a:rPr lang="en-US" altLang="zh-CN" dirty="0" smtClean="0"/>
-              <a:t>Stage3D</a:t>
-            </a:r>
-            <a:endParaRPr lang="zh-CN" altLang="en-US" dirty="0"/>
-          </a:p>
-        </p:txBody>
-      </p:sp>
-      <p:sp>
-        <p:nvSpPr>
-          <p:cNvPr id="8" name="Rectangle 7"/>
-          <p:cNvSpPr/>
-          <p:nvPr/>
-        </p:nvSpPr>
-        <p:spPr>
-          <a:xfrm>
-            <a:off x="2362200" y="3733800"/>
-            <a:ext cx="2286000" cy="381000"/>
-          </a:xfrm>
-          <a:prstGeom prst="rect">
-            <a:avLst/>
-          </a:prstGeom>
-        </p:spPr>
-        <p:style>
-          <a:lnRef idx="2">
-            <a:schemeClr val="accent2">
-              <a:shade val="50000"/>
-            </a:schemeClr>
-          </a:lnRef>
-          <a:fillRef idx="1">
-            <a:schemeClr val="accent2"/>
-          </a:fillRef>
-          <a:effectRef idx="0">
-            <a:schemeClr val="accent2"/>
-          </a:effectRef>
-          <a:fontRef idx="minor">
-            <a:schemeClr val="lt1"/>
-          </a:fontRef>
-        </p:style>
-        <p:txBody>
-          <a:bodyPr rtlCol="0" anchor="ctr"/>
-          <a:lstStyle/>
-          <a:p>
-            <a:pPr algn="ctr"/>
-            <a:r>
-              <a:rPr lang="en-US" altLang="zh-CN" dirty="0" smtClean="0"/>
-              <a:t>Starling</a:t>
-            </a:r>
-            <a:endParaRPr lang="zh-CN" altLang="en-US" dirty="0"/>
-          </a:p>
-        </p:txBody>
-      </p:sp>
-      <p:sp>
-        <p:nvSpPr>
-          <p:cNvPr id="9" name="Rectangle 8"/>
-          <p:cNvSpPr/>
-          <p:nvPr/>
-        </p:nvSpPr>
-        <p:spPr>
-          <a:xfrm>
-            <a:off x="4724400" y="3733800"/>
-            <a:ext cx="2514600" cy="381000"/>
-          </a:xfrm>
-          <a:prstGeom prst="rect">
-            <a:avLst/>
-          </a:prstGeom>
-        </p:spPr>
-        <p:style>
-          <a:lnRef idx="2">
-            <a:schemeClr val="accent2">
-              <a:shade val="50000"/>
-            </a:schemeClr>
-          </a:lnRef>
-          <a:fillRef idx="1">
-            <a:schemeClr val="accent2"/>
-          </a:fillRef>
-          <a:effectRef idx="0">
-            <a:schemeClr val="accent2"/>
-          </a:effectRef>
-          <a:fontRef idx="minor">
-            <a:schemeClr val="lt1"/>
-          </a:fontRef>
-        </p:style>
-        <p:txBody>
-          <a:bodyPr rtlCol="0" anchor="ctr"/>
-          <a:lstStyle/>
-          <a:p>
-            <a:pPr algn="ctr"/>
-            <a:r>
-              <a:rPr lang="en-US" altLang="zh-CN" dirty="0" smtClean="0"/>
-              <a:t>Flash Platform</a:t>
-            </a:r>
-            <a:endParaRPr lang="zh-CN" altLang="en-US" dirty="0"/>
-          </a:p>
-        </p:txBody>
-      </p:sp>
-      <p:sp>
-        <p:nvSpPr>
-          <p:cNvPr id="10" name="Rectangle 9"/>
-          <p:cNvSpPr/>
-          <p:nvPr/>
-        </p:nvSpPr>
-        <p:spPr>
-          <a:xfrm>
-            <a:off x="4724400" y="4191000"/>
-            <a:ext cx="2514600" cy="1295400"/>
-          </a:xfrm>
-          <a:prstGeom prst="rect">
-            <a:avLst/>
-          </a:prstGeom>
-        </p:spPr>
-        <p:style>
-          <a:lnRef idx="2">
-            <a:schemeClr val="accent1">
-              <a:shade val="50000"/>
-            </a:schemeClr>
-          </a:lnRef>
-          <a:fillRef idx="1">
-            <a:schemeClr val="accent1"/>
-          </a:fillRef>
-          <a:effectRef idx="0">
-            <a:schemeClr val="accent1"/>
-          </a:effectRef>
-          <a:fontRef idx="minor">
-            <a:schemeClr val="lt1"/>
-          </a:fontRef>
-        </p:style>
-        <p:txBody>
-          <a:bodyPr rtlCol="0" anchor="ctr"/>
-          <a:lstStyle/>
-          <a:p>
-            <a:pPr algn="ctr"/>
-            <a:r>
-              <a:rPr lang="en-US" altLang="zh-CN" dirty="0" smtClean="0"/>
-              <a:t>CPU</a:t>
-            </a:r>
-            <a:endParaRPr lang="zh-CN" altLang="en-US" dirty="0"/>
-          </a:p>
-        </p:txBody>
-      </p:sp>
-      <p:sp>
-        <p:nvSpPr>
-          <p:cNvPr id="11" name="Rectangle 10"/>
-          <p:cNvSpPr/>
-          <p:nvPr/>
-        </p:nvSpPr>
-        <p:spPr>
-          <a:xfrm>
-            <a:off x="2362200" y="3276600"/>
-            <a:ext cx="2286000" cy="381000"/>
-          </a:xfrm>
-          <a:prstGeom prst="rect">
-            <a:avLst/>
-          </a:prstGeom>
-        </p:spPr>
-        <p:style>
-          <a:lnRef idx="2">
-            <a:schemeClr val="accent3">
-              <a:shade val="50000"/>
-            </a:schemeClr>
-          </a:lnRef>
-          <a:fillRef idx="1">
-            <a:schemeClr val="accent3"/>
-          </a:fillRef>
-          <a:effectRef idx="0">
-            <a:schemeClr val="accent3"/>
-          </a:effectRef>
-          <a:fontRef idx="minor">
-            <a:schemeClr val="lt1"/>
-          </a:fontRef>
-        </p:style>
-        <p:txBody>
-          <a:bodyPr rtlCol="0" anchor="ctr"/>
-          <a:lstStyle/>
-          <a:p>
-            <a:pPr algn="ctr"/>
-            <a:r>
-              <a:rPr lang="en-US" altLang="zh-CN" dirty="0" smtClean="0"/>
-              <a:t>Feather UI Lib</a:t>
-            </a:r>
-            <a:endParaRPr lang="zh-CN" altLang="en-US" dirty="0"/>
-          </a:p>
-        </p:txBody>
-      </p:sp>
-      <p:sp>
-        <p:nvSpPr>
-          <p:cNvPr id="12" name="Rectangle 11"/>
-          <p:cNvSpPr/>
-          <p:nvPr/>
-        </p:nvSpPr>
-        <p:spPr>
-          <a:xfrm>
-            <a:off x="4724400" y="3276600"/>
-            <a:ext cx="2514600" cy="381000"/>
-          </a:xfrm>
-          <a:prstGeom prst="rect">
-            <a:avLst/>
-          </a:prstGeom>
-        </p:spPr>
-        <p:style>
-          <a:lnRef idx="2">
-            <a:schemeClr val="accent3">
-              <a:shade val="50000"/>
-            </a:schemeClr>
-          </a:lnRef>
-          <a:fillRef idx="1">
-            <a:schemeClr val="accent3"/>
-          </a:fillRef>
-          <a:effectRef idx="0">
-            <a:schemeClr val="accent3"/>
-          </a:effectRef>
-          <a:fontRef idx="minor">
-            <a:schemeClr val="lt1"/>
-          </a:fontRef>
-        </p:style>
-        <p:txBody>
-          <a:bodyPr rtlCol="0" anchor="ctr"/>
-          <a:lstStyle/>
-          <a:p>
-            <a:pPr algn="ctr"/>
-            <a:r>
-              <a:rPr lang="en-US" altLang="zh-CN" dirty="0" smtClean="0"/>
-              <a:t>FlashBox2D</a:t>
-            </a:r>
-            <a:endParaRPr lang="zh-CN" altLang="en-US" dirty="0"/>
-          </a:p>
-        </p:txBody>
-      </p:sp>
-      <p:sp>
-        <p:nvSpPr>
-          <p:cNvPr id="13" name="Rectangle 12"/>
-          <p:cNvSpPr/>
-          <p:nvPr/>
-        </p:nvSpPr>
-        <p:spPr>
-          <a:xfrm>
-            <a:off x="2362200" y="2819400"/>
-            <a:ext cx="4876800" cy="381000"/>
-          </a:xfrm>
-          <a:prstGeom prst="rect">
-            <a:avLst/>
-          </a:prstGeom>
-        </p:spPr>
-        <p:style>
-          <a:lnRef idx="2">
-            <a:schemeClr val="accent6">
-              <a:shade val="50000"/>
-            </a:schemeClr>
-          </a:lnRef>
-          <a:fillRef idx="1">
-            <a:schemeClr val="accent6"/>
-          </a:fillRef>
-          <a:effectRef idx="0">
-            <a:schemeClr val="accent6"/>
-          </a:effectRef>
-          <a:fontRef idx="minor">
-            <a:schemeClr val="lt1"/>
-          </a:fontRef>
-        </p:style>
-        <p:txBody>
-          <a:bodyPr rtlCol="0" anchor="ctr"/>
-          <a:lstStyle/>
-          <a:p>
-            <a:pPr algn="ctr"/>
-            <a:r>
-              <a:rPr lang="en-US" altLang="zh-CN" dirty="0" smtClean="0"/>
-              <a:t>EasyBox2D</a:t>
-            </a:r>
-            <a:endParaRPr lang="zh-CN" altLang="en-US" dirty="0"/>
-          </a:p>
-        </p:txBody>
-      </p:sp>
-    </p:spTree>
-  </p:cSld>
-  <p:clrMapOvr>
-    <a:masterClrMapping/>
-  </p:clrMapOvr>
-</p:sld>
-</file>
-
 <file path=ppt/slides/slide5.xml><?xml version="1.0" encoding="utf-8"?>
 <p:sld xmlns:a="http://schemas.openxmlformats.org/drawingml/2006/main" xmlns:r="http://schemas.openxmlformats.org/officeDocument/2006/relationships" xmlns:p="http://schemas.openxmlformats.org/presentationml/2006/main">
   <p:cSld>
@@ -6781,8 +7523,8 @@
         </p:nvSpPr>
         <p:spPr>
           <a:xfrm>
-            <a:off x="457200" y="2209800"/>
-            <a:ext cx="8458200" cy="381000"/>
+            <a:off x="2362200" y="5105400"/>
+            <a:ext cx="2286000" cy="381000"/>
           </a:xfrm>
           <a:prstGeom prst="rect">
             <a:avLst/>
@@ -6811,7 +7553,7 @@
             <a:pPr algn="ctr"/>
             <a:r>
               <a:rPr lang="en-US" altLang="zh-CN" dirty="0" smtClean="0"/>
-              <a:t>EasyBox2D</a:t>
+              <a:t>GPU</a:t>
             </a:r>
             <a:endParaRPr lang="zh-CN" altLang="en-US" dirty="0"/>
           </a:p>
@@ -6819,14 +7561,14 @@
       </p:sp>
       <p:sp>
         <p:nvSpPr>
-          <p:cNvPr id="5" name="Rectangle 4"/>
-          <p:cNvSpPr/>
-          <p:nvPr/>
-        </p:nvSpPr>
-        <p:spPr>
-          <a:xfrm>
-            <a:off x="4724400" y="2743200"/>
-            <a:ext cx="914400" cy="1295400"/>
+          <p:cNvPr id="6" name="Rectangle 5"/>
+          <p:cNvSpPr/>
+          <p:nvPr/>
+        </p:nvSpPr>
+        <p:spPr>
+          <a:xfrm>
+            <a:off x="2362200" y="4648200"/>
+            <a:ext cx="2286000" cy="381000"/>
           </a:xfrm>
           <a:prstGeom prst="rect">
             <a:avLst/>
@@ -6855,7 +7597,7 @@
             <a:pPr algn="ctr"/>
             <a:r>
               <a:rPr lang="en-US" altLang="zh-CN" dirty="0" smtClean="0"/>
-              <a:t>Contact</a:t>
+              <a:t>OpenGL/ES2-DirectX</a:t>
             </a:r>
             <a:endParaRPr lang="zh-CN" altLang="en-US" dirty="0"/>
           </a:p>
@@ -6863,14 +7605,14 @@
       </p:sp>
       <p:sp>
         <p:nvSpPr>
-          <p:cNvPr id="6" name="Rectangle 5"/>
-          <p:cNvSpPr/>
-          <p:nvPr/>
-        </p:nvSpPr>
-        <p:spPr>
-          <a:xfrm>
-            <a:off x="7696200" y="3200400"/>
-            <a:ext cx="1219200" cy="838200"/>
+          <p:cNvPr id="7" name="Rectangle 6"/>
+          <p:cNvSpPr/>
+          <p:nvPr/>
+        </p:nvSpPr>
+        <p:spPr>
+          <a:xfrm>
+            <a:off x="2362200" y="4191000"/>
+            <a:ext cx="2286000" cy="381000"/>
           </a:xfrm>
           <a:prstGeom prst="rect">
             <a:avLst/>
@@ -6899,7 +7641,7 @@
             <a:pPr algn="ctr"/>
             <a:r>
               <a:rPr lang="en-US" altLang="zh-CN" dirty="0" smtClean="0"/>
-              <a:t>Geometry</a:t>
+              <a:t>Stage3D</a:t>
             </a:r>
             <a:endParaRPr lang="zh-CN" altLang="en-US" dirty="0"/>
           </a:p>
@@ -6907,14 +7649,102 @@
       </p:sp>
       <p:sp>
         <p:nvSpPr>
-          <p:cNvPr id="7" name="Rectangle 6"/>
-          <p:cNvSpPr/>
-          <p:nvPr/>
-        </p:nvSpPr>
-        <p:spPr>
-          <a:xfrm>
-            <a:off x="7696200" y="2743200"/>
-            <a:ext cx="1219200" cy="381000"/>
+          <p:cNvPr id="8" name="Rectangle 7"/>
+          <p:cNvSpPr/>
+          <p:nvPr/>
+        </p:nvSpPr>
+        <p:spPr>
+          <a:xfrm>
+            <a:off x="2362200" y="3733800"/>
+            <a:ext cx="2286000" cy="381000"/>
+          </a:xfrm>
+          <a:prstGeom prst="rect">
+            <a:avLst/>
+          </a:prstGeom>
+        </p:spPr>
+        <p:style>
+          <a:lnRef idx="2">
+            <a:schemeClr val="accent2">
+              <a:shade val="50000"/>
+            </a:schemeClr>
+          </a:lnRef>
+          <a:fillRef idx="1">
+            <a:schemeClr val="accent2"/>
+          </a:fillRef>
+          <a:effectRef idx="0">
+            <a:schemeClr val="accent2"/>
+          </a:effectRef>
+          <a:fontRef idx="minor">
+            <a:schemeClr val="lt1"/>
+          </a:fontRef>
+        </p:style>
+        <p:txBody>
+          <a:bodyPr rtlCol="0" anchor="ctr"/>
+          <a:lstStyle/>
+          <a:p>
+            <a:pPr algn="ctr"/>
+            <a:r>
+              <a:rPr lang="en-US" altLang="zh-CN" dirty="0" smtClean="0"/>
+              <a:t>Starling</a:t>
+            </a:r>
+            <a:endParaRPr lang="zh-CN" altLang="en-US" dirty="0"/>
+          </a:p>
+        </p:txBody>
+      </p:sp>
+      <p:sp>
+        <p:nvSpPr>
+          <p:cNvPr id="9" name="Rectangle 8"/>
+          <p:cNvSpPr/>
+          <p:nvPr/>
+        </p:nvSpPr>
+        <p:spPr>
+          <a:xfrm>
+            <a:off x="4724400" y="3733800"/>
+            <a:ext cx="2514600" cy="381000"/>
+          </a:xfrm>
+          <a:prstGeom prst="rect">
+            <a:avLst/>
+          </a:prstGeom>
+        </p:spPr>
+        <p:style>
+          <a:lnRef idx="2">
+            <a:schemeClr val="accent2">
+              <a:shade val="50000"/>
+            </a:schemeClr>
+          </a:lnRef>
+          <a:fillRef idx="1">
+            <a:schemeClr val="accent2"/>
+          </a:fillRef>
+          <a:effectRef idx="0">
+            <a:schemeClr val="accent2"/>
+          </a:effectRef>
+          <a:fontRef idx="minor">
+            <a:schemeClr val="lt1"/>
+          </a:fontRef>
+        </p:style>
+        <p:txBody>
+          <a:bodyPr rtlCol="0" anchor="ctr"/>
+          <a:lstStyle/>
+          <a:p>
+            <a:pPr algn="ctr"/>
+            <a:r>
+              <a:rPr lang="en-US" altLang="zh-CN" dirty="0" smtClean="0"/>
+              <a:t>Flash Platform</a:t>
+            </a:r>
+            <a:endParaRPr lang="zh-CN" altLang="en-US" dirty="0"/>
+          </a:p>
+        </p:txBody>
+      </p:sp>
+      <p:sp>
+        <p:nvSpPr>
+          <p:cNvPr id="10" name="Rectangle 9"/>
+          <p:cNvSpPr/>
+          <p:nvPr/>
+        </p:nvSpPr>
+        <p:spPr>
+          <a:xfrm>
+            <a:off x="4724400" y="4191000"/>
+            <a:ext cx="2514600" cy="1295400"/>
           </a:xfrm>
           <a:prstGeom prst="rect">
             <a:avLst/>
@@ -6943,7 +7773,7 @@
             <a:pPr algn="ctr"/>
             <a:r>
               <a:rPr lang="en-US" altLang="zh-CN" dirty="0" smtClean="0"/>
-              <a:t>Utils</a:t>
+              <a:t>CPU</a:t>
             </a:r>
             <a:endParaRPr lang="zh-CN" altLang="en-US" dirty="0"/>
           </a:p>
@@ -6951,14 +7781,14 @@
       </p:sp>
       <p:sp>
         <p:nvSpPr>
-          <p:cNvPr id="8" name="Rectangle 7"/>
-          <p:cNvSpPr/>
-          <p:nvPr/>
-        </p:nvSpPr>
-        <p:spPr>
-          <a:xfrm>
-            <a:off x="457200" y="2743200"/>
-            <a:ext cx="1143000" cy="1295400"/>
+          <p:cNvPr id="11" name="Rectangle 10"/>
+          <p:cNvSpPr/>
+          <p:nvPr/>
+        </p:nvSpPr>
+        <p:spPr>
+          <a:xfrm>
+            <a:off x="2362200" y="3276600"/>
+            <a:ext cx="2286000" cy="381000"/>
           </a:xfrm>
           <a:prstGeom prst="rect">
             <a:avLst/>
@@ -6966,15 +7796,15 @@
         </p:spPr>
         <p:style>
           <a:lnRef idx="2">
-            <a:schemeClr val="accent1">
+            <a:schemeClr val="accent3">
               <a:shade val="50000"/>
             </a:schemeClr>
           </a:lnRef>
           <a:fillRef idx="1">
-            <a:schemeClr val="accent1"/>
-          </a:fillRef>
-          <a:effectRef idx="0">
-            <a:schemeClr val="accent1"/>
+            <a:schemeClr val="accent3"/>
+          </a:fillRef>
+          <a:effectRef idx="0">
+            <a:schemeClr val="accent3"/>
           </a:effectRef>
           <a:fontRef idx="minor">
             <a:schemeClr val="lt1"/>
@@ -6987,7 +7817,7 @@
             <a:pPr algn="ctr"/>
             <a:r>
               <a:rPr lang="en-US" altLang="zh-CN" dirty="0" smtClean="0"/>
-              <a:t>Native UI</a:t>
+              <a:t>Feather UI Lib</a:t>
             </a:r>
             <a:endParaRPr lang="zh-CN" altLang="en-US" dirty="0"/>
           </a:p>
@@ -6995,14 +7825,14 @@
       </p:sp>
       <p:sp>
         <p:nvSpPr>
-          <p:cNvPr id="9" name="Rectangle 8"/>
-          <p:cNvSpPr/>
-          <p:nvPr/>
-        </p:nvSpPr>
-        <p:spPr>
-          <a:xfrm>
-            <a:off x="1676400" y="2743200"/>
-            <a:ext cx="2971800" cy="381000"/>
+          <p:cNvPr id="12" name="Rectangle 11"/>
+          <p:cNvSpPr/>
+          <p:nvPr/>
+        </p:nvSpPr>
+        <p:spPr>
+          <a:xfrm>
+            <a:off x="4724400" y="3276600"/>
+            <a:ext cx="2514600" cy="381000"/>
           </a:xfrm>
           <a:prstGeom prst="rect">
             <a:avLst/>
@@ -7010,15 +7840,15 @@
         </p:spPr>
         <p:style>
           <a:lnRef idx="2">
-            <a:schemeClr val="accent1">
+            <a:schemeClr val="accent3">
               <a:shade val="50000"/>
             </a:schemeClr>
           </a:lnRef>
           <a:fillRef idx="1">
-            <a:schemeClr val="accent1"/>
-          </a:fillRef>
-          <a:effectRef idx="0">
-            <a:schemeClr val="accent1"/>
+            <a:schemeClr val="accent3"/>
+          </a:fillRef>
+          <a:effectRef idx="0">
+            <a:schemeClr val="accent3"/>
           </a:effectRef>
           <a:fontRef idx="minor">
             <a:schemeClr val="lt1"/>
@@ -7031,7 +7861,7 @@
             <a:pPr algn="ctr"/>
             <a:r>
               <a:rPr lang="en-US" altLang="zh-CN" dirty="0" smtClean="0"/>
-              <a:t>Body Factory</a:t>
+              <a:t>FlashBox2D</a:t>
             </a:r>
             <a:endParaRPr lang="zh-CN" altLang="en-US" dirty="0"/>
           </a:p>
@@ -7039,14 +7869,14 @@
       </p:sp>
       <p:sp>
         <p:nvSpPr>
-          <p:cNvPr id="10" name="Rectangle 9"/>
-          <p:cNvSpPr/>
-          <p:nvPr/>
-        </p:nvSpPr>
-        <p:spPr>
-          <a:xfrm>
-            <a:off x="5791200" y="2743200"/>
-            <a:ext cx="1752600" cy="381000"/>
+          <p:cNvPr id="13" name="Rectangle 12"/>
+          <p:cNvSpPr/>
+          <p:nvPr/>
+        </p:nvSpPr>
+        <p:spPr>
+          <a:xfrm>
+            <a:off x="2362200" y="2819400"/>
+            <a:ext cx="4876800" cy="381000"/>
           </a:xfrm>
           <a:prstGeom prst="rect">
             <a:avLst/>
@@ -7054,15 +7884,15 @@
         </p:spPr>
         <p:style>
           <a:lnRef idx="2">
-            <a:schemeClr val="accent1">
+            <a:schemeClr val="accent6">
               <a:shade val="50000"/>
             </a:schemeClr>
           </a:lnRef>
           <a:fillRef idx="1">
-            <a:schemeClr val="accent1"/>
-          </a:fillRef>
-          <a:effectRef idx="0">
-            <a:schemeClr val="accent1"/>
+            <a:schemeClr val="accent6"/>
+          </a:fillRef>
+          <a:effectRef idx="0">
+            <a:schemeClr val="accent6"/>
           </a:effectRef>
           <a:fontRef idx="minor">
             <a:schemeClr val="lt1"/>
@@ -7075,309 +7905,9 @@
             <a:pPr algn="ctr"/>
             <a:r>
               <a:rPr lang="en-US" altLang="zh-CN" dirty="0" smtClean="0"/>
-              <a:t>Model</a:t>
-            </a:r>
-          </a:p>
-        </p:txBody>
-      </p:sp>
-      <p:sp>
-        <p:nvSpPr>
-          <p:cNvPr id="11" name="Rectangle 10"/>
-          <p:cNvSpPr/>
-          <p:nvPr/>
-        </p:nvSpPr>
-        <p:spPr>
-          <a:xfrm>
-            <a:off x="5791200" y="3200400"/>
-            <a:ext cx="838200" cy="838200"/>
-          </a:xfrm>
-          <a:prstGeom prst="rect">
-            <a:avLst/>
-          </a:prstGeom>
-        </p:spPr>
-        <p:style>
-          <a:lnRef idx="2">
-            <a:schemeClr val="accent1">
-              <a:shade val="50000"/>
-            </a:schemeClr>
-          </a:lnRef>
-          <a:fillRef idx="1">
-            <a:schemeClr val="accent1"/>
-          </a:fillRef>
-          <a:effectRef idx="0">
-            <a:schemeClr val="accent1"/>
-          </a:effectRef>
-          <a:fontRef idx="minor">
-            <a:schemeClr val="lt1"/>
-          </a:fontRef>
-        </p:style>
-        <p:txBody>
-          <a:bodyPr rtlCol="0" anchor="ctr"/>
-          <a:lstStyle/>
-          <a:p>
-            <a:pPr algn="ctr"/>
-            <a:r>
-              <a:rPr lang="en-US" altLang="zh-CN" dirty="0" smtClean="0"/>
-              <a:t>Parser</a:t>
-            </a:r>
-          </a:p>
-        </p:txBody>
-      </p:sp>
-      <p:sp>
-        <p:nvSpPr>
-          <p:cNvPr id="12" name="Rectangle 11"/>
-          <p:cNvSpPr/>
-          <p:nvPr/>
-        </p:nvSpPr>
-        <p:spPr>
-          <a:xfrm>
-            <a:off x="6705600" y="3200400"/>
-            <a:ext cx="838200" cy="838200"/>
-          </a:xfrm>
-          <a:prstGeom prst="rect">
-            <a:avLst/>
-          </a:prstGeom>
-        </p:spPr>
-        <p:style>
-          <a:lnRef idx="2">
-            <a:schemeClr val="accent1">
-              <a:shade val="50000"/>
-            </a:schemeClr>
-          </a:lnRef>
-          <a:fillRef idx="1">
-            <a:schemeClr val="accent1"/>
-          </a:fillRef>
-          <a:effectRef idx="0">
-            <a:schemeClr val="accent1"/>
-          </a:effectRef>
-          <a:fontRef idx="minor">
-            <a:schemeClr val="lt1"/>
-          </a:fontRef>
-        </p:style>
-        <p:txBody>
-          <a:bodyPr rtlCol="0" anchor="ctr"/>
-          <a:lstStyle/>
-          <a:p>
-            <a:pPr algn="ctr"/>
-            <a:r>
-              <a:rPr lang="en-US" altLang="zh-CN" dirty="0" smtClean="0"/>
-              <a:t>VO</a:t>
-            </a:r>
-          </a:p>
-        </p:txBody>
-      </p:sp>
-      <p:sp>
-        <p:nvSpPr>
-          <p:cNvPr id="13" name="Rectangle 12"/>
-          <p:cNvSpPr/>
-          <p:nvPr/>
-        </p:nvSpPr>
-        <p:spPr>
-          <a:xfrm>
-            <a:off x="1676400" y="3657600"/>
-            <a:ext cx="2971800" cy="381000"/>
-          </a:xfrm>
-          <a:prstGeom prst="rect">
-            <a:avLst/>
-          </a:prstGeom>
-        </p:spPr>
-        <p:style>
-          <a:lnRef idx="2">
-            <a:schemeClr val="accent1">
-              <a:shade val="50000"/>
-            </a:schemeClr>
-          </a:lnRef>
-          <a:fillRef idx="1">
-            <a:schemeClr val="accent1"/>
-          </a:fillRef>
-          <a:effectRef idx="0">
-            <a:schemeClr val="accent1"/>
-          </a:effectRef>
-          <a:fontRef idx="minor">
-            <a:schemeClr val="lt1"/>
-          </a:fontRef>
-        </p:style>
-        <p:txBody>
-          <a:bodyPr rtlCol="0" anchor="ctr"/>
-          <a:lstStyle/>
-          <a:p>
-            <a:pPr algn="ctr"/>
-            <a:r>
-              <a:rPr lang="en-US" altLang="zh-CN" dirty="0" smtClean="0"/>
-              <a:t>Base Body</a:t>
-            </a:r>
-          </a:p>
-        </p:txBody>
-      </p:sp>
-      <p:sp>
-        <p:nvSpPr>
-          <p:cNvPr id="14" name="Rectangle 13"/>
-          <p:cNvSpPr/>
-          <p:nvPr/>
-        </p:nvSpPr>
-        <p:spPr>
-          <a:xfrm>
-            <a:off x="1676400" y="3200400"/>
-            <a:ext cx="533400" cy="381000"/>
-          </a:xfrm>
-          <a:prstGeom prst="rect">
-            <a:avLst/>
-          </a:prstGeom>
-        </p:spPr>
-        <p:style>
-          <a:lnRef idx="2">
-            <a:schemeClr val="accent1">
-              <a:shade val="50000"/>
-            </a:schemeClr>
-          </a:lnRef>
-          <a:fillRef idx="1">
-            <a:schemeClr val="accent1"/>
-          </a:fillRef>
-          <a:effectRef idx="0">
-            <a:schemeClr val="accent1"/>
-          </a:effectRef>
-          <a:fontRef idx="minor">
-            <a:schemeClr val="lt1"/>
-          </a:fontRef>
-        </p:style>
-        <p:txBody>
-          <a:bodyPr rtlCol="0" anchor="ctr"/>
-          <a:lstStyle/>
-          <a:p>
-            <a:pPr algn="ctr"/>
-            <a:r>
-              <a:rPr lang="en-US" altLang="zh-CN" dirty="0" smtClean="0"/>
-              <a:t>Box</a:t>
-            </a:r>
-          </a:p>
-        </p:txBody>
-      </p:sp>
-      <p:sp>
-        <p:nvSpPr>
-          <p:cNvPr id="15" name="Rectangle 14"/>
-          <p:cNvSpPr/>
-          <p:nvPr/>
-        </p:nvSpPr>
-        <p:spPr>
-          <a:xfrm>
-            <a:off x="2286000" y="3200400"/>
-            <a:ext cx="762000" cy="381000"/>
-          </a:xfrm>
-          <a:prstGeom prst="rect">
-            <a:avLst/>
-          </a:prstGeom>
-        </p:spPr>
-        <p:style>
-          <a:lnRef idx="2">
-            <a:schemeClr val="accent1">
-              <a:shade val="50000"/>
-            </a:schemeClr>
-          </a:lnRef>
-          <a:fillRef idx="1">
-            <a:schemeClr val="accent1"/>
-          </a:fillRef>
-          <a:effectRef idx="0">
-            <a:schemeClr val="accent1"/>
-          </a:effectRef>
-          <a:fontRef idx="minor">
-            <a:schemeClr val="lt1"/>
-          </a:fontRef>
-        </p:style>
-        <p:txBody>
-          <a:bodyPr rtlCol="0" anchor="ctr"/>
-          <a:lstStyle/>
-          <a:p>
-            <a:pPr algn="ctr"/>
-            <a:r>
-              <a:rPr lang="en-US" altLang="zh-CN" dirty="0" smtClean="0"/>
-              <a:t>Circle</a:t>
-            </a:r>
-          </a:p>
-        </p:txBody>
-      </p:sp>
-      <p:sp>
-        <p:nvSpPr>
-          <p:cNvPr id="16" name="Rectangle 15"/>
-          <p:cNvSpPr/>
-          <p:nvPr/>
-        </p:nvSpPr>
-        <p:spPr>
-          <a:xfrm>
-            <a:off x="3124200" y="3200400"/>
-            <a:ext cx="990600" cy="381000"/>
-          </a:xfrm>
-          <a:prstGeom prst="rect">
-            <a:avLst/>
-          </a:prstGeom>
-        </p:spPr>
-        <p:style>
-          <a:lnRef idx="2">
-            <a:schemeClr val="accent1">
-              <a:shade val="50000"/>
-            </a:schemeClr>
-          </a:lnRef>
-          <a:fillRef idx="1">
-            <a:schemeClr val="accent1"/>
-          </a:fillRef>
-          <a:effectRef idx="0">
-            <a:schemeClr val="accent1"/>
-          </a:effectRef>
-          <a:fontRef idx="minor">
-            <a:schemeClr val="lt1"/>
-          </a:fontRef>
-        </p:style>
-        <p:txBody>
-          <a:bodyPr rtlCol="0" anchor="ctr"/>
-          <a:lstStyle/>
-          <a:p>
-            <a:pPr algn="ctr"/>
-            <a:r>
-              <a:rPr lang="en-US" altLang="zh-CN" dirty="0" smtClean="0"/>
-              <a:t>Polygon</a:t>
-            </a:r>
-          </a:p>
-        </p:txBody>
-      </p:sp>
-      <p:sp>
-        <p:nvSpPr>
-          <p:cNvPr id="17" name="Rectangle 16"/>
-          <p:cNvSpPr/>
-          <p:nvPr/>
-        </p:nvSpPr>
-        <p:spPr>
-          <a:xfrm>
-            <a:off x="4191000" y="3200400"/>
-            <a:ext cx="457200" cy="381000"/>
-          </a:xfrm>
-          <a:prstGeom prst="rect">
-            <a:avLst/>
-          </a:prstGeom>
-        </p:spPr>
-        <p:style>
-          <a:lnRef idx="2">
-            <a:schemeClr val="accent1">
-              <a:shade val="50000"/>
-            </a:schemeClr>
-          </a:lnRef>
-          <a:fillRef idx="1">
-            <a:schemeClr val="accent1"/>
-          </a:fillRef>
-          <a:effectRef idx="0">
-            <a:schemeClr val="accent1"/>
-          </a:effectRef>
-          <a:fontRef idx="minor">
-            <a:schemeClr val="lt1"/>
-          </a:fontRef>
-        </p:style>
-        <p:txBody>
-          <a:bodyPr rtlCol="0" anchor="ctr"/>
-          <a:lstStyle/>
-          <a:p>
-            <a:pPr algn="ctr"/>
-            <a:r>
-              <a:rPr lang="en-US" altLang="zh-CN" dirty="0" smtClean="0"/>
-              <a:t>…</a:t>
-            </a:r>
+              <a:t>EasyBox2D</a:t>
+            </a:r>
+            <a:endParaRPr lang="zh-CN" altLang="en-US" dirty="0"/>
           </a:p>
         </p:txBody>
       </p:sp>
@@ -7414,8 +7944,8 @@
         </p:nvSpPr>
         <p:spPr>
           <a:xfrm>
-            <a:off x="1219200" y="2362200"/>
-            <a:ext cx="3276600" cy="381000"/>
+            <a:off x="457200" y="2209800"/>
+            <a:ext cx="8458200" cy="381000"/>
           </a:xfrm>
           <a:prstGeom prst="rect">
             <a:avLst/>
@@ -7444,8 +7974,9 @@
             <a:pPr algn="ctr"/>
             <a:r>
               <a:rPr lang="en-US" altLang="zh-CN" dirty="0" smtClean="0"/>
-              <a:t>Editor Mode Switcher</a:t>
-            </a:r>
+              <a:t>EasyBox2D</a:t>
+            </a:r>
+            <a:endParaRPr lang="zh-CN" altLang="en-US" dirty="0"/>
           </a:p>
         </p:txBody>
       </p:sp>
@@ -7457,8 +7988,8 @@
         </p:nvSpPr>
         <p:spPr>
           <a:xfrm>
-            <a:off x="1219200" y="2819400"/>
-            <a:ext cx="1600200" cy="381000"/>
+            <a:off x="4724400" y="2743200"/>
+            <a:ext cx="914400" cy="1295400"/>
           </a:xfrm>
           <a:prstGeom prst="rect">
             <a:avLst/>
@@ -7487,8 +8018,9 @@
             <a:pPr algn="ctr"/>
             <a:r>
               <a:rPr lang="en-US" altLang="zh-CN" dirty="0" smtClean="0"/>
-              <a:t>Drawing Mode</a:t>
-            </a:r>
+              <a:t>Contact</a:t>
+            </a:r>
+            <a:endParaRPr lang="zh-CN" altLang="en-US" dirty="0"/>
           </a:p>
         </p:txBody>
       </p:sp>
@@ -7500,8 +8032,8 @@
         </p:nvSpPr>
         <p:spPr>
           <a:xfrm>
-            <a:off x="2895600" y="2819400"/>
-            <a:ext cx="1600200" cy="381000"/>
+            <a:off x="7696200" y="3200400"/>
+            <a:ext cx="1219200" cy="838200"/>
           </a:xfrm>
           <a:prstGeom prst="rect">
             <a:avLst/>
@@ -7530,8 +8062,9 @@
             <a:pPr algn="ctr"/>
             <a:r>
               <a:rPr lang="en-US" altLang="zh-CN" dirty="0" smtClean="0"/>
-              <a:t>Preset Mode</a:t>
-            </a:r>
+              <a:t>Geometry</a:t>
+            </a:r>
+            <a:endParaRPr lang="zh-CN" altLang="en-US" dirty="0"/>
           </a:p>
         </p:txBody>
       </p:sp>
@@ -7543,8 +8076,8 @@
         </p:nvSpPr>
         <p:spPr>
           <a:xfrm>
-            <a:off x="4572000" y="2819400"/>
-            <a:ext cx="1143000" cy="381000"/>
+            <a:off x="7696200" y="2743200"/>
+            <a:ext cx="1219200" cy="381000"/>
           </a:xfrm>
           <a:prstGeom prst="rect">
             <a:avLst/>
@@ -7573,8 +8106,9 @@
             <a:pPr algn="ctr"/>
             <a:r>
               <a:rPr lang="en-US" altLang="zh-CN" dirty="0" smtClean="0"/>
-              <a:t>Save Data</a:t>
-            </a:r>
+              <a:t>Utils</a:t>
+            </a:r>
+            <a:endParaRPr lang="zh-CN" altLang="en-US" dirty="0"/>
           </a:p>
         </p:txBody>
       </p:sp>
@@ -7586,8 +8120,8 @@
         </p:nvSpPr>
         <p:spPr>
           <a:xfrm>
-            <a:off x="5791200" y="2819400"/>
-            <a:ext cx="1447800" cy="381000"/>
+            <a:off x="457200" y="2743200"/>
+            <a:ext cx="1143000" cy="1295400"/>
           </a:xfrm>
           <a:prstGeom prst="rect">
             <a:avLst/>
@@ -7616,8 +8150,9 @@
             <a:pPr algn="ctr"/>
             <a:r>
               <a:rPr lang="en-US" altLang="zh-CN" dirty="0" smtClean="0"/>
-              <a:t>Preview Data</a:t>
-            </a:r>
+              <a:t>Native UI</a:t>
+            </a:r>
+            <a:endParaRPr lang="zh-CN" altLang="en-US" dirty="0"/>
           </a:p>
         </p:txBody>
       </p:sp>
@@ -7629,51 +8164,8 @@
         </p:nvSpPr>
         <p:spPr>
           <a:xfrm>
-            <a:off x="1219200" y="1905000"/>
-            <a:ext cx="6019800" cy="381000"/>
-          </a:xfrm>
-          <a:prstGeom prst="rect">
-            <a:avLst/>
-          </a:prstGeom>
-        </p:spPr>
-        <p:style>
-          <a:lnRef idx="2">
-            <a:schemeClr val="accent2">
-              <a:shade val="50000"/>
-            </a:schemeClr>
-          </a:lnRef>
-          <a:fillRef idx="1">
-            <a:schemeClr val="accent2"/>
-          </a:fillRef>
-          <a:effectRef idx="0">
-            <a:schemeClr val="accent2"/>
-          </a:effectRef>
-          <a:fontRef idx="minor">
-            <a:schemeClr val="lt1"/>
-          </a:fontRef>
-        </p:style>
-        <p:txBody>
-          <a:bodyPr rtlCol="0" anchor="ctr"/>
-          <a:lstStyle/>
-          <a:p>
-            <a:pPr algn="ctr"/>
-            <a:r>
-              <a:rPr lang="en-US" altLang="zh-CN" dirty="0" smtClean="0"/>
-              <a:t>Construction Manager</a:t>
-            </a:r>
-          </a:p>
-        </p:txBody>
-      </p:sp>
-      <p:sp>
-        <p:nvSpPr>
-          <p:cNvPr id="10" name="Rectangle 9"/>
-          <p:cNvSpPr/>
-          <p:nvPr/>
-        </p:nvSpPr>
-        <p:spPr>
-          <a:xfrm>
-            <a:off x="4572000" y="2362200"/>
-            <a:ext cx="2667000" cy="381000"/>
+            <a:off x="1676400" y="2743200"/>
+            <a:ext cx="2971800" cy="381000"/>
           </a:xfrm>
           <a:prstGeom prst="rect">
             <a:avLst/>
@@ -7702,7 +8194,51 @@
             <a:pPr algn="ctr"/>
             <a:r>
               <a:rPr lang="en-US" altLang="zh-CN" dirty="0" smtClean="0"/>
-              <a:t>Complete Edit</a:t>
+              <a:t>Body Factory</a:t>
+            </a:r>
+            <a:endParaRPr lang="zh-CN" altLang="en-US" dirty="0"/>
+          </a:p>
+        </p:txBody>
+      </p:sp>
+      <p:sp>
+        <p:nvSpPr>
+          <p:cNvPr id="10" name="Rectangle 9"/>
+          <p:cNvSpPr/>
+          <p:nvPr/>
+        </p:nvSpPr>
+        <p:spPr>
+          <a:xfrm>
+            <a:off x="5791200" y="2743200"/>
+            <a:ext cx="1752600" cy="381000"/>
+          </a:xfrm>
+          <a:prstGeom prst="rect">
+            <a:avLst/>
+          </a:prstGeom>
+        </p:spPr>
+        <p:style>
+          <a:lnRef idx="2">
+            <a:schemeClr val="accent1">
+              <a:shade val="50000"/>
+            </a:schemeClr>
+          </a:lnRef>
+          <a:fillRef idx="1">
+            <a:schemeClr val="accent1"/>
+          </a:fillRef>
+          <a:effectRef idx="0">
+            <a:schemeClr val="accent1"/>
+          </a:effectRef>
+          <a:fontRef idx="minor">
+            <a:schemeClr val="lt1"/>
+          </a:fontRef>
+        </p:style>
+        <p:txBody>
+          <a:bodyPr rtlCol="0" anchor="ctr"/>
+          <a:lstStyle/>
+          <a:p>
+            <a:pPr algn="ctr"/>
+            <a:r>
+              <a:rPr lang="en-US" altLang="zh-CN" dirty="0" smtClean="0"/>
+              <a:t>Model</a:t>
             </a:r>
           </a:p>
         </p:txBody>
@@ -7715,104 +8251,24 @@
         </p:nvSpPr>
         <p:spPr>
           <a:xfrm>
-            <a:off x="1219200" y="3429000"/>
-            <a:ext cx="1524000" cy="381000"/>
+            <a:off x="5791200" y="3200400"/>
+            <a:ext cx="838200" cy="838200"/>
           </a:xfrm>
           <a:prstGeom prst="rect">
             <a:avLst/>
           </a:prstGeom>
         </p:spPr>
         <p:style>
-          <a:lnRef idx="1">
-            <a:schemeClr val="accent4"/>
-          </a:lnRef>
-          <a:fillRef idx="3">
-            <a:schemeClr val="accent4"/>
-          </a:fillRef>
-          <a:effectRef idx="2">
-            <a:schemeClr val="accent4"/>
-          </a:effectRef>
-          <a:fontRef idx="minor">
-            <a:schemeClr val="lt1"/>
-          </a:fontRef>
-        </p:style>
-        <p:txBody>
-          <a:bodyPr rtlCol="0" anchor="ctr"/>
-          <a:lstStyle/>
-          <a:p>
-            <a:pPr algn="ctr"/>
-            <a:r>
-              <a:rPr lang="en-US" altLang="zh-CN" dirty="0" smtClean="0"/>
-              <a:t>Common Data</a:t>
-            </a:r>
-          </a:p>
-        </p:txBody>
-      </p:sp>
-      <p:sp>
-        <p:nvSpPr>
-          <p:cNvPr id="12" name="Rectangle 11"/>
-          <p:cNvSpPr/>
-          <p:nvPr/>
-        </p:nvSpPr>
-        <p:spPr>
-          <a:xfrm>
-            <a:off x="2819400" y="3429000"/>
-            <a:ext cx="1524000" cy="381000"/>
-          </a:xfrm>
-          <a:prstGeom prst="rect">
-            <a:avLst/>
-          </a:prstGeom>
-        </p:spPr>
-        <p:style>
-          <a:lnRef idx="1">
-            <a:schemeClr val="accent4"/>
-          </a:lnRef>
-          <a:fillRef idx="3">
-            <a:schemeClr val="accent4"/>
-          </a:fillRef>
-          <a:effectRef idx="2">
-            <a:schemeClr val="accent4"/>
-          </a:effectRef>
-          <a:fontRef idx="minor">
-            <a:schemeClr val="lt1"/>
-          </a:fontRef>
-        </p:style>
-        <p:txBody>
-          <a:bodyPr rtlCol="0" anchor="ctr"/>
-          <a:lstStyle/>
-          <a:p>
-            <a:pPr algn="ctr"/>
-            <a:r>
-              <a:rPr lang="en-US" altLang="zh-CN" dirty="0" smtClean="0"/>
-              <a:t>Custom Event</a:t>
-            </a:r>
-          </a:p>
-        </p:txBody>
-      </p:sp>
-      <p:sp>
-        <p:nvSpPr>
-          <p:cNvPr id="13" name="Rectangle 12"/>
-          <p:cNvSpPr/>
-          <p:nvPr/>
-        </p:nvSpPr>
-        <p:spPr>
-          <a:xfrm>
-            <a:off x="5791200" y="3429000"/>
-            <a:ext cx="1447800" cy="381000"/>
-          </a:xfrm>
-          <a:prstGeom prst="rect">
-            <a:avLst/>
-          </a:prstGeom>
-        </p:spPr>
-        <p:style>
-          <a:lnRef idx="1">
-            <a:schemeClr val="accent4"/>
-          </a:lnRef>
-          <a:fillRef idx="3">
-            <a:schemeClr val="accent4"/>
-          </a:fillRef>
-          <a:effectRef idx="2">
-            <a:schemeClr val="accent4"/>
+          <a:lnRef idx="2">
+            <a:schemeClr val="accent1">
+              <a:shade val="50000"/>
+            </a:schemeClr>
+          </a:lnRef>
+          <a:fillRef idx="1">
+            <a:schemeClr val="accent1"/>
+          </a:fillRef>
+          <a:effectRef idx="0">
+            <a:schemeClr val="accent1"/>
           </a:effectRef>
           <a:fontRef idx="minor">
             <a:schemeClr val="lt1"/>
@@ -7832,28 +8288,116 @@
       </p:sp>
       <p:sp>
         <p:nvSpPr>
+          <p:cNvPr id="12" name="Rectangle 11"/>
+          <p:cNvSpPr/>
+          <p:nvPr/>
+        </p:nvSpPr>
+        <p:spPr>
+          <a:xfrm>
+            <a:off x="6705600" y="3200400"/>
+            <a:ext cx="838200" cy="838200"/>
+          </a:xfrm>
+          <a:prstGeom prst="rect">
+            <a:avLst/>
+          </a:prstGeom>
+        </p:spPr>
+        <p:style>
+          <a:lnRef idx="2">
+            <a:schemeClr val="accent1">
+              <a:shade val="50000"/>
+            </a:schemeClr>
+          </a:lnRef>
+          <a:fillRef idx="1">
+            <a:schemeClr val="accent1"/>
+          </a:fillRef>
+          <a:effectRef idx="0">
+            <a:schemeClr val="accent1"/>
+          </a:effectRef>
+          <a:fontRef idx="minor">
+            <a:schemeClr val="lt1"/>
+          </a:fontRef>
+        </p:style>
+        <p:txBody>
+          <a:bodyPr rtlCol="0" anchor="ctr"/>
+          <a:lstStyle/>
+          <a:p>
+            <a:pPr algn="ctr"/>
+            <a:r>
+              <a:rPr lang="en-US" altLang="zh-CN" dirty="0" smtClean="0"/>
+              <a:t>VO</a:t>
+            </a:r>
+          </a:p>
+        </p:txBody>
+      </p:sp>
+      <p:sp>
+        <p:nvSpPr>
+          <p:cNvPr id="13" name="Rectangle 12"/>
+          <p:cNvSpPr/>
+          <p:nvPr/>
+        </p:nvSpPr>
+        <p:spPr>
+          <a:xfrm>
+            <a:off x="1676400" y="3657600"/>
+            <a:ext cx="2971800" cy="381000"/>
+          </a:xfrm>
+          <a:prstGeom prst="rect">
+            <a:avLst/>
+          </a:prstGeom>
+        </p:spPr>
+        <p:style>
+          <a:lnRef idx="2">
+            <a:schemeClr val="accent1">
+              <a:shade val="50000"/>
+            </a:schemeClr>
+          </a:lnRef>
+          <a:fillRef idx="1">
+            <a:schemeClr val="accent1"/>
+          </a:fillRef>
+          <a:effectRef idx="0">
+            <a:schemeClr val="accent1"/>
+          </a:effectRef>
+          <a:fontRef idx="minor">
+            <a:schemeClr val="lt1"/>
+          </a:fontRef>
+        </p:style>
+        <p:txBody>
+          <a:bodyPr rtlCol="0" anchor="ctr"/>
+          <a:lstStyle/>
+          <a:p>
+            <a:pPr algn="ctr"/>
+            <a:r>
+              <a:rPr lang="en-US" altLang="zh-CN" dirty="0" smtClean="0"/>
+              <a:t>Base Body</a:t>
+            </a:r>
+          </a:p>
+        </p:txBody>
+      </p:sp>
+      <p:sp>
+        <p:nvSpPr>
           <p:cNvPr id="14" name="Rectangle 13"/>
           <p:cNvSpPr/>
           <p:nvPr/>
         </p:nvSpPr>
         <p:spPr>
           <a:xfrm>
-            <a:off x="4419600" y="3429000"/>
-            <a:ext cx="1295400" cy="381000"/>
+            <a:off x="1676400" y="3200400"/>
+            <a:ext cx="533400" cy="381000"/>
           </a:xfrm>
           <a:prstGeom prst="rect">
             <a:avLst/>
           </a:prstGeom>
         </p:spPr>
         <p:style>
-          <a:lnRef idx="1">
-            <a:schemeClr val="accent4"/>
-          </a:lnRef>
-          <a:fillRef idx="3">
-            <a:schemeClr val="accent4"/>
-          </a:fillRef>
-          <a:effectRef idx="2">
-            <a:schemeClr val="accent4"/>
+          <a:lnRef idx="2">
+            <a:schemeClr val="accent1">
+              <a:shade val="50000"/>
+            </a:schemeClr>
+          </a:lnRef>
+          <a:fillRef idx="1">
+            <a:schemeClr val="accent1"/>
+          </a:fillRef>
+          <a:effectRef idx="0">
+            <a:schemeClr val="accent1"/>
           </a:effectRef>
           <a:fontRef idx="minor">
             <a:schemeClr val="lt1"/>
@@ -7866,7 +8410,136 @@
             <a:pPr algn="ctr"/>
             <a:r>
               <a:rPr lang="en-US" altLang="zh-CN" dirty="0" smtClean="0"/>
-              <a:t>Utils</a:t>
+              <a:t>Box</a:t>
+            </a:r>
+          </a:p>
+        </p:txBody>
+      </p:sp>
+      <p:sp>
+        <p:nvSpPr>
+          <p:cNvPr id="15" name="Rectangle 14"/>
+          <p:cNvSpPr/>
+          <p:nvPr/>
+        </p:nvSpPr>
+        <p:spPr>
+          <a:xfrm>
+            <a:off x="2286000" y="3200400"/>
+            <a:ext cx="762000" cy="381000"/>
+          </a:xfrm>
+          <a:prstGeom prst="rect">
+            <a:avLst/>
+          </a:prstGeom>
+        </p:spPr>
+        <p:style>
+          <a:lnRef idx="2">
+            <a:schemeClr val="accent1">
+              <a:shade val="50000"/>
+            </a:schemeClr>
+          </a:lnRef>
+          <a:fillRef idx="1">
+            <a:schemeClr val="accent1"/>
+          </a:fillRef>
+          <a:effectRef idx="0">
+            <a:schemeClr val="accent1"/>
+          </a:effectRef>
+          <a:fontRef idx="minor">
+            <a:schemeClr val="lt1"/>
+          </a:fontRef>
+        </p:style>
+        <p:txBody>
+          <a:bodyPr rtlCol="0" anchor="ctr"/>
+          <a:lstStyle/>
+          <a:p>
+            <a:pPr algn="ctr"/>
+            <a:r>
+              <a:rPr lang="en-US" altLang="zh-CN" dirty="0" smtClean="0"/>
+              <a:t>Circle</a:t>
+            </a:r>
+          </a:p>
+        </p:txBody>
+      </p:sp>
+      <p:sp>
+        <p:nvSpPr>
+          <p:cNvPr id="16" name="Rectangle 15"/>
+          <p:cNvSpPr/>
+          <p:nvPr/>
+        </p:nvSpPr>
+        <p:spPr>
+          <a:xfrm>
+            <a:off x="3124200" y="3200400"/>
+            <a:ext cx="990600" cy="381000"/>
+          </a:xfrm>
+          <a:prstGeom prst="rect">
+            <a:avLst/>
+          </a:prstGeom>
+        </p:spPr>
+        <p:style>
+          <a:lnRef idx="2">
+            <a:schemeClr val="accent1">
+              <a:shade val="50000"/>
+            </a:schemeClr>
+          </a:lnRef>
+          <a:fillRef idx="1">
+            <a:schemeClr val="accent1"/>
+          </a:fillRef>
+          <a:effectRef idx="0">
+            <a:schemeClr val="accent1"/>
+          </a:effectRef>
+          <a:fontRef idx="minor">
+            <a:schemeClr val="lt1"/>
+          </a:fontRef>
+        </p:style>
+        <p:txBody>
+          <a:bodyPr rtlCol="0" anchor="ctr"/>
+          <a:lstStyle/>
+          <a:p>
+            <a:pPr algn="ctr"/>
+            <a:r>
+              <a:rPr lang="en-US" altLang="zh-CN" dirty="0" smtClean="0"/>
+              <a:t>Polygon</a:t>
+            </a:r>
+          </a:p>
+        </p:txBody>
+      </p:sp>
+      <p:sp>
+        <p:nvSpPr>
+          <p:cNvPr id="17" name="Rectangle 16"/>
+          <p:cNvSpPr/>
+          <p:nvPr/>
+        </p:nvSpPr>
+        <p:spPr>
+          <a:xfrm>
+            <a:off x="4191000" y="3200400"/>
+            <a:ext cx="457200" cy="381000"/>
+          </a:xfrm>
+          <a:prstGeom prst="rect">
+            <a:avLst/>
+          </a:prstGeom>
+        </p:spPr>
+        <p:style>
+          <a:lnRef idx="2">
+            <a:schemeClr val="accent1">
+              <a:shade val="50000"/>
+            </a:schemeClr>
+          </a:lnRef>
+          <a:fillRef idx="1">
+            <a:schemeClr val="accent1"/>
+          </a:fillRef>
+          <a:effectRef idx="0">
+            <a:schemeClr val="accent1"/>
+          </a:effectRef>
+          <a:fontRef idx="minor">
+            <a:schemeClr val="lt1"/>
+          </a:fontRef>
+        </p:style>
+        <p:txBody>
+          <a:bodyPr rtlCol="0" anchor="ctr"/>
+          <a:lstStyle/>
+          <a:p>
+            <a:pPr algn="ctr"/>
+            <a:r>
+              <a:rPr lang="en-US" altLang="zh-CN" dirty="0" smtClean="0"/>
+              <a:t>…</a:t>
             </a:r>
           </a:p>
         </p:txBody>
@@ -7904,8 +8577,8 @@
         </p:nvSpPr>
         <p:spPr>
           <a:xfrm>
-            <a:off x="2362200" y="3200400"/>
-            <a:ext cx="990600" cy="381000"/>
+            <a:off x="1219200" y="2362200"/>
+            <a:ext cx="3276600" cy="381000"/>
           </a:xfrm>
           <a:prstGeom prst="rect">
             <a:avLst/>
@@ -7934,7 +8607,7 @@
             <a:pPr algn="ctr"/>
             <a:r>
               <a:rPr lang="en-US" altLang="zh-CN" dirty="0" smtClean="0"/>
-              <a:t>Polygon</a:t>
+              <a:t>Editor Mode Switcher</a:t>
             </a:r>
           </a:p>
         </p:txBody>
@@ -7947,8 +8620,8 @@
         </p:nvSpPr>
         <p:spPr>
           <a:xfrm>
-            <a:off x="914400" y="3657600"/>
-            <a:ext cx="2971800" cy="381000"/>
+            <a:off x="1219200" y="2819400"/>
+            <a:ext cx="1600200" cy="381000"/>
           </a:xfrm>
           <a:prstGeom prst="rect">
             <a:avLst/>
@@ -7977,7 +8650,7 @@
             <a:pPr algn="ctr"/>
             <a:r>
               <a:rPr lang="en-US" altLang="zh-CN" dirty="0" smtClean="0"/>
-              <a:t>Base Body</a:t>
+              <a:t>Drawing Mode</a:t>
             </a:r>
           </a:p>
         </p:txBody>
@@ -7990,8 +8663,8 @@
         </p:nvSpPr>
         <p:spPr>
           <a:xfrm>
-            <a:off x="914400" y="3200400"/>
-            <a:ext cx="533400" cy="381000"/>
+            <a:off x="2895600" y="2819400"/>
+            <a:ext cx="1600200" cy="381000"/>
           </a:xfrm>
           <a:prstGeom prst="rect">
             <a:avLst/>
@@ -8020,7 +8693,7 @@
             <a:pPr algn="ctr"/>
             <a:r>
               <a:rPr lang="en-US" altLang="zh-CN" dirty="0" smtClean="0"/>
-              <a:t>Box</a:t>
+              <a:t>Preset Mode</a:t>
             </a:r>
           </a:p>
         </p:txBody>
@@ -8033,8 +8706,8 @@
         </p:nvSpPr>
         <p:spPr>
           <a:xfrm>
-            <a:off x="1524000" y="3200400"/>
-            <a:ext cx="762000" cy="381000"/>
+            <a:off x="4572000" y="2819400"/>
+            <a:ext cx="1143000" cy="381000"/>
           </a:xfrm>
           <a:prstGeom prst="rect">
             <a:avLst/>
@@ -8063,21 +8736,21 @@
             <a:pPr algn="ctr"/>
             <a:r>
               <a:rPr lang="en-US" altLang="zh-CN" dirty="0" smtClean="0"/>
-              <a:t>Circle</a:t>
-            </a:r>
-          </a:p>
-        </p:txBody>
-      </p:sp>
-      <p:sp>
-        <p:nvSpPr>
-          <p:cNvPr id="9" name="Rectangle 8"/>
-          <p:cNvSpPr/>
-          <p:nvPr/>
-        </p:nvSpPr>
-        <p:spPr>
-          <a:xfrm>
-            <a:off x="914400" y="2743200"/>
-            <a:ext cx="2971800" cy="381000"/>
+              <a:t>Save Data</a:t>
+            </a:r>
+          </a:p>
+        </p:txBody>
+      </p:sp>
+      <p:sp>
+        <p:nvSpPr>
+          <p:cNvPr id="8" name="Rectangle 7"/>
+          <p:cNvSpPr/>
+          <p:nvPr/>
+        </p:nvSpPr>
+        <p:spPr>
+          <a:xfrm>
+            <a:off x="5791200" y="2819400"/>
+            <a:ext cx="1447800" cy="381000"/>
           </a:xfrm>
           <a:prstGeom prst="rect">
             <a:avLst/>
@@ -8106,7 +8779,50 @@
             <a:pPr algn="ctr"/>
             <a:r>
               <a:rPr lang="en-US" altLang="zh-CN" dirty="0" smtClean="0"/>
-              <a:t>Drawing Object</a:t>
+              <a:t>Preview Data</a:t>
+            </a:r>
+          </a:p>
+        </p:txBody>
+      </p:sp>
+      <p:sp>
+        <p:nvSpPr>
+          <p:cNvPr id="9" name="Rectangle 8"/>
+          <p:cNvSpPr/>
+          <p:nvPr/>
+        </p:nvSpPr>
+        <p:spPr>
+          <a:xfrm>
+            <a:off x="1219200" y="1905000"/>
+            <a:ext cx="6019800" cy="381000"/>
+          </a:xfrm>
+          <a:prstGeom prst="rect">
+            <a:avLst/>
+          </a:prstGeom>
+        </p:spPr>
+        <p:style>
+          <a:lnRef idx="2">
+            <a:schemeClr val="accent2">
+              <a:shade val="50000"/>
+            </a:schemeClr>
+          </a:lnRef>
+          <a:fillRef idx="1">
+            <a:schemeClr val="accent2"/>
+          </a:fillRef>
+          <a:effectRef idx="0">
+            <a:schemeClr val="accent2"/>
+          </a:effectRef>
+          <a:fontRef idx="minor">
+            <a:schemeClr val="lt1"/>
+          </a:fontRef>
+        </p:style>
+        <p:txBody>
+          <a:bodyPr rtlCol="0" anchor="ctr"/>
+          <a:lstStyle/>
+          <a:p>
+            <a:pPr algn="ctr"/>
+            <a:r>
+              <a:rPr lang="en-US" altLang="zh-CN" dirty="0" smtClean="0"/>
+              <a:t>Construction Manager</a:t>
             </a:r>
           </a:p>
         </p:txBody>
@@ -8119,8 +8835,8 @@
         </p:nvSpPr>
         <p:spPr>
           <a:xfrm>
-            <a:off x="3429000" y="3200400"/>
-            <a:ext cx="457200" cy="381000"/>
+            <a:off x="4572000" y="2362200"/>
+            <a:ext cx="2667000" cy="381000"/>
           </a:xfrm>
           <a:prstGeom prst="rect">
             <a:avLst/>
@@ -8149,7 +8865,48 @@
             <a:pPr algn="ctr"/>
             <a:r>
               <a:rPr lang="en-US" altLang="zh-CN" dirty="0" smtClean="0"/>
-              <a:t>…</a:t>
+              <a:t>Complete Edit</a:t>
+            </a:r>
+          </a:p>
+        </p:txBody>
+      </p:sp>
+      <p:sp>
+        <p:nvSpPr>
+          <p:cNvPr id="11" name="Rectangle 10"/>
+          <p:cNvSpPr/>
+          <p:nvPr/>
+        </p:nvSpPr>
+        <p:spPr>
+          <a:xfrm>
+            <a:off x="1219200" y="3429000"/>
+            <a:ext cx="1524000" cy="381000"/>
+          </a:xfrm>
+          <a:prstGeom prst="rect">
+            <a:avLst/>
+          </a:prstGeom>
+        </p:spPr>
+        <p:style>
+          <a:lnRef idx="1">
+            <a:schemeClr val="accent4"/>
+          </a:lnRef>
+          <a:fillRef idx="3">
+            <a:schemeClr val="accent4"/>
+          </a:fillRef>
+          <a:effectRef idx="2">
+            <a:schemeClr val="accent4"/>
+          </a:effectRef>
+          <a:fontRef idx="minor">
+            <a:schemeClr val="lt1"/>
+          </a:fontRef>
+        </p:style>
+        <p:txBody>
+          <a:bodyPr rtlCol="0" anchor="ctr"/>
+          <a:lstStyle/>
+          <a:p>
+            <a:pPr algn="ctr"/>
+            <a:r>
+              <a:rPr lang="en-US" altLang="zh-CN" dirty="0" smtClean="0"/>
+              <a:t>Common Data</a:t>
             </a:r>
           </a:p>
         </p:txBody>
@@ -8162,24 +8919,22 @@
         </p:nvSpPr>
         <p:spPr>
           <a:xfrm>
-            <a:off x="4038600" y="2743200"/>
-            <a:ext cx="4648200" cy="381000"/>
+            <a:off x="2819400" y="3429000"/>
+            <a:ext cx="1524000" cy="381000"/>
           </a:xfrm>
           <a:prstGeom prst="rect">
             <a:avLst/>
           </a:prstGeom>
         </p:spPr>
         <p:style>
-          <a:lnRef idx="2">
-            <a:schemeClr val="accent1">
-              <a:shade val="50000"/>
-            </a:schemeClr>
-          </a:lnRef>
-          <a:fillRef idx="1">
-            <a:schemeClr val="accent1"/>
-          </a:fillRef>
-          <a:effectRef idx="0">
-            <a:schemeClr val="accent1"/>
+          <a:lnRef idx="1">
+            <a:schemeClr val="accent4"/>
+          </a:lnRef>
+          <a:fillRef idx="3">
+            <a:schemeClr val="accent4"/>
+          </a:fillRef>
+          <a:effectRef idx="2">
+            <a:schemeClr val="accent4"/>
           </a:effectRef>
           <a:fontRef idx="minor">
             <a:schemeClr val="lt1"/>
@@ -8192,7 +8947,48 @@
             <a:pPr algn="ctr"/>
             <a:r>
               <a:rPr lang="en-US" altLang="zh-CN" dirty="0" smtClean="0"/>
-              <a:t>Mode Changer</a:t>
+              <a:t>Custom Event</a:t>
+            </a:r>
+          </a:p>
+        </p:txBody>
+      </p:sp>
+      <p:sp>
+        <p:nvSpPr>
+          <p:cNvPr id="13" name="Rectangle 12"/>
+          <p:cNvSpPr/>
+          <p:nvPr/>
+        </p:nvSpPr>
+        <p:spPr>
+          <a:xfrm>
+            <a:off x="5791200" y="3429000"/>
+            <a:ext cx="1447800" cy="381000"/>
+          </a:xfrm>
+          <a:prstGeom prst="rect">
+            <a:avLst/>
+          </a:prstGeom>
+        </p:spPr>
+        <p:style>
+          <a:lnRef idx="1">
+            <a:schemeClr val="accent4"/>
+          </a:lnRef>
+          <a:fillRef idx="3">
+            <a:schemeClr val="accent4"/>
+          </a:fillRef>
+          <a:effectRef idx="2">
+            <a:schemeClr val="accent4"/>
+          </a:effectRef>
+          <a:fontRef idx="minor">
+            <a:schemeClr val="lt1"/>
+          </a:fontRef>
+        </p:style>
+        <p:txBody>
+          <a:bodyPr rtlCol="0" anchor="ctr"/>
+          <a:lstStyle/>
+          <a:p>
+            <a:pPr algn="ctr"/>
+            <a:r>
+              <a:rPr lang="en-US" altLang="zh-CN" dirty="0" smtClean="0"/>
+              <a:t>Parser</a:t>
             </a:r>
           </a:p>
         </p:txBody>
@@ -8205,24 +9001,22 @@
         </p:nvSpPr>
         <p:spPr>
           <a:xfrm>
-            <a:off x="5486400" y="3200400"/>
-            <a:ext cx="990600" cy="381000"/>
+            <a:off x="4419600" y="3429000"/>
+            <a:ext cx="1295400" cy="381000"/>
           </a:xfrm>
           <a:prstGeom prst="rect">
             <a:avLst/>
           </a:prstGeom>
         </p:spPr>
         <p:style>
-          <a:lnRef idx="2">
-            <a:schemeClr val="accent1">
-              <a:shade val="50000"/>
-            </a:schemeClr>
-          </a:lnRef>
-          <a:fillRef idx="1">
-            <a:schemeClr val="accent1"/>
-          </a:fillRef>
-          <a:effectRef idx="0">
-            <a:schemeClr val="accent1"/>
+          <a:lnRef idx="1">
+            <a:schemeClr val="accent4"/>
+          </a:lnRef>
+          <a:fillRef idx="3">
+            <a:schemeClr val="accent4"/>
+          </a:fillRef>
+          <a:effectRef idx="2">
+            <a:schemeClr val="accent4"/>
           </a:effectRef>
           <a:fontRef idx="minor">
             <a:schemeClr val="lt1"/>
@@ -8235,308 +9029,7 @@
             <a:pPr algn="ctr"/>
             <a:r>
               <a:rPr lang="en-US" altLang="zh-CN" dirty="0" smtClean="0"/>
-              <a:t>Polygon</a:t>
-            </a:r>
-          </a:p>
-        </p:txBody>
-      </p:sp>
-      <p:sp>
-        <p:nvSpPr>
-          <p:cNvPr id="15" name="Rectangle 14"/>
-          <p:cNvSpPr/>
-          <p:nvPr/>
-        </p:nvSpPr>
-        <p:spPr>
-          <a:xfrm>
-            <a:off x="4038600" y="3657600"/>
-            <a:ext cx="4648200" cy="381000"/>
-          </a:xfrm>
-          <a:prstGeom prst="rect">
-            <a:avLst/>
-          </a:prstGeom>
-        </p:spPr>
-        <p:style>
-          <a:lnRef idx="2">
-            <a:schemeClr val="accent1">
-              <a:shade val="50000"/>
-            </a:schemeClr>
-          </a:lnRef>
-          <a:fillRef idx="1">
-            <a:schemeClr val="accent1"/>
-          </a:fillRef>
-          <a:effectRef idx="0">
-            <a:schemeClr val="accent1"/>
-          </a:effectRef>
-          <a:fontRef idx="minor">
-            <a:schemeClr val="lt1"/>
-          </a:fontRef>
-        </p:style>
-        <p:txBody>
-          <a:bodyPr rtlCol="0" anchor="ctr"/>
-          <a:lstStyle/>
-          <a:p>
-            <a:pPr algn="ctr"/>
-            <a:r>
-              <a:rPr lang="en-US" altLang="zh-CN" dirty="0" smtClean="0"/>
-              <a:t>Base Mode</a:t>
-            </a:r>
-          </a:p>
-        </p:txBody>
-      </p:sp>
-      <p:sp>
-        <p:nvSpPr>
-          <p:cNvPr id="16" name="Rectangle 15"/>
-          <p:cNvSpPr/>
-          <p:nvPr/>
-        </p:nvSpPr>
-        <p:spPr>
-          <a:xfrm>
-            <a:off x="4038600" y="3200400"/>
-            <a:ext cx="533400" cy="381000"/>
-          </a:xfrm>
-          <a:prstGeom prst="rect">
-            <a:avLst/>
-          </a:prstGeom>
-        </p:spPr>
-        <p:style>
-          <a:lnRef idx="2">
-            <a:schemeClr val="accent1">
-              <a:shade val="50000"/>
-            </a:schemeClr>
-          </a:lnRef>
-          <a:fillRef idx="1">
-            <a:schemeClr val="accent1"/>
-          </a:fillRef>
-          <a:effectRef idx="0">
-            <a:schemeClr val="accent1"/>
-          </a:effectRef>
-          <a:fontRef idx="minor">
-            <a:schemeClr val="lt1"/>
-          </a:fontRef>
-        </p:style>
-        <p:txBody>
-          <a:bodyPr rtlCol="0" anchor="ctr"/>
-          <a:lstStyle/>
-          <a:p>
-            <a:pPr algn="ctr"/>
-            <a:r>
-              <a:rPr lang="en-US" altLang="zh-CN" dirty="0" smtClean="0"/>
-              <a:t>Box</a:t>
-            </a:r>
-          </a:p>
-        </p:txBody>
-      </p:sp>
-      <p:sp>
-        <p:nvSpPr>
-          <p:cNvPr id="17" name="Rectangle 16"/>
-          <p:cNvSpPr/>
-          <p:nvPr/>
-        </p:nvSpPr>
-        <p:spPr>
-          <a:xfrm>
-            <a:off x="4648200" y="3200400"/>
-            <a:ext cx="762000" cy="381000"/>
-          </a:xfrm>
-          <a:prstGeom prst="rect">
-            <a:avLst/>
-          </a:prstGeom>
-        </p:spPr>
-        <p:style>
-          <a:lnRef idx="2">
-            <a:schemeClr val="accent1">
-              <a:shade val="50000"/>
-            </a:schemeClr>
-          </a:lnRef>
-          <a:fillRef idx="1">
-            <a:schemeClr val="accent1"/>
-          </a:fillRef>
-          <a:effectRef idx="0">
-            <a:schemeClr val="accent1"/>
-          </a:effectRef>
-          <a:fontRef idx="minor">
-            <a:schemeClr val="lt1"/>
-          </a:fontRef>
-        </p:style>
-        <p:txBody>
-          <a:bodyPr rtlCol="0" anchor="ctr"/>
-          <a:lstStyle/>
-          <a:p>
-            <a:pPr algn="ctr"/>
-            <a:r>
-              <a:rPr lang="en-US" altLang="zh-CN" dirty="0" smtClean="0"/>
-              <a:t>Circle</a:t>
-            </a:r>
-          </a:p>
-        </p:txBody>
-      </p:sp>
-      <p:sp>
-        <p:nvSpPr>
-          <p:cNvPr id="18" name="Rectangle 17"/>
-          <p:cNvSpPr/>
-          <p:nvPr/>
-        </p:nvSpPr>
-        <p:spPr>
-          <a:xfrm>
-            <a:off x="8229600" y="3200400"/>
-            <a:ext cx="457200" cy="381000"/>
-          </a:xfrm>
-          <a:prstGeom prst="rect">
-            <a:avLst/>
-          </a:prstGeom>
-        </p:spPr>
-        <p:style>
-          <a:lnRef idx="2">
-            <a:schemeClr val="accent1">
-              <a:shade val="50000"/>
-            </a:schemeClr>
-          </a:lnRef>
-          <a:fillRef idx="1">
-            <a:schemeClr val="accent1"/>
-          </a:fillRef>
-          <a:effectRef idx="0">
-            <a:schemeClr val="accent1"/>
-          </a:effectRef>
-          <a:fontRef idx="minor">
-            <a:schemeClr val="lt1"/>
-          </a:fontRef>
-        </p:style>
-        <p:txBody>
-          <a:bodyPr rtlCol="0" anchor="ctr"/>
-          <a:lstStyle/>
-          <a:p>
-            <a:pPr algn="ctr"/>
-            <a:r>
-              <a:rPr lang="en-US" altLang="zh-CN" dirty="0" smtClean="0"/>
-              <a:t>…</a:t>
-            </a:r>
-          </a:p>
-        </p:txBody>
-      </p:sp>
-      <p:sp>
-        <p:nvSpPr>
-          <p:cNvPr id="19" name="Rectangle 18"/>
-          <p:cNvSpPr/>
-          <p:nvPr/>
-        </p:nvSpPr>
-        <p:spPr>
-          <a:xfrm>
-            <a:off x="6553200" y="3200400"/>
-            <a:ext cx="838200" cy="381000"/>
-          </a:xfrm>
-          <a:prstGeom prst="rect">
-            <a:avLst/>
-          </a:prstGeom>
-        </p:spPr>
-        <p:style>
-          <a:lnRef idx="2">
-            <a:schemeClr val="accent1">
-              <a:shade val="50000"/>
-            </a:schemeClr>
-          </a:lnRef>
-          <a:fillRef idx="1">
-            <a:schemeClr val="accent1"/>
-          </a:fillRef>
-          <a:effectRef idx="0">
-            <a:schemeClr val="accent1"/>
-          </a:effectRef>
-          <a:fontRef idx="minor">
-            <a:schemeClr val="lt1"/>
-          </a:fontRef>
-        </p:style>
-        <p:txBody>
-          <a:bodyPr rtlCol="0" anchor="ctr"/>
-          <a:lstStyle/>
-          <a:p>
-            <a:pPr algn="ctr"/>
-            <a:r>
-              <a:rPr lang="en-US" altLang="zh-CN" dirty="0" smtClean="0"/>
-              <a:t>Rotate</a:t>
-            </a:r>
-          </a:p>
-        </p:txBody>
-      </p:sp>
-      <p:sp>
-        <p:nvSpPr>
-          <p:cNvPr id="20" name="Rectangle 19"/>
-          <p:cNvSpPr/>
-          <p:nvPr/>
-        </p:nvSpPr>
-        <p:spPr>
-          <a:xfrm>
-            <a:off x="7467600" y="3200400"/>
-            <a:ext cx="685800" cy="381000"/>
-          </a:xfrm>
-          <a:prstGeom prst="rect">
-            <a:avLst/>
-          </a:prstGeom>
-        </p:spPr>
-        <p:style>
-          <a:lnRef idx="2">
-            <a:schemeClr val="accent1">
-              <a:shade val="50000"/>
-            </a:schemeClr>
-          </a:lnRef>
-          <a:fillRef idx="1">
-            <a:schemeClr val="accent1"/>
-          </a:fillRef>
-          <a:effectRef idx="0">
-            <a:schemeClr val="accent1"/>
-          </a:effectRef>
-          <a:fontRef idx="minor">
-            <a:schemeClr val="lt1"/>
-          </a:fontRef>
-        </p:style>
-        <p:txBody>
-          <a:bodyPr rtlCol="0" anchor="ctr"/>
-          <a:lstStyle/>
-          <a:p>
-            <a:pPr algn="ctr"/>
-            <a:r>
-              <a:rPr lang="en-US" altLang="zh-CN" dirty="0" smtClean="0"/>
-              <a:t>Drag</a:t>
-            </a:r>
-          </a:p>
-        </p:txBody>
-      </p:sp>
-      <p:sp>
-        <p:nvSpPr>
-          <p:cNvPr id="24" name="Rectangle 23"/>
-          <p:cNvSpPr/>
-          <p:nvPr/>
-        </p:nvSpPr>
-        <p:spPr>
-          <a:xfrm>
-            <a:off x="914400" y="2209800"/>
-            <a:ext cx="7772400" cy="381000"/>
-          </a:xfrm>
-          <a:prstGeom prst="rect">
-            <a:avLst/>
-          </a:prstGeom>
-        </p:spPr>
-        <p:style>
-          <a:lnRef idx="2">
-            <a:schemeClr val="accent2">
-              <a:shade val="50000"/>
-            </a:schemeClr>
-          </a:lnRef>
-          <a:fillRef idx="1">
-            <a:schemeClr val="accent2"/>
-          </a:fillRef>
-          <a:effectRef idx="0">
-            <a:schemeClr val="accent2"/>
-          </a:effectRef>
-          <a:fontRef idx="minor">
-            <a:schemeClr val="lt1"/>
-          </a:fontRef>
-        </p:style>
-        <p:txBody>
-          <a:bodyPr rtlCol="0" anchor="ctr"/>
-          <a:lstStyle/>
-          <a:p>
-            <a:pPr algn="ctr"/>
-            <a:r>
-              <a:rPr lang="en-US" altLang="zh-CN" dirty="0" smtClean="0"/>
-              <a:t>Drawing Mode</a:t>
+              <a:t>Utils</a:t>
             </a:r>
           </a:p>
         </p:txBody>
@@ -8568,14 +9061,14 @@
       </p:grpSpPr>
       <p:sp>
         <p:nvSpPr>
-          <p:cNvPr id="6" name="Rectangle 5"/>
-          <p:cNvSpPr/>
-          <p:nvPr/>
-        </p:nvSpPr>
-        <p:spPr>
-          <a:xfrm>
-            <a:off x="2209800" y="3200400"/>
-            <a:ext cx="1447800" cy="381000"/>
+          <p:cNvPr id="4" name="Rectangle 3"/>
+          <p:cNvSpPr/>
+          <p:nvPr/>
+        </p:nvSpPr>
+        <p:spPr>
+          <a:xfrm>
+            <a:off x="2362200" y="3200400"/>
+            <a:ext cx="990600" cy="381000"/>
           </a:xfrm>
           <a:prstGeom prst="rect">
             <a:avLst/>
@@ -8604,20 +9097,20 @@
             <a:pPr algn="ctr"/>
             <a:r>
               <a:rPr lang="en-US" altLang="zh-CN" dirty="0" smtClean="0"/>
-              <a:t>Drop Target</a:t>
-            </a:r>
-          </a:p>
-        </p:txBody>
-      </p:sp>
-      <p:sp>
-        <p:nvSpPr>
-          <p:cNvPr id="9" name="Rectangle 8"/>
-          <p:cNvSpPr/>
-          <p:nvPr/>
-        </p:nvSpPr>
-        <p:spPr>
-          <a:xfrm>
-            <a:off x="2209800" y="2743200"/>
+              <a:t>Polygon</a:t>
+            </a:r>
+          </a:p>
+        </p:txBody>
+      </p:sp>
+      <p:sp>
+        <p:nvSpPr>
+          <p:cNvPr id="5" name="Rectangle 4"/>
+          <p:cNvSpPr/>
+          <p:nvPr/>
+        </p:nvSpPr>
+        <p:spPr>
+          <a:xfrm>
+            <a:off x="914400" y="3657600"/>
             <a:ext cx="2971800" cy="381000"/>
           </a:xfrm>
           <a:prstGeom prst="rect">
@@ -8647,7 +9140,523 @@
             <a:pPr algn="ctr"/>
             <a:r>
               <a:rPr lang="en-US" altLang="zh-CN" dirty="0" smtClean="0"/>
-              <a:t>Drag Drop Manager</a:t>
+              <a:t>Base Body</a:t>
+            </a:r>
+          </a:p>
+        </p:txBody>
+      </p:sp>
+      <p:sp>
+        <p:nvSpPr>
+          <p:cNvPr id="6" name="Rectangle 5"/>
+          <p:cNvSpPr/>
+          <p:nvPr/>
+        </p:nvSpPr>
+        <p:spPr>
+          <a:xfrm>
+            <a:off x="914400" y="3200400"/>
+            <a:ext cx="533400" cy="381000"/>
+          </a:xfrm>
+          <a:prstGeom prst="rect">
+            <a:avLst/>
+          </a:prstGeom>
+        </p:spPr>
+        <p:style>
+          <a:lnRef idx="2">
+            <a:schemeClr val="accent1">
+              <a:shade val="50000"/>
+            </a:schemeClr>
+          </a:lnRef>
+          <a:fillRef idx="1">
+            <a:schemeClr val="accent1"/>
+          </a:fillRef>
+          <a:effectRef idx="0">
+            <a:schemeClr val="accent1"/>
+          </a:effectRef>
+          <a:fontRef idx="minor">
+            <a:schemeClr val="lt1"/>
+          </a:fontRef>
+        </p:style>
+        <p:txBody>
+          <a:bodyPr rtlCol="0" anchor="ctr"/>
+          <a:lstStyle/>
+          <a:p>
+            <a:pPr algn="ctr"/>
+            <a:r>
+              <a:rPr lang="en-US" altLang="zh-CN" dirty="0" smtClean="0"/>
+              <a:t>Box</a:t>
+            </a:r>
+          </a:p>
+        </p:txBody>
+      </p:sp>
+      <p:sp>
+        <p:nvSpPr>
+          <p:cNvPr id="7" name="Rectangle 6"/>
+          <p:cNvSpPr/>
+          <p:nvPr/>
+        </p:nvSpPr>
+        <p:spPr>
+          <a:xfrm>
+            <a:off x="1524000" y="3200400"/>
+            <a:ext cx="762000" cy="381000"/>
+          </a:xfrm>
+          <a:prstGeom prst="rect">
+            <a:avLst/>
+          </a:prstGeom>
+        </p:spPr>
+        <p:style>
+          <a:lnRef idx="2">
+            <a:schemeClr val="accent1">
+              <a:shade val="50000"/>
+            </a:schemeClr>
+          </a:lnRef>
+          <a:fillRef idx="1">
+            <a:schemeClr val="accent1"/>
+          </a:fillRef>
+          <a:effectRef idx="0">
+            <a:schemeClr val="accent1"/>
+          </a:effectRef>
+          <a:fontRef idx="minor">
+            <a:schemeClr val="lt1"/>
+          </a:fontRef>
+        </p:style>
+        <p:txBody>
+          <a:bodyPr rtlCol="0" anchor="ctr"/>
+          <a:lstStyle/>
+          <a:p>
+            <a:pPr algn="ctr"/>
+            <a:r>
+              <a:rPr lang="en-US" altLang="zh-CN" dirty="0" smtClean="0"/>
+              <a:t>Circle</a:t>
+            </a:r>
+          </a:p>
+        </p:txBody>
+      </p:sp>
+      <p:sp>
+        <p:nvSpPr>
+          <p:cNvPr id="9" name="Rectangle 8"/>
+          <p:cNvSpPr/>
+          <p:nvPr/>
+        </p:nvSpPr>
+        <p:spPr>
+          <a:xfrm>
+            <a:off x="914400" y="2743200"/>
+            <a:ext cx="2971800" cy="381000"/>
+          </a:xfrm>
+          <a:prstGeom prst="rect">
+            <a:avLst/>
+          </a:prstGeom>
+        </p:spPr>
+        <p:style>
+          <a:lnRef idx="2">
+            <a:schemeClr val="accent1">
+              <a:shade val="50000"/>
+            </a:schemeClr>
+          </a:lnRef>
+          <a:fillRef idx="1">
+            <a:schemeClr val="accent1"/>
+          </a:fillRef>
+          <a:effectRef idx="0">
+            <a:schemeClr val="accent1"/>
+          </a:effectRef>
+          <a:fontRef idx="minor">
+            <a:schemeClr val="lt1"/>
+          </a:fontRef>
+        </p:style>
+        <p:txBody>
+          <a:bodyPr rtlCol="0" anchor="ctr"/>
+          <a:lstStyle/>
+          <a:p>
+            <a:pPr algn="ctr"/>
+            <a:r>
+              <a:rPr lang="en-US" altLang="zh-CN" dirty="0" smtClean="0"/>
+              <a:t>Drawing Object</a:t>
+            </a:r>
+          </a:p>
+        </p:txBody>
+      </p:sp>
+      <p:sp>
+        <p:nvSpPr>
+          <p:cNvPr id="10" name="Rectangle 9"/>
+          <p:cNvSpPr/>
+          <p:nvPr/>
+        </p:nvSpPr>
+        <p:spPr>
+          <a:xfrm>
+            <a:off x="3429000" y="3200400"/>
+            <a:ext cx="457200" cy="381000"/>
+          </a:xfrm>
+          <a:prstGeom prst="rect">
+            <a:avLst/>
+          </a:prstGeom>
+        </p:spPr>
+        <p:style>
+          <a:lnRef idx="2">
+            <a:schemeClr val="accent1">
+              <a:shade val="50000"/>
+            </a:schemeClr>
+          </a:lnRef>
+          <a:fillRef idx="1">
+            <a:schemeClr val="accent1"/>
+          </a:fillRef>
+          <a:effectRef idx="0">
+            <a:schemeClr val="accent1"/>
+          </a:effectRef>
+          <a:fontRef idx="minor">
+            <a:schemeClr val="lt1"/>
+          </a:fontRef>
+        </p:style>
+        <p:txBody>
+          <a:bodyPr rtlCol="0" anchor="ctr"/>
+          <a:lstStyle/>
+          <a:p>
+            <a:pPr algn="ctr"/>
+            <a:r>
+              <a:rPr lang="en-US" altLang="zh-CN" dirty="0" smtClean="0"/>
+              <a:t>…</a:t>
+            </a:r>
+          </a:p>
+        </p:txBody>
+      </p:sp>
+      <p:sp>
+        <p:nvSpPr>
+          <p:cNvPr id="12" name="Rectangle 11"/>
+          <p:cNvSpPr/>
+          <p:nvPr/>
+        </p:nvSpPr>
+        <p:spPr>
+          <a:xfrm>
+            <a:off x="4038600" y="2743200"/>
+            <a:ext cx="4648200" cy="381000"/>
+          </a:xfrm>
+          <a:prstGeom prst="rect">
+            <a:avLst/>
+          </a:prstGeom>
+        </p:spPr>
+        <p:style>
+          <a:lnRef idx="2">
+            <a:schemeClr val="accent1">
+              <a:shade val="50000"/>
+            </a:schemeClr>
+          </a:lnRef>
+          <a:fillRef idx="1">
+            <a:schemeClr val="accent1"/>
+          </a:fillRef>
+          <a:effectRef idx="0">
+            <a:schemeClr val="accent1"/>
+          </a:effectRef>
+          <a:fontRef idx="minor">
+            <a:schemeClr val="lt1"/>
+          </a:fontRef>
+        </p:style>
+        <p:txBody>
+          <a:bodyPr rtlCol="0" anchor="ctr"/>
+          <a:lstStyle/>
+          <a:p>
+            <a:pPr algn="ctr"/>
+            <a:r>
+              <a:rPr lang="en-US" altLang="zh-CN" dirty="0" smtClean="0"/>
+              <a:t>Mode Changer</a:t>
+            </a:r>
+          </a:p>
+        </p:txBody>
+      </p:sp>
+      <p:sp>
+        <p:nvSpPr>
+          <p:cNvPr id="14" name="Rectangle 13"/>
+          <p:cNvSpPr/>
+          <p:nvPr/>
+        </p:nvSpPr>
+        <p:spPr>
+          <a:xfrm>
+            <a:off x="5486400" y="3200400"/>
+            <a:ext cx="990600" cy="381000"/>
+          </a:xfrm>
+          <a:prstGeom prst="rect">
+            <a:avLst/>
+          </a:prstGeom>
+        </p:spPr>
+        <p:style>
+          <a:lnRef idx="2">
+            <a:schemeClr val="accent1">
+              <a:shade val="50000"/>
+            </a:schemeClr>
+          </a:lnRef>
+          <a:fillRef idx="1">
+            <a:schemeClr val="accent1"/>
+          </a:fillRef>
+          <a:effectRef idx="0">
+            <a:schemeClr val="accent1"/>
+          </a:effectRef>
+          <a:fontRef idx="minor">
+            <a:schemeClr val="lt1"/>
+          </a:fontRef>
+        </p:style>
+        <p:txBody>
+          <a:bodyPr rtlCol="0" anchor="ctr"/>
+          <a:lstStyle/>
+          <a:p>
+            <a:pPr algn="ctr"/>
+            <a:r>
+              <a:rPr lang="en-US" altLang="zh-CN" dirty="0" smtClean="0"/>
+              <a:t>Polygon</a:t>
+            </a:r>
+          </a:p>
+        </p:txBody>
+      </p:sp>
+      <p:sp>
+        <p:nvSpPr>
+          <p:cNvPr id="15" name="Rectangle 14"/>
+          <p:cNvSpPr/>
+          <p:nvPr/>
+        </p:nvSpPr>
+        <p:spPr>
+          <a:xfrm>
+            <a:off x="4038600" y="3657600"/>
+            <a:ext cx="4648200" cy="381000"/>
+          </a:xfrm>
+          <a:prstGeom prst="rect">
+            <a:avLst/>
+          </a:prstGeom>
+        </p:spPr>
+        <p:style>
+          <a:lnRef idx="2">
+            <a:schemeClr val="accent1">
+              <a:shade val="50000"/>
+            </a:schemeClr>
+          </a:lnRef>
+          <a:fillRef idx="1">
+            <a:schemeClr val="accent1"/>
+          </a:fillRef>
+          <a:effectRef idx="0">
+            <a:schemeClr val="accent1"/>
+          </a:effectRef>
+          <a:fontRef idx="minor">
+            <a:schemeClr val="lt1"/>
+          </a:fontRef>
+        </p:style>
+        <p:txBody>
+          <a:bodyPr rtlCol="0" anchor="ctr"/>
+          <a:lstStyle/>
+          <a:p>
+            <a:pPr algn="ctr"/>
+            <a:r>
+              <a:rPr lang="en-US" altLang="zh-CN" dirty="0" smtClean="0"/>
+              <a:t>Base Mode</a:t>
+            </a:r>
+          </a:p>
+        </p:txBody>
+      </p:sp>
+      <p:sp>
+        <p:nvSpPr>
+          <p:cNvPr id="16" name="Rectangle 15"/>
+          <p:cNvSpPr/>
+          <p:nvPr/>
+        </p:nvSpPr>
+        <p:spPr>
+          <a:xfrm>
+            <a:off x="4038600" y="3200400"/>
+            <a:ext cx="533400" cy="381000"/>
+          </a:xfrm>
+          <a:prstGeom prst="rect">
+            <a:avLst/>
+          </a:prstGeom>
+        </p:spPr>
+        <p:style>
+          <a:lnRef idx="2">
+            <a:schemeClr val="accent1">
+              <a:shade val="50000"/>
+            </a:schemeClr>
+          </a:lnRef>
+          <a:fillRef idx="1">
+            <a:schemeClr val="accent1"/>
+          </a:fillRef>
+          <a:effectRef idx="0">
+            <a:schemeClr val="accent1"/>
+          </a:effectRef>
+          <a:fontRef idx="minor">
+            <a:schemeClr val="lt1"/>
+          </a:fontRef>
+        </p:style>
+        <p:txBody>
+          <a:bodyPr rtlCol="0" anchor="ctr"/>
+          <a:lstStyle/>
+          <a:p>
+            <a:pPr algn="ctr"/>
+            <a:r>
+              <a:rPr lang="en-US" altLang="zh-CN" dirty="0" smtClean="0"/>
+              <a:t>Box</a:t>
+            </a:r>
+          </a:p>
+        </p:txBody>
+      </p:sp>
+      <p:sp>
+        <p:nvSpPr>
+          <p:cNvPr id="17" name="Rectangle 16"/>
+          <p:cNvSpPr/>
+          <p:nvPr/>
+        </p:nvSpPr>
+        <p:spPr>
+          <a:xfrm>
+            <a:off x="4648200" y="3200400"/>
+            <a:ext cx="762000" cy="381000"/>
+          </a:xfrm>
+          <a:prstGeom prst="rect">
+            <a:avLst/>
+          </a:prstGeom>
+        </p:spPr>
+        <p:style>
+          <a:lnRef idx="2">
+            <a:schemeClr val="accent1">
+              <a:shade val="50000"/>
+            </a:schemeClr>
+          </a:lnRef>
+          <a:fillRef idx="1">
+            <a:schemeClr val="accent1"/>
+          </a:fillRef>
+          <a:effectRef idx="0">
+            <a:schemeClr val="accent1"/>
+          </a:effectRef>
+          <a:fontRef idx="minor">
+            <a:schemeClr val="lt1"/>
+          </a:fontRef>
+        </p:style>
+        <p:txBody>
+          <a:bodyPr rtlCol="0" anchor="ctr"/>
+          <a:lstStyle/>
+          <a:p>
+            <a:pPr algn="ctr"/>
+            <a:r>
+              <a:rPr lang="en-US" altLang="zh-CN" dirty="0" smtClean="0"/>
+              <a:t>Circle</a:t>
+            </a:r>
+          </a:p>
+        </p:txBody>
+      </p:sp>
+      <p:sp>
+        <p:nvSpPr>
+          <p:cNvPr id="18" name="Rectangle 17"/>
+          <p:cNvSpPr/>
+          <p:nvPr/>
+        </p:nvSpPr>
+        <p:spPr>
+          <a:xfrm>
+            <a:off x="8229600" y="3200400"/>
+            <a:ext cx="457200" cy="381000"/>
+          </a:xfrm>
+          <a:prstGeom prst="rect">
+            <a:avLst/>
+          </a:prstGeom>
+        </p:spPr>
+        <p:style>
+          <a:lnRef idx="2">
+            <a:schemeClr val="accent1">
+              <a:shade val="50000"/>
+            </a:schemeClr>
+          </a:lnRef>
+          <a:fillRef idx="1">
+            <a:schemeClr val="accent1"/>
+          </a:fillRef>
+          <a:effectRef idx="0">
+            <a:schemeClr val="accent1"/>
+          </a:effectRef>
+          <a:fontRef idx="minor">
+            <a:schemeClr val="lt1"/>
+          </a:fontRef>
+        </p:style>
+        <p:txBody>
+          <a:bodyPr rtlCol="0" anchor="ctr"/>
+          <a:lstStyle/>
+          <a:p>
+            <a:pPr algn="ctr"/>
+            <a:r>
+              <a:rPr lang="en-US" altLang="zh-CN" dirty="0" smtClean="0"/>
+              <a:t>…</a:t>
+            </a:r>
+          </a:p>
+        </p:txBody>
+      </p:sp>
+      <p:sp>
+        <p:nvSpPr>
+          <p:cNvPr id="19" name="Rectangle 18"/>
+          <p:cNvSpPr/>
+          <p:nvPr/>
+        </p:nvSpPr>
+        <p:spPr>
+          <a:xfrm>
+            <a:off x="6553200" y="3200400"/>
+            <a:ext cx="838200" cy="381000"/>
+          </a:xfrm>
+          <a:prstGeom prst="rect">
+            <a:avLst/>
+          </a:prstGeom>
+        </p:spPr>
+        <p:style>
+          <a:lnRef idx="2">
+            <a:schemeClr val="accent1">
+              <a:shade val="50000"/>
+            </a:schemeClr>
+          </a:lnRef>
+          <a:fillRef idx="1">
+            <a:schemeClr val="accent1"/>
+          </a:fillRef>
+          <a:effectRef idx="0">
+            <a:schemeClr val="accent1"/>
+          </a:effectRef>
+          <a:fontRef idx="minor">
+            <a:schemeClr val="lt1"/>
+          </a:fontRef>
+        </p:style>
+        <p:txBody>
+          <a:bodyPr rtlCol="0" anchor="ctr"/>
+          <a:lstStyle/>
+          <a:p>
+            <a:pPr algn="ctr"/>
+            <a:r>
+              <a:rPr lang="en-US" altLang="zh-CN" dirty="0" smtClean="0"/>
+              <a:t>Rotate</a:t>
+            </a:r>
+          </a:p>
+        </p:txBody>
+      </p:sp>
+      <p:sp>
+        <p:nvSpPr>
+          <p:cNvPr id="20" name="Rectangle 19"/>
+          <p:cNvSpPr/>
+          <p:nvPr/>
+        </p:nvSpPr>
+        <p:spPr>
+          <a:xfrm>
+            <a:off x="7467600" y="3200400"/>
+            <a:ext cx="685800" cy="381000"/>
+          </a:xfrm>
+          <a:prstGeom prst="rect">
+            <a:avLst/>
+          </a:prstGeom>
+        </p:spPr>
+        <p:style>
+          <a:lnRef idx="2">
+            <a:schemeClr val="accent1">
+              <a:shade val="50000"/>
+            </a:schemeClr>
+          </a:lnRef>
+          <a:fillRef idx="1">
+            <a:schemeClr val="accent1"/>
+          </a:fillRef>
+          <a:effectRef idx="0">
+            <a:schemeClr val="accent1"/>
+          </a:effectRef>
+          <a:fontRef idx="minor">
+            <a:schemeClr val="lt1"/>
+          </a:fontRef>
+        </p:style>
+        <p:txBody>
+          <a:bodyPr rtlCol="0" anchor="ctr"/>
+          <a:lstStyle/>
+          <a:p>
+            <a:pPr algn="ctr"/>
+            <a:r>
+              <a:rPr lang="en-US" altLang="zh-CN" dirty="0" smtClean="0"/>
+              <a:t>Drag</a:t>
             </a:r>
           </a:p>
         </p:txBody>
@@ -8660,8 +9669,8 @@
         </p:nvSpPr>
         <p:spPr>
           <a:xfrm>
-            <a:off x="2209800" y="2286000"/>
-            <a:ext cx="2971800" cy="381000"/>
+            <a:off x="914400" y="2209800"/>
+            <a:ext cx="7772400" cy="381000"/>
           </a:xfrm>
           <a:prstGeom prst="rect">
             <a:avLst/>
@@ -8690,50 +9699,7 @@
             <a:pPr algn="ctr"/>
             <a:r>
               <a:rPr lang="en-US" altLang="zh-CN" dirty="0" smtClean="0"/>
-              <a:t>Preset Mode</a:t>
-            </a:r>
-          </a:p>
-        </p:txBody>
-      </p:sp>
-      <p:sp>
-        <p:nvSpPr>
-          <p:cNvPr id="21" name="Rectangle 20"/>
-          <p:cNvSpPr/>
-          <p:nvPr/>
-        </p:nvSpPr>
-        <p:spPr>
-          <a:xfrm>
-            <a:off x="3810000" y="3200400"/>
-            <a:ext cx="1371600" cy="381000"/>
-          </a:xfrm>
-          <a:prstGeom prst="rect">
-            <a:avLst/>
-          </a:prstGeom>
-        </p:spPr>
-        <p:style>
-          <a:lnRef idx="2">
-            <a:schemeClr val="accent1">
-              <a:shade val="50000"/>
-            </a:schemeClr>
-          </a:lnRef>
-          <a:fillRef idx="1">
-            <a:schemeClr val="accent1"/>
-          </a:fillRef>
-          <a:effectRef idx="0">
-            <a:schemeClr val="accent1"/>
-          </a:effectRef>
-          <a:fontRef idx="minor">
-            <a:schemeClr val="lt1"/>
-          </a:fontRef>
-        </p:style>
-        <p:txBody>
-          <a:bodyPr rtlCol="0" anchor="ctr"/>
-          <a:lstStyle/>
-          <a:p>
-            <a:pPr algn="ctr"/>
-            <a:r>
-              <a:rPr lang="en-US" altLang="zh-CN" dirty="0" smtClean="0"/>
-              <a:t>Drop Source</a:t>
+              <a:t>Drawing Mode</a:t>
             </a:r>
           </a:p>
         </p:txBody>
@@ -8765,62 +9731,17 @@
       </p:grpSpPr>
       <p:sp>
         <p:nvSpPr>
-          <p:cNvPr id="30" name="Oval 29"/>
-          <p:cNvSpPr/>
-          <p:nvPr/>
-        </p:nvSpPr>
-        <p:spPr>
-          <a:xfrm>
-            <a:off x="6629400" y="4343400"/>
-            <a:ext cx="457200" cy="457200"/>
-          </a:xfrm>
-          <a:prstGeom prst="ellipse">
-            <a:avLst/>
-          </a:prstGeom>
-        </p:spPr>
-        <p:style>
-          <a:lnRef idx="2">
-            <a:schemeClr val="accent3">
-              <a:shade val="50000"/>
-            </a:schemeClr>
-          </a:lnRef>
-          <a:fillRef idx="1">
-            <a:schemeClr val="accent3"/>
-          </a:fillRef>
-          <a:effectRef idx="0">
-            <a:schemeClr val="accent3"/>
-          </a:effectRef>
-          <a:fontRef idx="minor">
-            <a:schemeClr val="lt1"/>
-          </a:fontRef>
-        </p:style>
-        <p:txBody>
-          <a:bodyPr rtlCol="0" anchor="ctr"/>
-          <a:lstStyle/>
-          <a:p>
-            <a:pPr algn="ctr"/>
-            <a:endParaRPr lang="zh-CN" altLang="en-US"/>
-          </a:p>
-        </p:txBody>
-      </p:sp>
-      <p:sp>
-        <p:nvSpPr>
-          <p:cNvPr id="4" name="Up Arrow Callout 3"/>
-          <p:cNvSpPr/>
-          <p:nvPr/>
-        </p:nvSpPr>
-        <p:spPr>
-          <a:xfrm>
-            <a:off x="990600" y="4191000"/>
-            <a:ext cx="1295400" cy="609600"/>
-          </a:xfrm>
-          <a:prstGeom prst="upArrowCallout">
-            <a:avLst>
-              <a:gd name="adj1" fmla="val 110216"/>
-              <a:gd name="adj2" fmla="val 55108"/>
-              <a:gd name="adj3" fmla="val 55693"/>
-              <a:gd name="adj4" fmla="val 64977"/>
-            </a:avLst>
+          <p:cNvPr id="6" name="Rectangle 5"/>
+          <p:cNvSpPr/>
+          <p:nvPr/>
+        </p:nvSpPr>
+        <p:spPr>
+          <a:xfrm>
+            <a:off x="2209800" y="3200400"/>
+            <a:ext cx="1447800" cy="381000"/>
+          </a:xfrm>
+          <a:prstGeom prst="rect">
+            <a:avLst/>
           </a:prstGeom>
         </p:spPr>
         <p:style>
@@ -8844,625 +9765,128 @@
           <a:lstStyle/>
           <a:p>
             <a:pPr algn="ctr"/>
-            <a:endParaRPr lang="zh-CN" altLang="en-US"/>
-          </a:p>
-        </p:txBody>
-      </p:sp>
-      <p:sp>
-        <p:nvSpPr>
-          <p:cNvPr id="5" name="Up Arrow 4"/>
-          <p:cNvSpPr/>
-          <p:nvPr/>
-        </p:nvSpPr>
-        <p:spPr>
-          <a:xfrm rot="2706742">
-            <a:off x="1441162" y="3947640"/>
-            <a:ext cx="161751" cy="489734"/>
-          </a:xfrm>
-          <a:prstGeom prst="upArrow">
-            <a:avLst/>
-          </a:prstGeom>
-        </p:spPr>
-        <p:style>
-          <a:lnRef idx="2">
-            <a:schemeClr val="dk1">
+            <a:r>
+              <a:rPr lang="en-US" altLang="zh-CN" dirty="0" smtClean="0"/>
+              <a:t>Drop Target</a:t>
+            </a:r>
+          </a:p>
+        </p:txBody>
+      </p:sp>
+      <p:sp>
+        <p:nvSpPr>
+          <p:cNvPr id="9" name="Rectangle 8"/>
+          <p:cNvSpPr/>
+          <p:nvPr/>
+        </p:nvSpPr>
+        <p:spPr>
+          <a:xfrm>
+            <a:off x="2209800" y="2743200"/>
+            <a:ext cx="2971800" cy="381000"/>
+          </a:xfrm>
+          <a:prstGeom prst="rect">
+            <a:avLst/>
+          </a:prstGeom>
+        </p:spPr>
+        <p:style>
+          <a:lnRef idx="2">
+            <a:schemeClr val="accent1">
               <a:shade val="50000"/>
             </a:schemeClr>
           </a:lnRef>
           <a:fillRef idx="1">
-            <a:schemeClr val="dk1"/>
-          </a:fillRef>
-          <a:effectRef idx="0">
-            <a:schemeClr val="dk1"/>
-          </a:effectRef>
-          <a:fontRef idx="minor">
-            <a:schemeClr val="lt1"/>
-          </a:fontRef>
-        </p:style>
-        <p:txBody>
-          <a:bodyPr rtlCol="0" anchor="ctr"/>
-          <a:lstStyle/>
-          <a:p>
-            <a:pPr algn="ctr"/>
-            <a:endParaRPr lang="zh-CN" altLang="en-US"/>
-          </a:p>
-        </p:txBody>
-      </p:sp>
-      <p:sp>
-        <p:nvSpPr>
-          <p:cNvPr id="19" name="Freeform 18"/>
-          <p:cNvSpPr/>
-          <p:nvPr/>
-        </p:nvSpPr>
-        <p:spPr>
-          <a:xfrm>
-            <a:off x="1295401" y="2420330"/>
-            <a:ext cx="5638800" cy="2151670"/>
-          </a:xfrm>
-          <a:custGeom>
-            <a:avLst/>
-            <a:gdLst>
-              <a:gd name="connsiteX0" fmla="*/ 0 w 4927600"/>
-              <a:gd name="connsiteY0" fmla="*/ 2457450 h 2838450"/>
-              <a:gd name="connsiteX1" fmla="*/ 2295525 w 4927600"/>
-              <a:gd name="connsiteY1" fmla="*/ 9525 h 2838450"/>
-              <a:gd name="connsiteX2" fmla="*/ 4505325 w 4927600"/>
-              <a:gd name="connsiteY2" fmla="*/ 2400300 h 2838450"/>
-              <a:gd name="connsiteX3" fmla="*/ 4829175 w 4927600"/>
-              <a:gd name="connsiteY3" fmla="*/ 2638425 h 2838450"/>
-              <a:gd name="connsiteX0" fmla="*/ 0 w 5101561"/>
-              <a:gd name="connsiteY0" fmla="*/ 2457450 h 2840249"/>
-              <a:gd name="connsiteX1" fmla="*/ 2295525 w 5101561"/>
-              <a:gd name="connsiteY1" fmla="*/ 9525 h 2840249"/>
-              <a:gd name="connsiteX2" fmla="*/ 4505325 w 5101561"/>
-              <a:gd name="connsiteY2" fmla="*/ 2400300 h 2840249"/>
-              <a:gd name="connsiteX3" fmla="*/ 5052349 w 5101561"/>
-              <a:gd name="connsiteY3" fmla="*/ 2649220 h 2840249"/>
-              <a:gd name="connsiteX0" fmla="*/ 0 w 5052349"/>
-              <a:gd name="connsiteY0" fmla="*/ 2457450 h 2997597"/>
-              <a:gd name="connsiteX1" fmla="*/ 2295525 w 5052349"/>
-              <a:gd name="connsiteY1" fmla="*/ 9525 h 2997597"/>
-              <a:gd name="connsiteX2" fmla="*/ 4505325 w 5052349"/>
-              <a:gd name="connsiteY2" fmla="*/ 2400300 h 2997597"/>
-              <a:gd name="connsiteX3" fmla="*/ 5052349 w 5052349"/>
-              <a:gd name="connsiteY3" fmla="*/ 2649220 h 2997597"/>
-              <a:gd name="connsiteX0" fmla="*/ 0 w 4505325"/>
-              <a:gd name="connsiteY0" fmla="*/ 2457450 h 2457450"/>
-              <a:gd name="connsiteX1" fmla="*/ 2295525 w 4505325"/>
-              <a:gd name="connsiteY1" fmla="*/ 9525 h 2457450"/>
-              <a:gd name="connsiteX2" fmla="*/ 4505325 w 4505325"/>
-              <a:gd name="connsiteY2" fmla="*/ 2400300 h 2457450"/>
-              <a:gd name="connsiteX0" fmla="*/ 0 w 4848929"/>
-              <a:gd name="connsiteY0" fmla="*/ 2457450 h 3060251"/>
-              <a:gd name="connsiteX1" fmla="*/ 2295525 w 4848929"/>
-              <a:gd name="connsiteY1" fmla="*/ 9525 h 3060251"/>
-              <a:gd name="connsiteX2" fmla="*/ 4505325 w 4848929"/>
-              <a:gd name="connsiteY2" fmla="*/ 2400300 h 3060251"/>
-              <a:gd name="connsiteX0" fmla="*/ 0 w 4505325"/>
-              <a:gd name="connsiteY0" fmla="*/ 2457450 h 2457450"/>
-              <a:gd name="connsiteX1" fmla="*/ 2295525 w 4505325"/>
-              <a:gd name="connsiteY1" fmla="*/ 9525 h 2457450"/>
-              <a:gd name="connsiteX2" fmla="*/ 4505325 w 4505325"/>
-              <a:gd name="connsiteY2" fmla="*/ 2400300 h 2457450"/>
-              <a:gd name="connsiteX0" fmla="*/ 0 w 4615727"/>
-              <a:gd name="connsiteY0" fmla="*/ 2479887 h 2671657"/>
-              <a:gd name="connsiteX1" fmla="*/ 2295525 w 4615727"/>
-              <a:gd name="connsiteY1" fmla="*/ 31962 h 2671657"/>
-              <a:gd name="connsiteX2" fmla="*/ 4615727 w 4615727"/>
-              <a:gd name="connsiteY2" fmla="*/ 2671657 h 2671657"/>
-            </a:gdLst>
-            <a:ahLst/>
-            <a:cxnLst>
-              <a:cxn ang="0">
-                <a:pos x="connsiteX0" y="connsiteY0"/>
-              </a:cxn>
-              <a:cxn ang="0">
-                <a:pos x="connsiteX1" y="connsiteY1"/>
-              </a:cxn>
-              <a:cxn ang="0">
-                <a:pos x="connsiteX2" y="connsiteY2"/>
-              </a:cxn>
-            </a:cxnLst>
-            <a:rect l="l" t="t" r="r" b="b"/>
-            <a:pathLst>
-              <a:path w="4615727" h="2671657">
-                <a:moveTo>
-                  <a:pt x="0" y="2479887"/>
-                </a:moveTo>
-                <a:cubicBezTo>
-                  <a:pt x="772319" y="1260687"/>
-                  <a:pt x="1526237" y="0"/>
-                  <a:pt x="2295525" y="31962"/>
-                </a:cubicBezTo>
-                <a:cubicBezTo>
-                  <a:pt x="3064813" y="63924"/>
-                  <a:pt x="4429146" y="2562861"/>
-                  <a:pt x="4615727" y="2671657"/>
-                </a:cubicBezTo>
-              </a:path>
-            </a:pathLst>
-          </a:custGeom>
-        </p:spPr>
-        <p:style>
-          <a:lnRef idx="1">
-            <a:schemeClr val="accent1"/>
-          </a:lnRef>
-          <a:fillRef idx="0">
-            <a:schemeClr val="accent1"/>
-          </a:fillRef>
-          <a:effectRef idx="0">
-            <a:schemeClr val="accent1"/>
-          </a:effectRef>
-          <a:fontRef idx="minor">
-            <a:schemeClr val="tx1"/>
-          </a:fontRef>
-        </p:style>
-        <p:txBody>
-          <a:bodyPr rtlCol="0" anchor="ctr"/>
-          <a:lstStyle/>
-          <a:p>
-            <a:pPr algn="ctr"/>
-            <a:endParaRPr lang="zh-CN" altLang="en-US"/>
-          </a:p>
-        </p:txBody>
-      </p:sp>
-      <p:sp>
-        <p:nvSpPr>
-          <p:cNvPr id="20" name="Up Arrow 19"/>
-          <p:cNvSpPr/>
-          <p:nvPr/>
-        </p:nvSpPr>
-        <p:spPr>
-          <a:xfrm rot="2706742">
-            <a:off x="2050762" y="3315976"/>
-            <a:ext cx="161751" cy="489734"/>
-          </a:xfrm>
-          <a:prstGeom prst="upArrow">
-            <a:avLst/>
-          </a:prstGeom>
-        </p:spPr>
-        <p:style>
-          <a:lnRef idx="2">
-            <a:schemeClr val="dk1">
+            <a:schemeClr val="accent1"/>
+          </a:fillRef>
+          <a:effectRef idx="0">
+            <a:schemeClr val="accent1"/>
+          </a:effectRef>
+          <a:fontRef idx="minor">
+            <a:schemeClr val="lt1"/>
+          </a:fontRef>
+        </p:style>
+        <p:txBody>
+          <a:bodyPr rtlCol="0" anchor="ctr"/>
+          <a:lstStyle/>
+          <a:p>
+            <a:pPr algn="ctr"/>
+            <a:r>
+              <a:rPr lang="en-US" altLang="zh-CN" dirty="0" smtClean="0"/>
+              <a:t>Drag Drop Manager</a:t>
+            </a:r>
+          </a:p>
+        </p:txBody>
+      </p:sp>
+      <p:sp>
+        <p:nvSpPr>
+          <p:cNvPr id="24" name="Rectangle 23"/>
+          <p:cNvSpPr/>
+          <p:nvPr/>
+        </p:nvSpPr>
+        <p:spPr>
+          <a:xfrm>
+            <a:off x="2209800" y="2286000"/>
+            <a:ext cx="2971800" cy="381000"/>
+          </a:xfrm>
+          <a:prstGeom prst="rect">
+            <a:avLst/>
+          </a:prstGeom>
+        </p:spPr>
+        <p:style>
+          <a:lnRef idx="2">
+            <a:schemeClr val="accent2">
               <a:shade val="50000"/>
             </a:schemeClr>
           </a:lnRef>
           <a:fillRef idx="1">
-            <a:schemeClr val="dk1"/>
-          </a:fillRef>
-          <a:effectRef idx="0">
-            <a:schemeClr val="dk1"/>
-          </a:effectRef>
-          <a:fontRef idx="minor">
-            <a:schemeClr val="lt1"/>
-          </a:fontRef>
-        </p:style>
-        <p:txBody>
-          <a:bodyPr rtlCol="0" anchor="ctr"/>
-          <a:lstStyle/>
-          <a:p>
-            <a:pPr algn="ctr"/>
-            <a:endParaRPr lang="zh-CN" altLang="en-US"/>
-          </a:p>
-        </p:txBody>
-      </p:sp>
-      <p:sp>
-        <p:nvSpPr>
-          <p:cNvPr id="21" name="Up Arrow 20"/>
-          <p:cNvSpPr/>
-          <p:nvPr/>
-        </p:nvSpPr>
-        <p:spPr>
-          <a:xfrm rot="2706742">
-            <a:off x="2664287" y="2785590"/>
-            <a:ext cx="161751" cy="489734"/>
-          </a:xfrm>
-          <a:prstGeom prst="upArrow">
-            <a:avLst/>
-          </a:prstGeom>
-        </p:spPr>
-        <p:style>
-          <a:lnRef idx="2">
-            <a:schemeClr val="dk1">
+            <a:schemeClr val="accent2"/>
+          </a:fillRef>
+          <a:effectRef idx="0">
+            <a:schemeClr val="accent2"/>
+          </a:effectRef>
+          <a:fontRef idx="minor">
+            <a:schemeClr val="lt1"/>
+          </a:fontRef>
+        </p:style>
+        <p:txBody>
+          <a:bodyPr rtlCol="0" anchor="ctr"/>
+          <a:lstStyle/>
+          <a:p>
+            <a:pPr algn="ctr"/>
+            <a:r>
+              <a:rPr lang="en-US" altLang="zh-CN" dirty="0" smtClean="0"/>
+              <a:t>Preset Mode</a:t>
+            </a:r>
+          </a:p>
+        </p:txBody>
+      </p:sp>
+      <p:sp>
+        <p:nvSpPr>
+          <p:cNvPr id="21" name="Rectangle 20"/>
+          <p:cNvSpPr/>
+          <p:nvPr/>
+        </p:nvSpPr>
+        <p:spPr>
+          <a:xfrm>
+            <a:off x="3810000" y="3200400"/>
+            <a:ext cx="1371600" cy="381000"/>
+          </a:xfrm>
+          <a:prstGeom prst="rect">
+            <a:avLst/>
+          </a:prstGeom>
+        </p:spPr>
+        <p:style>
+          <a:lnRef idx="2">
+            <a:schemeClr val="accent1">
               <a:shade val="50000"/>
             </a:schemeClr>
           </a:lnRef>
           <a:fillRef idx="1">
-            <a:schemeClr val="dk1"/>
-          </a:fillRef>
-          <a:effectRef idx="0">
-            <a:schemeClr val="dk1"/>
-          </a:effectRef>
-          <a:fontRef idx="minor">
-            <a:schemeClr val="lt1"/>
-          </a:fontRef>
-        </p:style>
-        <p:txBody>
-          <a:bodyPr rtlCol="0" anchor="ctr"/>
-          <a:lstStyle/>
-          <a:p>
-            <a:pPr algn="ctr"/>
-            <a:endParaRPr lang="zh-CN" altLang="en-US"/>
-          </a:p>
-        </p:txBody>
-      </p:sp>
-      <p:sp>
-        <p:nvSpPr>
-          <p:cNvPr id="22" name="Up Arrow 21"/>
-          <p:cNvSpPr/>
-          <p:nvPr/>
-        </p:nvSpPr>
-        <p:spPr>
-          <a:xfrm rot="2706742">
-            <a:off x="3350085" y="2347439"/>
-            <a:ext cx="161751" cy="489734"/>
-          </a:xfrm>
-          <a:prstGeom prst="upArrow">
-            <a:avLst/>
-          </a:prstGeom>
-        </p:spPr>
-        <p:style>
-          <a:lnRef idx="2">
-            <a:schemeClr val="dk1">
-              <a:shade val="50000"/>
-            </a:schemeClr>
-          </a:lnRef>
-          <a:fillRef idx="1">
-            <a:schemeClr val="dk1"/>
-          </a:fillRef>
-          <a:effectRef idx="0">
-            <a:schemeClr val="dk1"/>
-          </a:effectRef>
-          <a:fontRef idx="minor">
-            <a:schemeClr val="lt1"/>
-          </a:fontRef>
-        </p:style>
-        <p:txBody>
-          <a:bodyPr rtlCol="0" anchor="ctr"/>
-          <a:lstStyle/>
-          <a:p>
-            <a:pPr algn="ctr"/>
-            <a:endParaRPr lang="zh-CN" altLang="en-US"/>
-          </a:p>
-        </p:txBody>
-      </p:sp>
-      <p:sp>
-        <p:nvSpPr>
-          <p:cNvPr id="23" name="Up Arrow 22"/>
-          <p:cNvSpPr/>
-          <p:nvPr/>
-        </p:nvSpPr>
-        <p:spPr>
-          <a:xfrm rot="2706742">
-            <a:off x="4112086" y="2195040"/>
-            <a:ext cx="161751" cy="489734"/>
-          </a:xfrm>
-          <a:prstGeom prst="upArrow">
-            <a:avLst/>
-          </a:prstGeom>
-        </p:spPr>
-        <p:style>
-          <a:lnRef idx="2">
-            <a:schemeClr val="dk1">
-              <a:shade val="50000"/>
-            </a:schemeClr>
-          </a:lnRef>
-          <a:fillRef idx="1">
-            <a:schemeClr val="dk1"/>
-          </a:fillRef>
-          <a:effectRef idx="0">
-            <a:schemeClr val="dk1"/>
-          </a:effectRef>
-          <a:fontRef idx="minor">
-            <a:schemeClr val="lt1"/>
-          </a:fontRef>
-        </p:style>
-        <p:txBody>
-          <a:bodyPr rtlCol="0" anchor="ctr"/>
-          <a:lstStyle/>
-          <a:p>
-            <a:pPr algn="ctr"/>
-            <a:endParaRPr lang="zh-CN" altLang="en-US"/>
-          </a:p>
-        </p:txBody>
-      </p:sp>
-      <p:sp>
-        <p:nvSpPr>
-          <p:cNvPr id="24" name="Up Arrow 23"/>
-          <p:cNvSpPr/>
-          <p:nvPr/>
-        </p:nvSpPr>
-        <p:spPr>
-          <a:xfrm rot="2706742">
-            <a:off x="4721685" y="2423639"/>
-            <a:ext cx="161751" cy="489734"/>
-          </a:xfrm>
-          <a:prstGeom prst="upArrow">
-            <a:avLst/>
-          </a:prstGeom>
-        </p:spPr>
-        <p:style>
-          <a:lnRef idx="2">
-            <a:schemeClr val="dk1">
-              <a:shade val="50000"/>
-            </a:schemeClr>
-          </a:lnRef>
-          <a:fillRef idx="1">
-            <a:schemeClr val="dk1"/>
-          </a:fillRef>
-          <a:effectRef idx="0">
-            <a:schemeClr val="dk1"/>
-          </a:effectRef>
-          <a:fontRef idx="minor">
-            <a:schemeClr val="lt1"/>
-          </a:fontRef>
-        </p:style>
-        <p:txBody>
-          <a:bodyPr rtlCol="0" anchor="ctr"/>
-          <a:lstStyle/>
-          <a:p>
-            <a:pPr algn="ctr"/>
-            <a:endParaRPr lang="zh-CN" altLang="en-US"/>
-          </a:p>
-        </p:txBody>
-      </p:sp>
-      <p:sp>
-        <p:nvSpPr>
-          <p:cNvPr id="25" name="Up Arrow 24"/>
-          <p:cNvSpPr/>
-          <p:nvPr/>
-        </p:nvSpPr>
-        <p:spPr>
-          <a:xfrm rot="2706742">
-            <a:off x="5224040" y="2768349"/>
-            <a:ext cx="161751" cy="489734"/>
-          </a:xfrm>
-          <a:prstGeom prst="upArrow">
-            <a:avLst/>
-          </a:prstGeom>
-        </p:spPr>
-        <p:style>
-          <a:lnRef idx="2">
-            <a:schemeClr val="dk1">
-              <a:shade val="50000"/>
-            </a:schemeClr>
-          </a:lnRef>
-          <a:fillRef idx="1">
-            <a:schemeClr val="dk1"/>
-          </a:fillRef>
-          <a:effectRef idx="0">
-            <a:schemeClr val="dk1"/>
-          </a:effectRef>
-          <a:fontRef idx="minor">
-            <a:schemeClr val="lt1"/>
-          </a:fontRef>
-        </p:style>
-        <p:txBody>
-          <a:bodyPr rtlCol="0" anchor="ctr"/>
-          <a:lstStyle/>
-          <a:p>
-            <a:pPr algn="ctr"/>
-            <a:endParaRPr lang="zh-CN" altLang="en-US"/>
-          </a:p>
-        </p:txBody>
-      </p:sp>
-      <p:sp>
-        <p:nvSpPr>
-          <p:cNvPr id="26" name="Up Arrow 25"/>
-          <p:cNvSpPr/>
-          <p:nvPr/>
-        </p:nvSpPr>
-        <p:spPr>
-          <a:xfrm rot="2706742">
-            <a:off x="5636087" y="3106426"/>
-            <a:ext cx="161751" cy="489734"/>
-          </a:xfrm>
-          <a:prstGeom prst="upArrow">
-            <a:avLst/>
-          </a:prstGeom>
-        </p:spPr>
-        <p:style>
-          <a:lnRef idx="2">
-            <a:schemeClr val="dk1">
-              <a:shade val="50000"/>
-            </a:schemeClr>
-          </a:lnRef>
-          <a:fillRef idx="1">
-            <a:schemeClr val="dk1"/>
-          </a:fillRef>
-          <a:effectRef idx="0">
-            <a:schemeClr val="dk1"/>
-          </a:effectRef>
-          <a:fontRef idx="minor">
-            <a:schemeClr val="lt1"/>
-          </a:fontRef>
-        </p:style>
-        <p:txBody>
-          <a:bodyPr rtlCol="0" anchor="ctr"/>
-          <a:lstStyle/>
-          <a:p>
-            <a:pPr algn="ctr"/>
-            <a:endParaRPr lang="zh-CN" altLang="en-US"/>
-          </a:p>
-        </p:txBody>
-      </p:sp>
-      <p:sp>
-        <p:nvSpPr>
-          <p:cNvPr id="27" name="Up Arrow 26"/>
-          <p:cNvSpPr/>
-          <p:nvPr/>
-        </p:nvSpPr>
-        <p:spPr>
-          <a:xfrm rot="2706742">
-            <a:off x="6007562" y="3499965"/>
-            <a:ext cx="161751" cy="489734"/>
-          </a:xfrm>
-          <a:prstGeom prst="upArrow">
-            <a:avLst/>
-          </a:prstGeom>
-        </p:spPr>
-        <p:style>
-          <a:lnRef idx="2">
-            <a:schemeClr val="dk1">
-              <a:shade val="50000"/>
-            </a:schemeClr>
-          </a:lnRef>
-          <a:fillRef idx="1">
-            <a:schemeClr val="dk1"/>
-          </a:fillRef>
-          <a:effectRef idx="0">
-            <a:schemeClr val="dk1"/>
-          </a:effectRef>
-          <a:fontRef idx="minor">
-            <a:schemeClr val="lt1"/>
-          </a:fontRef>
-        </p:style>
-        <p:txBody>
-          <a:bodyPr rtlCol="0" anchor="ctr"/>
-          <a:lstStyle/>
-          <a:p>
-            <a:pPr algn="ctr"/>
-            <a:endParaRPr lang="zh-CN" altLang="en-US"/>
-          </a:p>
-        </p:txBody>
-      </p:sp>
-      <p:sp>
-        <p:nvSpPr>
-          <p:cNvPr id="28" name="Up Arrow 27"/>
-          <p:cNvSpPr/>
-          <p:nvPr/>
-        </p:nvSpPr>
-        <p:spPr>
-          <a:xfrm rot="2706742">
-            <a:off x="6379037" y="3887476"/>
-            <a:ext cx="161751" cy="489734"/>
-          </a:xfrm>
-          <a:prstGeom prst="upArrow">
-            <a:avLst/>
-          </a:prstGeom>
-        </p:spPr>
-        <p:style>
-          <a:lnRef idx="2">
-            <a:schemeClr val="dk1">
-              <a:shade val="50000"/>
-            </a:schemeClr>
-          </a:lnRef>
-          <a:fillRef idx="1">
-            <a:schemeClr val="dk1"/>
-          </a:fillRef>
-          <a:effectRef idx="0">
-            <a:schemeClr val="dk1"/>
-          </a:effectRef>
-          <a:fontRef idx="minor">
-            <a:schemeClr val="lt1"/>
-          </a:fontRef>
-        </p:style>
-        <p:txBody>
-          <a:bodyPr rtlCol="0" anchor="ctr"/>
-          <a:lstStyle/>
-          <a:p>
-            <a:pPr algn="ctr"/>
-            <a:endParaRPr lang="zh-CN" altLang="en-US"/>
-          </a:p>
-        </p:txBody>
-      </p:sp>
-      <p:sp>
-        <p:nvSpPr>
-          <p:cNvPr id="29" name="Up Arrow 28"/>
-          <p:cNvSpPr/>
-          <p:nvPr/>
-        </p:nvSpPr>
-        <p:spPr>
-          <a:xfrm rot="4799969">
-            <a:off x="6727516" y="4281163"/>
-            <a:ext cx="161751" cy="489734"/>
-          </a:xfrm>
-          <a:prstGeom prst="upArrow">
-            <a:avLst/>
-          </a:prstGeom>
-        </p:spPr>
-        <p:style>
-          <a:lnRef idx="2">
-            <a:schemeClr val="dk1">
-              <a:shade val="50000"/>
-            </a:schemeClr>
-          </a:lnRef>
-          <a:fillRef idx="1">
-            <a:schemeClr val="dk1"/>
-          </a:fillRef>
-          <a:effectRef idx="0">
-            <a:schemeClr val="dk1"/>
-          </a:effectRef>
-          <a:fontRef idx="minor">
-            <a:schemeClr val="lt1"/>
-          </a:fontRef>
-        </p:style>
-        <p:txBody>
-          <a:bodyPr rtlCol="0" anchor="ctr"/>
-          <a:lstStyle/>
-          <a:p>
-            <a:pPr algn="ctr"/>
-            <a:endParaRPr lang="zh-CN" altLang="en-US"/>
-          </a:p>
-        </p:txBody>
-      </p:sp>
-      <p:cxnSp>
-        <p:nvCxnSpPr>
-          <p:cNvPr id="32" name="Straight Connector 31"/>
-          <p:cNvCxnSpPr/>
-          <p:nvPr/>
-        </p:nvCxnSpPr>
-        <p:spPr>
-          <a:xfrm>
-            <a:off x="762000" y="4829175"/>
-            <a:ext cx="6629400" cy="0"/>
-          </a:xfrm>
-          <a:prstGeom prst="line">
-            <a:avLst/>
-          </a:prstGeom>
-        </p:spPr>
-        <p:style>
-          <a:lnRef idx="1">
-            <a:schemeClr val="accent1"/>
-          </a:lnRef>
-          <a:fillRef idx="0">
-            <a:schemeClr val="accent1"/>
-          </a:fillRef>
-          <a:effectRef idx="0">
-            <a:schemeClr val="accent1"/>
-          </a:effectRef>
-          <a:fontRef idx="minor">
-            <a:schemeClr val="tx1"/>
-          </a:fontRef>
-        </p:style>
-      </p:cxnSp>
-      <p:sp>
-        <p:nvSpPr>
-          <p:cNvPr id="33" name="Rectangle 32"/>
-          <p:cNvSpPr/>
-          <p:nvPr/>
-        </p:nvSpPr>
-        <p:spPr>
-          <a:xfrm>
-            <a:off x="5486400" y="4343400"/>
-            <a:ext cx="914400" cy="381000"/>
-          </a:xfrm>
-          <a:prstGeom prst="rect">
-            <a:avLst/>
-          </a:prstGeom>
-        </p:spPr>
-        <p:style>
-          <a:lnRef idx="2">
-            <a:schemeClr val="accent1"/>
-          </a:lnRef>
-          <a:fillRef idx="1">
-            <a:schemeClr val="lt1"/>
-          </a:fillRef>
-          <a:effectRef idx="0">
-            <a:schemeClr val="accent1"/>
-          </a:effectRef>
-          <a:fontRef idx="minor">
-            <a:schemeClr val="dk1"/>
+            <a:schemeClr val="accent1"/>
+          </a:fillRef>
+          <a:effectRef idx="0">
+            <a:schemeClr val="accent1"/>
+          </a:effectRef>
+          <a:fontRef idx="minor">
+            <a:schemeClr val="lt1"/>
           </a:fontRef>
         </p:style>
         <p:txBody>
@@ -9472,132 +9896,8 @@
             <a:pPr algn="ctr"/>
             <a:r>
               <a:rPr lang="en-US" altLang="zh-CN" dirty="0" smtClean="0"/>
-              <a:t>Target</a:t>
-            </a:r>
-          </a:p>
-        </p:txBody>
-      </p:sp>
-      <p:sp>
-        <p:nvSpPr>
-          <p:cNvPr id="34" name="Rectangle 33"/>
-          <p:cNvSpPr/>
-          <p:nvPr/>
-        </p:nvSpPr>
-        <p:spPr>
-          <a:xfrm>
-            <a:off x="3276600" y="1905000"/>
-            <a:ext cx="914400" cy="381000"/>
-          </a:xfrm>
-          <a:prstGeom prst="rect">
-            <a:avLst/>
-          </a:prstGeom>
-        </p:spPr>
-        <p:style>
-          <a:lnRef idx="2">
-            <a:schemeClr val="accent1"/>
-          </a:lnRef>
-          <a:fillRef idx="1">
-            <a:schemeClr val="lt1"/>
-          </a:fillRef>
-          <a:effectRef idx="0">
-            <a:schemeClr val="accent1"/>
-          </a:effectRef>
-          <a:fontRef idx="minor">
-            <a:schemeClr val="dk1"/>
-          </a:fontRef>
-        </p:style>
-        <p:txBody>
-          <a:bodyPr rtlCol="0" anchor="ctr"/>
-          <a:lstStyle/>
-          <a:p>
-            <a:pPr algn="ctr"/>
-            <a:r>
-              <a:rPr lang="en-US" altLang="zh-CN" dirty="0" smtClean="0"/>
-              <a:t>Arrow</a:t>
-            </a:r>
-          </a:p>
-        </p:txBody>
-      </p:sp>
-      <p:sp>
-        <p:nvSpPr>
-          <p:cNvPr id="35" name="Rectangle 34"/>
-          <p:cNvSpPr/>
-          <p:nvPr/>
-        </p:nvSpPr>
-        <p:spPr>
-          <a:xfrm>
-            <a:off x="2362200" y="4419600"/>
-            <a:ext cx="1066800" cy="381000"/>
-          </a:xfrm>
-          <a:prstGeom prst="rect">
-            <a:avLst/>
-          </a:prstGeom>
-        </p:spPr>
-        <p:style>
-          <a:lnRef idx="2">
-            <a:schemeClr val="accent1"/>
-          </a:lnRef>
-          <a:fillRef idx="1">
-            <a:schemeClr val="lt1"/>
-          </a:fillRef>
-          <a:effectRef idx="0">
-            <a:schemeClr val="accent1"/>
-          </a:effectRef>
-          <a:fontRef idx="minor">
-            <a:schemeClr val="dk1"/>
-          </a:fontRef>
-        </p:style>
-        <p:txBody>
-          <a:bodyPr rtlCol="0" anchor="ctr"/>
-          <a:lstStyle/>
-          <a:p>
-            <a:pPr algn="ctr"/>
-            <a:r>
-              <a:rPr lang="en-US" altLang="zh-CN" dirty="0" smtClean="0"/>
-              <a:t>Launcher</a:t>
-            </a:r>
-          </a:p>
-        </p:txBody>
-      </p:sp>
-      <p:sp>
-        <p:nvSpPr>
-          <p:cNvPr id="36" name="Rectangle 35"/>
-          <p:cNvSpPr/>
-          <p:nvPr/>
-        </p:nvSpPr>
-        <p:spPr>
-          <a:xfrm>
-            <a:off x="3276600" y="2819400"/>
-            <a:ext cx="1219200" cy="381000"/>
-          </a:xfrm>
-          <a:prstGeom prst="rect">
-            <a:avLst/>
-          </a:prstGeom>
-        </p:spPr>
-        <p:style>
-          <a:lnRef idx="2">
-            <a:schemeClr val="accent1"/>
-          </a:lnRef>
-          <a:fillRef idx="1">
-            <a:schemeClr val="lt1"/>
-          </a:fillRef>
-          <a:effectRef idx="0">
-            <a:schemeClr val="accent1"/>
-          </a:effectRef>
-          <a:fontRef idx="minor">
-            <a:schemeClr val="dk1"/>
-          </a:fontRef>
-        </p:style>
-        <p:txBody>
-          <a:bodyPr rtlCol="0" anchor="ctr"/>
-          <a:lstStyle/>
-          <a:p>
-            <a:pPr algn="ctr"/>
-            <a:r>
-              <a:rPr lang="en-US" altLang="zh-CN" dirty="0" smtClean="0"/>
-              <a:t>Para-curve</a:t>
-            </a:r>
-            <a:endParaRPr lang="zh-CN" altLang="en-US" dirty="0"/>
+              <a:t>Drop Source</a:t>
+            </a:r>
           </a:p>
         </p:txBody>
       </p:sp>
